--- a/Slides/04. ngrok、docker及OpenAI.pptx
+++ b/Slides/04. ngrok、docker及OpenAI.pptx
@@ -255,7 +255,7 @@
           <a:p>
             <a:fld id="{90CC8E63-1016-4C78-A51D-85D69DBCD8EF}" type="datetimeFigureOut">
               <a:rPr lang="zh-TW" altLang="en-US" smtClean="0"/>
-              <a:t>2024/5/19</a:t>
+              <a:t>2024/5/20</a:t>
             </a:fld>
             <a:endParaRPr lang="zh-TW" altLang="en-US"/>
           </a:p>
@@ -5596,7 +5596,7 @@
           <a:p>
             <a:fld id="{2E29796B-F55F-40BA-947E-19D03180300F}" type="datetimeFigureOut">
               <a:rPr lang="zh-TW" altLang="en-US" smtClean="0"/>
-              <a:t>2024/5/19</a:t>
+              <a:t>2024/5/20</a:t>
             </a:fld>
             <a:endParaRPr lang="zh-TW" altLang="en-US"/>
           </a:p>
@@ -5794,7 +5794,7 @@
           <a:p>
             <a:fld id="{2E29796B-F55F-40BA-947E-19D03180300F}" type="datetimeFigureOut">
               <a:rPr lang="zh-TW" altLang="en-US" smtClean="0"/>
-              <a:t>2024/5/19</a:t>
+              <a:t>2024/5/20</a:t>
             </a:fld>
             <a:endParaRPr lang="zh-TW" altLang="en-US"/>
           </a:p>
@@ -6002,7 +6002,7 @@
           <a:p>
             <a:fld id="{2E29796B-F55F-40BA-947E-19D03180300F}" type="datetimeFigureOut">
               <a:rPr lang="zh-TW" altLang="en-US" smtClean="0"/>
-              <a:t>2024/5/19</a:t>
+              <a:t>2024/5/20</a:t>
             </a:fld>
             <a:endParaRPr lang="zh-TW" altLang="en-US"/>
           </a:p>
@@ -6383,7 +6383,7 @@
                 </a:solidFill>
               </a:rPr>
               <a:pPr/>
-              <a:t>5/19/2024</a:t>
+              <a:t>5/20/2024</a:t>
             </a:fld>
             <a:endParaRPr kumimoji="0" lang="en-US" dirty="0"/>
           </a:p>
@@ -6614,7 +6614,7 @@
                 </a:solidFill>
               </a:rPr>
               <a:pPr/>
-              <a:t>5/19/2024</a:t>
+              <a:t>5/20/2024</a:t>
             </a:fld>
             <a:endParaRPr kumimoji="0" lang="en-US" dirty="0"/>
           </a:p>
@@ -6847,7 +6847,7 @@
                 </a:solidFill>
               </a:rPr>
               <a:pPr/>
-              <a:t>5/19/2024</a:t>
+              <a:t>5/20/2024</a:t>
             </a:fld>
             <a:endParaRPr kumimoji="0" lang="en-US" dirty="0"/>
           </a:p>
@@ -7329,7 +7329,7 @@
                 </a:solidFill>
               </a:rPr>
               <a:pPr/>
-              <a:t>5/19/2024</a:t>
+              <a:t>5/20/2024</a:t>
             </a:fld>
             <a:endParaRPr kumimoji="0" lang="en-US" dirty="0"/>
           </a:p>
@@ -7686,7 +7686,7 @@
                 </a:solidFill>
               </a:rPr>
               <a:pPr/>
-              <a:t>5/19/2024</a:t>
+              <a:t>5/20/2024</a:t>
             </a:fld>
             <a:endParaRPr kumimoji="0" lang="en-US" dirty="0"/>
           </a:p>
@@ -8049,7 +8049,7 @@
                 </a:solidFill>
               </a:rPr>
               <a:pPr/>
-              <a:t>5/19/2024</a:t>
+              <a:t>5/20/2024</a:t>
             </a:fld>
             <a:endParaRPr kumimoji="0" lang="en-US" dirty="0"/>
           </a:p>
@@ -8359,7 +8359,7 @@
                 </a:solidFill>
               </a:rPr>
               <a:pPr/>
-              <a:t>5/19/2024</a:t>
+              <a:t>5/20/2024</a:t>
             </a:fld>
             <a:endParaRPr kumimoji="0" lang="en-US" dirty="0"/>
           </a:p>
@@ -8554,7 +8554,7 @@
           <a:p>
             <a:fld id="{2E29796B-F55F-40BA-947E-19D03180300F}" type="datetimeFigureOut">
               <a:rPr lang="zh-TW" altLang="en-US" smtClean="0"/>
-              <a:t>2024/5/19</a:t>
+              <a:t>2024/5/20</a:t>
             </a:fld>
             <a:endParaRPr lang="zh-TW" altLang="en-US"/>
           </a:p>
@@ -9038,7 +9038,7 @@
                 </a:solidFill>
               </a:rPr>
               <a:pPr/>
-              <a:t>5/19/2024</a:t>
+              <a:t>5/20/2024</a:t>
             </a:fld>
             <a:endParaRPr kumimoji="0" lang="en-US" dirty="0"/>
           </a:p>
@@ -9434,7 +9434,7 @@
                 </a:solidFill>
               </a:rPr>
               <a:pPr/>
-              <a:t>5/19/2024</a:t>
+              <a:t>5/20/2024</a:t>
             </a:fld>
             <a:endParaRPr kumimoji="0" lang="en-US" dirty="0"/>
           </a:p>
@@ -9774,7 +9774,7 @@
                 </a:solidFill>
               </a:rPr>
               <a:pPr/>
-              <a:t>5/19/2024</a:t>
+              <a:t>5/20/2024</a:t>
             </a:fld>
             <a:endParaRPr kumimoji="0" lang="en-US" dirty="0"/>
           </a:p>
@@ -10355,7 +10355,7 @@
                 </a:solidFill>
               </a:rPr>
               <a:pPr/>
-              <a:t>5/19/2024</a:t>
+              <a:t>5/20/2024</a:t>
             </a:fld>
             <a:endParaRPr kumimoji="0" lang="en-US" dirty="0"/>
           </a:p>
@@ -10924,7 +10924,7 @@
                 </a:solidFill>
               </a:rPr>
               <a:pPr/>
-              <a:t>5/19/2024</a:t>
+              <a:t>5/20/2024</a:t>
             </a:fld>
             <a:endParaRPr kumimoji="0" lang="en-US" dirty="0"/>
           </a:p>
@@ -11388,7 +11388,7 @@
                 </a:solidFill>
               </a:rPr>
               <a:pPr/>
-              <a:t>5/19/2024</a:t>
+              <a:t>5/20/2024</a:t>
             </a:fld>
             <a:endParaRPr kumimoji="0" lang="en-US" dirty="0"/>
           </a:p>
@@ -11817,7 +11817,7 @@
                 </a:solidFill>
               </a:rPr>
               <a:pPr/>
-              <a:t>5/19/2024</a:t>
+              <a:t>5/20/2024</a:t>
             </a:fld>
             <a:endParaRPr kumimoji="0" lang="en-US" dirty="0"/>
           </a:p>
@@ -12326,7 +12326,7 @@
                 </a:solidFill>
               </a:rPr>
               <a:pPr/>
-              <a:t>5/19/2024</a:t>
+              <a:t>5/20/2024</a:t>
             </a:fld>
             <a:endParaRPr kumimoji="0" lang="en-US" dirty="0"/>
           </a:p>
@@ -12835,7 +12835,7 @@
                 </a:solidFill>
               </a:rPr>
               <a:pPr/>
-              <a:t>5/19/2024</a:t>
+              <a:t>5/20/2024</a:t>
             </a:fld>
             <a:endParaRPr kumimoji="0" lang="en-US" dirty="0"/>
           </a:p>
@@ -13056,7 +13056,7 @@
                 </a:solidFill>
               </a:rPr>
               <a:pPr/>
-              <a:t>5/19/2024</a:t>
+              <a:t>5/20/2024</a:t>
             </a:fld>
             <a:endParaRPr kumimoji="0" lang="en-US" dirty="0"/>
           </a:p>
@@ -13328,7 +13328,7 @@
           <a:p>
             <a:fld id="{2E29796B-F55F-40BA-947E-19D03180300F}" type="datetimeFigureOut">
               <a:rPr lang="zh-TW" altLang="en-US" smtClean="0"/>
-              <a:t>2024/5/19</a:t>
+              <a:t>2024/5/20</a:t>
             </a:fld>
             <a:endParaRPr lang="zh-TW" altLang="en-US"/>
           </a:p>
@@ -13664,7 +13664,7 @@
                 </a:solidFill>
               </a:rPr>
               <a:pPr/>
-              <a:t>5/19/2024</a:t>
+              <a:t>5/20/2024</a:t>
             </a:fld>
             <a:endParaRPr kumimoji="0" lang="en-US" dirty="0"/>
           </a:p>
@@ -13888,7 +13888,7 @@
                 </a:solidFill>
               </a:rPr>
               <a:pPr/>
-              <a:t>5/19/2024</a:t>
+              <a:t>5/20/2024</a:t>
             </a:fld>
             <a:endParaRPr kumimoji="0" lang="en-US" dirty="0"/>
           </a:p>
@@ -14069,7 +14069,7 @@
             <a:fld id="{ACB2EC6F-6501-4E04-BD6C-A8A6CABB2C5B}" type="datetimeFigureOut">
               <a:rPr kumimoji="0" lang="en-US" smtClean="0"/>
               <a:pPr/>
-              <a:t>5/19/2024</a:t>
+              <a:t>5/20/2024</a:t>
             </a:fld>
             <a:endParaRPr kumimoji="0" lang="en-US" dirty="0"/>
           </a:p>
@@ -14353,7 +14353,7 @@
           <a:p>
             <a:fld id="{2E29796B-F55F-40BA-947E-19D03180300F}" type="datetimeFigureOut">
               <a:rPr lang="zh-TW" altLang="en-US" smtClean="0"/>
-              <a:t>2024/5/19</a:t>
+              <a:t>2024/5/20</a:t>
             </a:fld>
             <a:endParaRPr lang="zh-TW" altLang="en-US"/>
           </a:p>
@@ -14765,7 +14765,7 @@
           <a:p>
             <a:fld id="{2E29796B-F55F-40BA-947E-19D03180300F}" type="datetimeFigureOut">
               <a:rPr lang="zh-TW" altLang="en-US" smtClean="0"/>
-              <a:t>2024/5/19</a:t>
+              <a:t>2024/5/20</a:t>
             </a:fld>
             <a:endParaRPr lang="zh-TW" altLang="en-US"/>
           </a:p>
@@ -14906,7 +14906,7 @@
           <a:p>
             <a:fld id="{2E29796B-F55F-40BA-947E-19D03180300F}" type="datetimeFigureOut">
               <a:rPr lang="zh-TW" altLang="en-US" smtClean="0"/>
-              <a:t>2024/5/19</a:t>
+              <a:t>2024/5/20</a:t>
             </a:fld>
             <a:endParaRPr lang="zh-TW" altLang="en-US"/>
           </a:p>
@@ -15019,7 +15019,7 @@
           <a:p>
             <a:fld id="{2E29796B-F55F-40BA-947E-19D03180300F}" type="datetimeFigureOut">
               <a:rPr lang="zh-TW" altLang="en-US" smtClean="0"/>
-              <a:t>2024/5/19</a:t>
+              <a:t>2024/5/20</a:t>
             </a:fld>
             <a:endParaRPr lang="zh-TW" altLang="en-US"/>
           </a:p>
@@ -15330,7 +15330,7 @@
           <a:p>
             <a:fld id="{2E29796B-F55F-40BA-947E-19D03180300F}" type="datetimeFigureOut">
               <a:rPr lang="zh-TW" altLang="en-US" smtClean="0"/>
-              <a:t>2024/5/19</a:t>
+              <a:t>2024/5/20</a:t>
             </a:fld>
             <a:endParaRPr lang="zh-TW" altLang="en-US"/>
           </a:p>
@@ -15618,7 +15618,7 @@
           <a:p>
             <a:fld id="{2E29796B-F55F-40BA-947E-19D03180300F}" type="datetimeFigureOut">
               <a:rPr lang="zh-TW" altLang="en-US" smtClean="0"/>
-              <a:t>2024/5/19</a:t>
+              <a:t>2024/5/20</a:t>
             </a:fld>
             <a:endParaRPr lang="zh-TW" altLang="en-US"/>
           </a:p>
@@ -15859,7 +15859,7 @@
           <a:p>
             <a:fld id="{2E29796B-F55F-40BA-947E-19D03180300F}" type="datetimeFigureOut">
               <a:rPr lang="zh-TW" altLang="en-US" smtClean="0"/>
-              <a:t>2024/5/19</a:t>
+              <a:t>2024/5/20</a:t>
             </a:fld>
             <a:endParaRPr lang="zh-TW" altLang="en-US"/>
           </a:p>
@@ -16431,7 +16431,7 @@
                 </a:solidFill>
               </a:rPr>
               <a:pPr/>
-              <a:t>5/19/2024</a:t>
+              <a:t>5/20/2024</a:t>
             </a:fld>
             <a:endParaRPr kumimoji="0" lang="en-US" sz="1200" dirty="0">
               <a:solidFill>
@@ -25094,8 +25094,8 @@
         </p:nvSpPr>
         <p:spPr>
           <a:xfrm>
-            <a:off x="307140" y="6230699"/>
-            <a:ext cx="2619769" cy="646331"/>
+            <a:off x="608590" y="6225794"/>
+            <a:ext cx="1807005" cy="923330"/>
           </a:xfrm>
           <a:prstGeom prst="rect">
             <a:avLst/>
@@ -25962,8 +25962,8 @@
         </p:nvSpPr>
         <p:spPr>
           <a:xfrm>
-            <a:off x="307140" y="6230699"/>
-            <a:ext cx="2619769" cy="646331"/>
+            <a:off x="676792" y="6221673"/>
+            <a:ext cx="2105320" cy="646331"/>
           </a:xfrm>
           <a:prstGeom prst="rect">
             <a:avLst/>
@@ -27051,8 +27051,8 @@
         </p:nvSpPr>
         <p:spPr>
           <a:xfrm>
-            <a:off x="307140" y="6230699"/>
-            <a:ext cx="2619769" cy="646331"/>
+            <a:off x="683275" y="6230699"/>
+            <a:ext cx="1988857" cy="646331"/>
           </a:xfrm>
           <a:prstGeom prst="rect">
             <a:avLst/>
@@ -27996,8 +27996,8 @@
         </p:nvSpPr>
         <p:spPr>
           <a:xfrm>
-            <a:off x="307140" y="6230699"/>
-            <a:ext cx="2619769" cy="646331"/>
+            <a:off x="631391" y="6230699"/>
+            <a:ext cx="1974506" cy="646331"/>
           </a:xfrm>
           <a:prstGeom prst="rect">
             <a:avLst/>
@@ -30027,7 +30027,7 @@
                 <a:ea typeface="微軟正黑體" panose="020B0604030504040204" pitchFamily="34" charset="-120"/>
                 <a:cs typeface="Heiti TC Light"/>
               </a:rPr>
-              <a:t>網址都有一個網址</a:t>
+              <a:t>網站都有一個網址</a:t>
             </a:r>
             <a:endParaRPr kumimoji="1" lang="en-US" altLang="zh-TW" sz="3200" dirty="0">
               <a:solidFill>
@@ -30322,8 +30322,8 @@
         </p:nvSpPr>
         <p:spPr>
           <a:xfrm>
-            <a:off x="307140" y="6230699"/>
-            <a:ext cx="2619769" cy="646331"/>
+            <a:off x="695664" y="6230699"/>
+            <a:ext cx="2231245" cy="646331"/>
           </a:xfrm>
           <a:prstGeom prst="rect">
             <a:avLst/>
@@ -31640,7 +31640,7 @@
         <p:spPr>
           <a:xfrm>
             <a:off x="533400" y="1197528"/>
-            <a:ext cx="8077200" cy="584775"/>
+            <a:ext cx="8077200" cy="1077218"/>
           </a:xfrm>
           <a:prstGeom prst="rect">
             <a:avLst/>
@@ -31673,7 +31673,7 @@
                 <a:ea typeface="微軟正黑體" panose="020B0604030504040204" pitchFamily="34" charset="-120"/>
                 <a:cs typeface="Heiti TC Light"/>
               </a:rPr>
-              <a:t>中斷連線</a:t>
+              <a:t>中斷連線。由於免費帳號一次只能有一個連線，所以在連線前要先確定斷線</a:t>
             </a:r>
             <a:endParaRPr kumimoji="1" lang="en-US" altLang="zh-TW" sz="3200" dirty="0">
               <a:solidFill>
@@ -31715,7 +31715,7 @@
         </p:blipFill>
         <p:spPr>
           <a:xfrm>
-            <a:off x="383346" y="1949864"/>
+            <a:off x="383346" y="2772903"/>
             <a:ext cx="7901269" cy="3620466"/>
           </a:xfrm>
           <a:prstGeom prst="rect">
@@ -33047,7 +33047,7 @@
         <p:spPr>
           <a:xfrm>
             <a:off x="533400" y="1062294"/>
-            <a:ext cx="8077200" cy="584775"/>
+            <a:ext cx="8077200" cy="1077218"/>
           </a:xfrm>
           <a:prstGeom prst="rect">
             <a:avLst/>
@@ -33080,7 +33080,7 @@
                 <a:ea typeface="微軟正黑體" panose="020B0604030504040204" pitchFamily="34" charset="-120"/>
                 <a:cs typeface="Heiti TC Light"/>
               </a:rPr>
-              <a:t>下面是錯誤的方法</a:t>
+              <a:t>在程式中直接寫入金鑰或是密碼是錯誤的方法</a:t>
             </a:r>
             <a:endParaRPr kumimoji="1" lang="en-US" altLang="zh-TW" sz="3200" dirty="0">
               <a:solidFill>
@@ -33370,7 +33370,7 @@
         <p:spPr>
           <a:xfrm>
             <a:off x="533400" y="1062294"/>
-            <a:ext cx="8077200" cy="584775"/>
+            <a:ext cx="8077200" cy="1077218"/>
           </a:xfrm>
           <a:prstGeom prst="rect">
             <a:avLst/>
@@ -33439,7 +33439,43 @@
                 <a:ea typeface="微軟正黑體" panose="020B0604030504040204" pitchFamily="34" charset="-120"/>
                 <a:cs typeface="Heiti TC Light"/>
               </a:rPr>
-              <a:t>下設定環境變數</a:t>
+              <a:t>下設定環境變數，無法用於多個</a:t>
+            </a:r>
+            <a:r>
+              <a:rPr kumimoji="1" lang="en-US" altLang="zh-TW" sz="3200" dirty="0" err="1">
+                <a:solidFill>
+                  <a:prstClr val="white"/>
+                </a:solidFill>
+                <a:effectLst>
+                  <a:outerShdw blurRad="38100" dist="38100" dir="2700000" algn="tl">
+                    <a:srgbClr val="000000">
+                      <a:alpha val="43137"/>
+                    </a:srgbClr>
+                  </a:outerShdw>
+                </a:effectLst>
+                <a:latin typeface="微軟正黑體" panose="020B0604030504040204" pitchFamily="34" charset="-120"/>
+                <a:ea typeface="微軟正黑體" panose="020B0604030504040204" pitchFamily="34" charset="-120"/>
+                <a:cs typeface="Heiti TC Light"/>
+              </a:rPr>
+              <a:t>conda</a:t>
+            </a:r>
+            <a:r>
+              <a:rPr kumimoji="1" lang="zh-TW" altLang="en-US" sz="3200" dirty="0">
+                <a:solidFill>
+                  <a:prstClr val="white"/>
+                </a:solidFill>
+                <a:effectLst>
+                  <a:outerShdw blurRad="38100" dist="38100" dir="2700000" algn="tl">
+                    <a:srgbClr val="000000">
+                      <a:alpha val="43137"/>
+                    </a:srgbClr>
+                  </a:outerShdw>
+                </a:effectLst>
+                <a:latin typeface="微軟正黑體" panose="020B0604030504040204" pitchFamily="34" charset="-120"/>
+                <a:ea typeface="微軟正黑體" panose="020B0604030504040204" pitchFamily="34" charset="-120"/>
+                <a:cs typeface="Heiti TC Light"/>
+              </a:rPr>
+              <a:t>環境</a:t>
             </a:r>
             <a:endParaRPr kumimoji="1" lang="en-US" altLang="zh-TW" sz="3200" dirty="0">
               <a:solidFill>
@@ -33481,7 +33517,7 @@
         </p:blipFill>
         <p:spPr>
           <a:xfrm>
-            <a:off x="411125" y="1969783"/>
+            <a:off x="411125" y="2599353"/>
             <a:ext cx="3851248" cy="4115956"/>
           </a:xfrm>
           <a:prstGeom prst="rect">
@@ -33511,7 +33547,7 @@
         </p:blipFill>
         <p:spPr>
           <a:xfrm>
-            <a:off x="4469382" y="1969781"/>
+            <a:off x="4462896" y="2559495"/>
             <a:ext cx="3955521" cy="4115955"/>
           </a:xfrm>
           <a:prstGeom prst="rect">
@@ -33541,7 +33577,7 @@
         </p:blipFill>
         <p:spPr>
           <a:xfrm>
-            <a:off x="1538176" y="1647069"/>
+            <a:off x="1505751" y="2255498"/>
             <a:ext cx="6322828" cy="1502143"/>
           </a:xfrm>
           <a:prstGeom prst="rect">
@@ -33741,7 +33777,7 @@
         </p:blipFill>
         <p:spPr>
           <a:xfrm>
-            <a:off x="866710" y="2308076"/>
+            <a:off x="866710" y="2878766"/>
             <a:ext cx="6791325" cy="3076575"/>
           </a:xfrm>
           <a:prstGeom prst="rect">
@@ -33819,7 +33855,7 @@
         <p:spPr>
           <a:xfrm>
             <a:off x="533400" y="1062294"/>
-            <a:ext cx="8077200" cy="584775"/>
+            <a:ext cx="8077200" cy="1077218"/>
           </a:xfrm>
           <a:prstGeom prst="rect">
             <a:avLst/>
@@ -33888,7 +33924,133 @@
                 <a:ea typeface="微軟正黑體" panose="020B0604030504040204" pitchFamily="34" charset="-120"/>
                 <a:cs typeface="Heiti TC Light"/>
               </a:rPr>
-              <a:t>下設定環境變數</a:t>
+              <a:t>下設定環境變數，在</a:t>
+            </a:r>
+            <a:r>
+              <a:rPr kumimoji="1" lang="en-US" altLang="zh-TW" sz="3200" dirty="0">
+                <a:solidFill>
+                  <a:prstClr val="white"/>
+                </a:solidFill>
+                <a:effectLst>
+                  <a:outerShdw blurRad="38100" dist="38100" dir="2700000" algn="tl">
+                    <a:srgbClr val="000000">
+                      <a:alpha val="43137"/>
+                    </a:srgbClr>
+                  </a:outerShdw>
+                </a:effectLst>
+                <a:latin typeface="微軟正黑體" panose="020B0604030504040204" pitchFamily="34" charset="-120"/>
+                <a:ea typeface="微軟正黑體" panose="020B0604030504040204" pitchFamily="34" charset="-120"/>
+                <a:cs typeface="Heiti TC Light"/>
+              </a:rPr>
+              <a:t>.</a:t>
+            </a:r>
+            <a:r>
+              <a:rPr kumimoji="1" lang="en-US" altLang="zh-TW" sz="3200" dirty="0" err="1">
+                <a:solidFill>
+                  <a:prstClr val="white"/>
+                </a:solidFill>
+                <a:effectLst>
+                  <a:outerShdw blurRad="38100" dist="38100" dir="2700000" algn="tl">
+                    <a:srgbClr val="000000">
+                      <a:alpha val="43137"/>
+                    </a:srgbClr>
+                  </a:outerShdw>
+                </a:effectLst>
+                <a:latin typeface="微軟正黑體" panose="020B0604030504040204" pitchFamily="34" charset="-120"/>
+                <a:ea typeface="微軟正黑體" panose="020B0604030504040204" pitchFamily="34" charset="-120"/>
+                <a:cs typeface="Heiti TC Light"/>
+              </a:rPr>
+              <a:t>bashrc</a:t>
+            </a:r>
+            <a:r>
+              <a:rPr kumimoji="1" lang="en-US" altLang="zh-TW" sz="3200" dirty="0">
+                <a:solidFill>
+                  <a:prstClr val="white"/>
+                </a:solidFill>
+                <a:effectLst>
+                  <a:outerShdw blurRad="38100" dist="38100" dir="2700000" algn="tl">
+                    <a:srgbClr val="000000">
+                      <a:alpha val="43137"/>
+                    </a:srgbClr>
+                  </a:outerShdw>
+                </a:effectLst>
+                <a:latin typeface="微軟正黑體" panose="020B0604030504040204" pitchFamily="34" charset="-120"/>
+                <a:ea typeface="微軟正黑體" panose="020B0604030504040204" pitchFamily="34" charset="-120"/>
+                <a:cs typeface="Heiti TC Light"/>
+              </a:rPr>
+              <a:t>/.</a:t>
+            </a:r>
+            <a:r>
+              <a:rPr kumimoji="1" lang="en-US" altLang="zh-TW" sz="3200" dirty="0" err="1">
+                <a:solidFill>
+                  <a:prstClr val="white"/>
+                </a:solidFill>
+                <a:effectLst>
+                  <a:outerShdw blurRad="38100" dist="38100" dir="2700000" algn="tl">
+                    <a:srgbClr val="000000">
+                      <a:alpha val="43137"/>
+                    </a:srgbClr>
+                  </a:outerShdw>
+                </a:effectLst>
+                <a:latin typeface="微軟正黑體" panose="020B0604030504040204" pitchFamily="34" charset="-120"/>
+                <a:ea typeface="微軟正黑體" panose="020B0604030504040204" pitchFamily="34" charset="-120"/>
+                <a:cs typeface="Heiti TC Light"/>
+              </a:rPr>
+              <a:t>zshrc</a:t>
+            </a:r>
+            <a:r>
+              <a:rPr kumimoji="1" lang="zh-TW" altLang="en-US" sz="3200" dirty="0">
+                <a:solidFill>
+                  <a:prstClr val="white"/>
+                </a:solidFill>
+                <a:effectLst>
+                  <a:outerShdw blurRad="38100" dist="38100" dir="2700000" algn="tl">
+                    <a:srgbClr val="000000">
+                      <a:alpha val="43137"/>
+                    </a:srgbClr>
+                  </a:outerShdw>
+                </a:effectLst>
+                <a:latin typeface="微軟正黑體" panose="020B0604030504040204" pitchFamily="34" charset="-120"/>
+                <a:ea typeface="微軟正黑體" panose="020B0604030504040204" pitchFamily="34" charset="-120"/>
+                <a:cs typeface="Heiti TC Light"/>
+              </a:rPr>
+              <a:t>中也無法多</a:t>
+            </a:r>
+            <a:r>
+              <a:rPr kumimoji="1" lang="en-US" altLang="zh-TW" sz="3200" dirty="0" err="1">
+                <a:solidFill>
+                  <a:prstClr val="white"/>
+                </a:solidFill>
+                <a:effectLst>
+                  <a:outerShdw blurRad="38100" dist="38100" dir="2700000" algn="tl">
+                    <a:srgbClr val="000000">
+                      <a:alpha val="43137"/>
+                    </a:srgbClr>
+                  </a:outerShdw>
+                </a:effectLst>
+                <a:latin typeface="微軟正黑體" panose="020B0604030504040204" pitchFamily="34" charset="-120"/>
+                <a:ea typeface="微軟正黑體" panose="020B0604030504040204" pitchFamily="34" charset="-120"/>
+                <a:cs typeface="Heiti TC Light"/>
+              </a:rPr>
+              <a:t>conda</a:t>
+            </a:r>
+            <a:r>
+              <a:rPr kumimoji="1" lang="zh-TW" altLang="en-US" sz="3200" dirty="0">
+                <a:solidFill>
+                  <a:prstClr val="white"/>
+                </a:solidFill>
+                <a:effectLst>
+                  <a:outerShdw blurRad="38100" dist="38100" dir="2700000" algn="tl">
+                    <a:srgbClr val="000000">
+                      <a:alpha val="43137"/>
+                    </a:srgbClr>
+                  </a:outerShdw>
+                </a:effectLst>
+                <a:latin typeface="微軟正黑體" panose="020B0604030504040204" pitchFamily="34" charset="-120"/>
+                <a:ea typeface="微軟正黑體" panose="020B0604030504040204" pitchFamily="34" charset="-120"/>
+                <a:cs typeface="Heiti TC Light"/>
+              </a:rPr>
+              <a:t>環境</a:t>
             </a:r>
             <a:endParaRPr kumimoji="1" lang="en-US" altLang="zh-TW" sz="3200" dirty="0">
               <a:solidFill>

--- a/Slides/04. ngrok、docker及OpenAI.pptx
+++ b/Slides/04. ngrok、docker及OpenAI.pptx
@@ -6,7 +6,7 @@
     <p:sldMasterId id="2147483660" r:id="rId2"/>
   </p:sldMasterIdLst>
   <p:notesMasterIdLst>
-    <p:notesMasterId r:id="rId61"/>
+    <p:notesMasterId r:id="rId63"/>
   </p:notesMasterIdLst>
   <p:sldIdLst>
     <p:sldId id="681" r:id="rId3"/>
@@ -18,55 +18,57 @@
     <p:sldId id="1408" r:id="rId9"/>
     <p:sldId id="1409" r:id="rId10"/>
     <p:sldId id="1410" r:id="rId11"/>
-    <p:sldId id="1382" r:id="rId12"/>
-    <p:sldId id="1383" r:id="rId13"/>
-    <p:sldId id="1384" r:id="rId14"/>
-    <p:sldId id="1385" r:id="rId15"/>
-    <p:sldId id="1394" r:id="rId16"/>
-    <p:sldId id="1392" r:id="rId17"/>
-    <p:sldId id="1395" r:id="rId18"/>
-    <p:sldId id="1396" r:id="rId19"/>
-    <p:sldId id="1275" r:id="rId20"/>
-    <p:sldId id="1397" r:id="rId21"/>
-    <p:sldId id="1192" r:id="rId22"/>
-    <p:sldId id="1398" r:id="rId23"/>
-    <p:sldId id="1399" r:id="rId24"/>
-    <p:sldId id="1400" r:id="rId25"/>
-    <p:sldId id="1401" r:id="rId26"/>
-    <p:sldId id="1402" r:id="rId27"/>
-    <p:sldId id="1403" r:id="rId28"/>
-    <p:sldId id="1411" r:id="rId29"/>
-    <p:sldId id="1404" r:id="rId30"/>
-    <p:sldId id="1406" r:id="rId31"/>
-    <p:sldId id="1405" r:id="rId32"/>
-    <p:sldId id="1353" r:id="rId33"/>
-    <p:sldId id="1358" r:id="rId34"/>
-    <p:sldId id="1413" r:id="rId35"/>
-    <p:sldId id="1414" r:id="rId36"/>
-    <p:sldId id="1415" r:id="rId37"/>
-    <p:sldId id="1352" r:id="rId38"/>
-    <p:sldId id="1357" r:id="rId39"/>
-    <p:sldId id="1412" r:id="rId40"/>
-    <p:sldId id="1359" r:id="rId41"/>
-    <p:sldId id="1360" r:id="rId42"/>
-    <p:sldId id="1361" r:id="rId43"/>
-    <p:sldId id="1362" r:id="rId44"/>
-    <p:sldId id="1363" r:id="rId45"/>
-    <p:sldId id="1364" r:id="rId46"/>
-    <p:sldId id="1365" r:id="rId47"/>
-    <p:sldId id="1366" r:id="rId48"/>
-    <p:sldId id="1367" r:id="rId49"/>
-    <p:sldId id="1368" r:id="rId50"/>
-    <p:sldId id="1369" r:id="rId51"/>
-    <p:sldId id="1370" r:id="rId52"/>
-    <p:sldId id="1371" r:id="rId53"/>
-    <p:sldId id="1372" r:id="rId54"/>
-    <p:sldId id="1373" r:id="rId55"/>
-    <p:sldId id="1374" r:id="rId56"/>
-    <p:sldId id="1375" r:id="rId57"/>
-    <p:sldId id="1376" r:id="rId58"/>
-    <p:sldId id="1377" r:id="rId59"/>
-    <p:sldId id="1378" r:id="rId60"/>
+    <p:sldId id="1416" r:id="rId12"/>
+    <p:sldId id="1382" r:id="rId13"/>
+    <p:sldId id="1383" r:id="rId14"/>
+    <p:sldId id="1384" r:id="rId15"/>
+    <p:sldId id="1385" r:id="rId16"/>
+    <p:sldId id="1394" r:id="rId17"/>
+    <p:sldId id="1392" r:id="rId18"/>
+    <p:sldId id="1395" r:id="rId19"/>
+    <p:sldId id="1396" r:id="rId20"/>
+    <p:sldId id="1275" r:id="rId21"/>
+    <p:sldId id="1397" r:id="rId22"/>
+    <p:sldId id="1192" r:id="rId23"/>
+    <p:sldId id="1398" r:id="rId24"/>
+    <p:sldId id="1399" r:id="rId25"/>
+    <p:sldId id="1400" r:id="rId26"/>
+    <p:sldId id="1401" r:id="rId27"/>
+    <p:sldId id="1402" r:id="rId28"/>
+    <p:sldId id="1403" r:id="rId29"/>
+    <p:sldId id="1411" r:id="rId30"/>
+    <p:sldId id="1404" r:id="rId31"/>
+    <p:sldId id="1406" r:id="rId32"/>
+    <p:sldId id="1405" r:id="rId33"/>
+    <p:sldId id="1353" r:id="rId34"/>
+    <p:sldId id="1417" r:id="rId35"/>
+    <p:sldId id="1358" r:id="rId36"/>
+    <p:sldId id="1413" r:id="rId37"/>
+    <p:sldId id="1414" r:id="rId38"/>
+    <p:sldId id="1415" r:id="rId39"/>
+    <p:sldId id="1352" r:id="rId40"/>
+    <p:sldId id="1357" r:id="rId41"/>
+    <p:sldId id="1412" r:id="rId42"/>
+    <p:sldId id="1359" r:id="rId43"/>
+    <p:sldId id="1360" r:id="rId44"/>
+    <p:sldId id="1361" r:id="rId45"/>
+    <p:sldId id="1362" r:id="rId46"/>
+    <p:sldId id="1363" r:id="rId47"/>
+    <p:sldId id="1364" r:id="rId48"/>
+    <p:sldId id="1365" r:id="rId49"/>
+    <p:sldId id="1366" r:id="rId50"/>
+    <p:sldId id="1367" r:id="rId51"/>
+    <p:sldId id="1368" r:id="rId52"/>
+    <p:sldId id="1369" r:id="rId53"/>
+    <p:sldId id="1370" r:id="rId54"/>
+    <p:sldId id="1371" r:id="rId55"/>
+    <p:sldId id="1372" r:id="rId56"/>
+    <p:sldId id="1373" r:id="rId57"/>
+    <p:sldId id="1374" r:id="rId58"/>
+    <p:sldId id="1375" r:id="rId59"/>
+    <p:sldId id="1376" r:id="rId60"/>
+    <p:sldId id="1377" r:id="rId61"/>
+    <p:sldId id="1378" r:id="rId62"/>
   </p:sldIdLst>
   <p:sldSz cx="9144000" cy="6858000" type="screen4x3"/>
   <p:notesSz cx="6858000" cy="9144000"/>
@@ -255,7 +257,7 @@
           <a:p>
             <a:fld id="{90CC8E63-1016-4C78-A51D-85D69DBCD8EF}" type="datetimeFigureOut">
               <a:rPr lang="zh-TW" altLang="en-US" smtClean="0"/>
-              <a:t>2024/5/20</a:t>
+              <a:t>2024/5/22</a:t>
             </a:fld>
             <a:endParaRPr lang="zh-TW" altLang="en-US"/>
           </a:p>
@@ -812,7 +814,7 @@
     </p:spTree>
     <p:extLst>
       <p:ext uri="{BB962C8B-B14F-4D97-AF65-F5344CB8AC3E}">
-        <p14:creationId xmlns:p14="http://schemas.microsoft.com/office/powerpoint/2010/main" val="767562203"/>
+        <p14:creationId xmlns:p14="http://schemas.microsoft.com/office/powerpoint/2010/main" val="217955152"/>
       </p:ext>
     </p:extLst>
   </p:cSld>
@@ -961,7 +963,7 @@
     </p:spTree>
     <p:extLst>
       <p:ext uri="{BB962C8B-B14F-4D97-AF65-F5344CB8AC3E}">
-        <p14:creationId xmlns:p14="http://schemas.microsoft.com/office/powerpoint/2010/main" val="702723872"/>
+        <p14:creationId xmlns:p14="http://schemas.microsoft.com/office/powerpoint/2010/main" val="767562203"/>
       </p:ext>
     </p:extLst>
   </p:cSld>
@@ -1110,7 +1112,7 @@
     </p:spTree>
     <p:extLst>
       <p:ext uri="{BB962C8B-B14F-4D97-AF65-F5344CB8AC3E}">
-        <p14:creationId xmlns:p14="http://schemas.microsoft.com/office/powerpoint/2010/main" val="2874236133"/>
+        <p14:creationId xmlns:p14="http://schemas.microsoft.com/office/powerpoint/2010/main" val="702723872"/>
       </p:ext>
     </p:extLst>
   </p:cSld>
@@ -1259,7 +1261,7 @@
     </p:spTree>
     <p:extLst>
       <p:ext uri="{BB962C8B-B14F-4D97-AF65-F5344CB8AC3E}">
-        <p14:creationId xmlns:p14="http://schemas.microsoft.com/office/powerpoint/2010/main" val="675072581"/>
+        <p14:creationId xmlns:p14="http://schemas.microsoft.com/office/powerpoint/2010/main" val="2874236133"/>
       </p:ext>
     </p:extLst>
   </p:cSld>
@@ -1408,7 +1410,7 @@
     </p:spTree>
     <p:extLst>
       <p:ext uri="{BB962C8B-B14F-4D97-AF65-F5344CB8AC3E}">
-        <p14:creationId xmlns:p14="http://schemas.microsoft.com/office/powerpoint/2010/main" val="937062583"/>
+        <p14:creationId xmlns:p14="http://schemas.microsoft.com/office/powerpoint/2010/main" val="675072581"/>
       </p:ext>
     </p:extLst>
   </p:cSld>
@@ -1557,7 +1559,7 @@
     </p:spTree>
     <p:extLst>
       <p:ext uri="{BB962C8B-B14F-4D97-AF65-F5344CB8AC3E}">
-        <p14:creationId xmlns:p14="http://schemas.microsoft.com/office/powerpoint/2010/main" val="3154222514"/>
+        <p14:creationId xmlns:p14="http://schemas.microsoft.com/office/powerpoint/2010/main" val="937062583"/>
       </p:ext>
     </p:extLst>
   </p:cSld>
@@ -1706,7 +1708,7 @@
     </p:spTree>
     <p:extLst>
       <p:ext uri="{BB962C8B-B14F-4D97-AF65-F5344CB8AC3E}">
-        <p14:creationId xmlns:p14="http://schemas.microsoft.com/office/powerpoint/2010/main" val="4094186276"/>
+        <p14:creationId xmlns:p14="http://schemas.microsoft.com/office/powerpoint/2010/main" val="3154222514"/>
       </p:ext>
     </p:extLst>
   </p:cSld>
@@ -1855,7 +1857,7 @@
     </p:spTree>
     <p:extLst>
       <p:ext uri="{BB962C8B-B14F-4D97-AF65-F5344CB8AC3E}">
-        <p14:creationId xmlns:p14="http://schemas.microsoft.com/office/powerpoint/2010/main" val="1749982325"/>
+        <p14:creationId xmlns:p14="http://schemas.microsoft.com/office/powerpoint/2010/main" val="4094186276"/>
       </p:ext>
     </p:extLst>
   </p:cSld>
@@ -1911,9 +1913,7 @@
         </p:nvSpPr>
         <p:spPr/>
         <p:txBody>
-          <a:bodyPr>
-            <a:normAutofit/>
-          </a:bodyPr>
+          <a:bodyPr/>
           <a:lstStyle/>
           <a:p>
             <a:endParaRPr lang="zh-TW" altLang="en-US" dirty="0"/>
@@ -2006,7 +2006,7 @@
     </p:spTree>
     <p:extLst>
       <p:ext uri="{BB962C8B-B14F-4D97-AF65-F5344CB8AC3E}">
-        <p14:creationId xmlns:p14="http://schemas.microsoft.com/office/powerpoint/2010/main" val="3795156462"/>
+        <p14:creationId xmlns:p14="http://schemas.microsoft.com/office/powerpoint/2010/main" val="1749982325"/>
       </p:ext>
     </p:extLst>
   </p:cSld>
@@ -2062,7 +2062,9 @@
         </p:nvSpPr>
         <p:spPr/>
         <p:txBody>
-          <a:bodyPr/>
+          <a:bodyPr>
+            <a:normAutofit/>
+          </a:bodyPr>
           <a:lstStyle/>
           <a:p>
             <a:endParaRPr lang="zh-TW" altLang="en-US" dirty="0"/>
@@ -2155,7 +2157,7 @@
     </p:spTree>
     <p:extLst>
       <p:ext uri="{BB962C8B-B14F-4D97-AF65-F5344CB8AC3E}">
-        <p14:creationId xmlns:p14="http://schemas.microsoft.com/office/powerpoint/2010/main" val="2799552635"/>
+        <p14:creationId xmlns:p14="http://schemas.microsoft.com/office/powerpoint/2010/main" val="3795156462"/>
       </p:ext>
     </p:extLst>
   </p:cSld>
@@ -2453,7 +2455,7 @@
     </p:spTree>
     <p:extLst>
       <p:ext uri="{BB962C8B-B14F-4D97-AF65-F5344CB8AC3E}">
-        <p14:creationId xmlns:p14="http://schemas.microsoft.com/office/powerpoint/2010/main" val="4013765292"/>
+        <p14:creationId xmlns:p14="http://schemas.microsoft.com/office/powerpoint/2010/main" val="2799552635"/>
       </p:ext>
     </p:extLst>
   </p:cSld>
@@ -2602,7 +2604,7 @@
     </p:spTree>
     <p:extLst>
       <p:ext uri="{BB962C8B-B14F-4D97-AF65-F5344CB8AC3E}">
-        <p14:creationId xmlns:p14="http://schemas.microsoft.com/office/powerpoint/2010/main" val="138496955"/>
+        <p14:creationId xmlns:p14="http://schemas.microsoft.com/office/powerpoint/2010/main" val="4013765292"/>
       </p:ext>
     </p:extLst>
   </p:cSld>
@@ -2751,7 +2753,7 @@
     </p:spTree>
     <p:extLst>
       <p:ext uri="{BB962C8B-B14F-4D97-AF65-F5344CB8AC3E}">
-        <p14:creationId xmlns:p14="http://schemas.microsoft.com/office/powerpoint/2010/main" val="1697965555"/>
+        <p14:creationId xmlns:p14="http://schemas.microsoft.com/office/powerpoint/2010/main" val="138496955"/>
       </p:ext>
     </p:extLst>
   </p:cSld>
@@ -2900,7 +2902,7 @@
     </p:spTree>
     <p:extLst>
       <p:ext uri="{BB962C8B-B14F-4D97-AF65-F5344CB8AC3E}">
-        <p14:creationId xmlns:p14="http://schemas.microsoft.com/office/powerpoint/2010/main" val="561340099"/>
+        <p14:creationId xmlns:p14="http://schemas.microsoft.com/office/powerpoint/2010/main" val="1697965555"/>
       </p:ext>
     </p:extLst>
   </p:cSld>
@@ -3049,7 +3051,7 @@
     </p:spTree>
     <p:extLst>
       <p:ext uri="{BB962C8B-B14F-4D97-AF65-F5344CB8AC3E}">
-        <p14:creationId xmlns:p14="http://schemas.microsoft.com/office/powerpoint/2010/main" val="3347299501"/>
+        <p14:creationId xmlns:p14="http://schemas.microsoft.com/office/powerpoint/2010/main" val="561340099"/>
       </p:ext>
     </p:extLst>
   </p:cSld>
@@ -3198,7 +3200,7 @@
     </p:spTree>
     <p:extLst>
       <p:ext uri="{BB962C8B-B14F-4D97-AF65-F5344CB8AC3E}">
-        <p14:creationId xmlns:p14="http://schemas.microsoft.com/office/powerpoint/2010/main" val="366268311"/>
+        <p14:creationId xmlns:p14="http://schemas.microsoft.com/office/powerpoint/2010/main" val="3347299501"/>
       </p:ext>
     </p:extLst>
   </p:cSld>
@@ -3347,7 +3349,7 @@
     </p:spTree>
     <p:extLst>
       <p:ext uri="{BB962C8B-B14F-4D97-AF65-F5344CB8AC3E}">
-        <p14:creationId xmlns:p14="http://schemas.microsoft.com/office/powerpoint/2010/main" val="3696089639"/>
+        <p14:creationId xmlns:p14="http://schemas.microsoft.com/office/powerpoint/2010/main" val="366268311"/>
       </p:ext>
     </p:extLst>
   </p:cSld>
@@ -3496,7 +3498,7 @@
     </p:spTree>
     <p:extLst>
       <p:ext uri="{BB962C8B-B14F-4D97-AF65-F5344CB8AC3E}">
-        <p14:creationId xmlns:p14="http://schemas.microsoft.com/office/powerpoint/2010/main" val="186518114"/>
+        <p14:creationId xmlns:p14="http://schemas.microsoft.com/office/powerpoint/2010/main" val="3696089639"/>
       </p:ext>
     </p:extLst>
   </p:cSld>
@@ -3645,7 +3647,7 @@
     </p:spTree>
     <p:extLst>
       <p:ext uri="{BB962C8B-B14F-4D97-AF65-F5344CB8AC3E}">
-        <p14:creationId xmlns:p14="http://schemas.microsoft.com/office/powerpoint/2010/main" val="4192992722"/>
+        <p14:creationId xmlns:p14="http://schemas.microsoft.com/office/powerpoint/2010/main" val="186518114"/>
       </p:ext>
     </p:extLst>
   </p:cSld>
@@ -3794,7 +3796,7 @@
     </p:spTree>
     <p:extLst>
       <p:ext uri="{BB962C8B-B14F-4D97-AF65-F5344CB8AC3E}">
-        <p14:creationId xmlns:p14="http://schemas.microsoft.com/office/powerpoint/2010/main" val="2796035448"/>
+        <p14:creationId xmlns:p14="http://schemas.microsoft.com/office/powerpoint/2010/main" val="4192992722"/>
       </p:ext>
     </p:extLst>
   </p:cSld>
@@ -4092,7 +4094,7 @@
     </p:spTree>
     <p:extLst>
       <p:ext uri="{BB962C8B-B14F-4D97-AF65-F5344CB8AC3E}">
-        <p14:creationId xmlns:p14="http://schemas.microsoft.com/office/powerpoint/2010/main" val="4039775310"/>
+        <p14:creationId xmlns:p14="http://schemas.microsoft.com/office/powerpoint/2010/main" val="2796035448"/>
       </p:ext>
     </p:extLst>
   </p:cSld>
@@ -4148,9 +4150,7 @@
         </p:nvSpPr>
         <p:spPr/>
         <p:txBody>
-          <a:bodyPr>
-            <a:normAutofit/>
-          </a:bodyPr>
+          <a:bodyPr/>
           <a:lstStyle/>
           <a:p>
             <a:endParaRPr lang="zh-TW" altLang="en-US" dirty="0"/>
@@ -4243,7 +4243,7 @@
     </p:spTree>
     <p:extLst>
       <p:ext uri="{BB962C8B-B14F-4D97-AF65-F5344CB8AC3E}">
-        <p14:creationId xmlns:p14="http://schemas.microsoft.com/office/powerpoint/2010/main" val="3239465150"/>
+        <p14:creationId xmlns:p14="http://schemas.microsoft.com/office/powerpoint/2010/main" val="4039775310"/>
       </p:ext>
     </p:extLst>
   </p:cSld>
@@ -4372,7 +4372,7 @@
                 <a:tabLst/>
                 <a:defRPr/>
               </a:pPr>
-              <a:t>36</a:t>
+              <a:t>32</a:t>
             </a:fld>
             <a:endParaRPr kumimoji="0" lang="en-US" sz="1200" b="0" i="0" u="none" strike="noStrike" kern="1200" cap="none" spc="0" normalizeH="0" baseline="0" noProof="0" dirty="0">
               <a:ln>
@@ -4394,7 +4394,7 @@
     </p:spTree>
     <p:extLst>
       <p:ext uri="{BB962C8B-B14F-4D97-AF65-F5344CB8AC3E}">
-        <p14:creationId xmlns:p14="http://schemas.microsoft.com/office/powerpoint/2010/main" val="2985763785"/>
+        <p14:creationId xmlns:p14="http://schemas.microsoft.com/office/powerpoint/2010/main" val="3239465150"/>
       </p:ext>
     </p:extLst>
   </p:cSld>
@@ -4450,9 +4450,7 @@
         </p:nvSpPr>
         <p:spPr/>
         <p:txBody>
-          <a:bodyPr>
-            <a:normAutofit/>
-          </a:bodyPr>
+          <a:bodyPr/>
           <a:lstStyle/>
           <a:p>
             <a:endParaRPr lang="zh-TW" altLang="en-US" dirty="0"/>
@@ -4523,7 +4521,309 @@
                 <a:tabLst/>
                 <a:defRPr/>
               </a:pPr>
-              <a:t>39</a:t>
+              <a:t>33</a:t>
+            </a:fld>
+            <a:endParaRPr kumimoji="0" lang="en-US" sz="1200" b="0" i="0" u="none" strike="noStrike" kern="1200" cap="none" spc="0" normalizeH="0" baseline="0" noProof="0" dirty="0">
+              <a:ln>
+                <a:noFill/>
+              </a:ln>
+              <a:solidFill>
+                <a:prstClr val="black"/>
+              </a:solidFill>
+              <a:effectLst/>
+              <a:uLnTx/>
+              <a:uFillTx/>
+              <a:latin typeface="Calibri"/>
+              <a:ea typeface="+mn-ea"/>
+              <a:cs typeface="+mn-cs"/>
+            </a:endParaRPr>
+          </a:p>
+        </p:txBody>
+      </p:sp>
+    </p:spTree>
+    <p:extLst>
+      <p:ext uri="{BB962C8B-B14F-4D97-AF65-F5344CB8AC3E}">
+        <p14:creationId xmlns:p14="http://schemas.microsoft.com/office/powerpoint/2010/main" val="950726272"/>
+      </p:ext>
+    </p:extLst>
+  </p:cSld>
+  <p:clrMapOvr>
+    <a:masterClrMapping/>
+  </p:clrMapOvr>
+</p:notes>
+</file>
+
+<file path=ppt/notesSlides/notesSlide34.xml><?xml version="1.0" encoding="utf-8"?>
+<p:notes xmlns:a="http://schemas.openxmlformats.org/drawingml/2006/main" xmlns:r="http://schemas.openxmlformats.org/officeDocument/2006/relationships" xmlns:p="http://schemas.openxmlformats.org/presentationml/2006/main">
+  <p:cSld>
+    <p:spTree>
+      <p:nvGrpSpPr>
+        <p:cNvPr id="1" name=""/>
+        <p:cNvGrpSpPr/>
+        <p:nvPr/>
+      </p:nvGrpSpPr>
+      <p:grpSpPr>
+        <a:xfrm>
+          <a:off x="0" y="0"/>
+          <a:ext cx="0" cy="0"/>
+          <a:chOff x="0" y="0"/>
+          <a:chExt cx="0" cy="0"/>
+        </a:xfrm>
+      </p:grpSpPr>
+      <p:sp>
+        <p:nvSpPr>
+          <p:cNvPr id="2" name="投影片圖像版面配置區 1"/>
+          <p:cNvSpPr>
+            <a:spLocks noGrp="1" noRot="1" noChangeAspect="1"/>
+          </p:cNvSpPr>
+          <p:nvPr>
+            <p:ph type="sldImg"/>
+          </p:nvPr>
+        </p:nvSpPr>
+        <p:spPr>
+          <a:xfrm>
+            <a:off x="1371600" y="1143000"/>
+            <a:ext cx="4114800" cy="3086100"/>
+          </a:xfrm>
+        </p:spPr>
+      </p:sp>
+      <p:sp>
+        <p:nvSpPr>
+          <p:cNvPr id="3" name="備忘稿版面配置區 2"/>
+          <p:cNvSpPr>
+            <a:spLocks noGrp="1"/>
+          </p:cNvSpPr>
+          <p:nvPr>
+            <p:ph type="body" idx="1"/>
+          </p:nvPr>
+        </p:nvSpPr>
+        <p:spPr/>
+        <p:txBody>
+          <a:bodyPr>
+            <a:normAutofit/>
+          </a:bodyPr>
+          <a:lstStyle/>
+          <a:p>
+            <a:endParaRPr lang="zh-TW" altLang="en-US" dirty="0"/>
+          </a:p>
+        </p:txBody>
+      </p:sp>
+      <p:sp>
+        <p:nvSpPr>
+          <p:cNvPr id="4" name="投影片編號版面配置區 3"/>
+          <p:cNvSpPr>
+            <a:spLocks noGrp="1"/>
+          </p:cNvSpPr>
+          <p:nvPr>
+            <p:ph type="sldNum" sz="quarter" idx="10"/>
+          </p:nvPr>
+        </p:nvSpPr>
+        <p:spPr/>
+        <p:txBody>
+          <a:bodyPr/>
+          <a:lstStyle/>
+          <a:p>
+            <a:pPr marL="0" marR="0" lvl="0" indent="0" algn="r" defTabSz="914400" rtl="0" eaLnBrk="1" fontAlgn="auto" latinLnBrk="0" hangingPunct="1">
+              <a:lnSpc>
+                <a:spcPct val="100000"/>
+              </a:lnSpc>
+              <a:spcBef>
+                <a:spcPts val="0"/>
+              </a:spcBef>
+              <a:spcAft>
+                <a:spcPts val="0"/>
+              </a:spcAft>
+              <a:buClrTx/>
+              <a:buSzTx/>
+              <a:buFontTx/>
+              <a:buNone/>
+              <a:tabLst/>
+              <a:defRPr/>
+            </a:pPr>
+            <a:fld id="{9B26CD33-4337-4529-948A-94F6960B2374}" type="slidenum">
+              <a:rPr kumimoji="0" lang="en-US" sz="1200" b="0" i="0" u="none" strike="noStrike" kern="1200" cap="none" spc="0" normalizeH="0" baseline="0" noProof="0" smtClean="0">
+                <a:ln>
+                  <a:noFill/>
+                </a:ln>
+                <a:solidFill>
+                  <a:prstClr val="black"/>
+                </a:solidFill>
+                <a:effectLst/>
+                <a:uLnTx/>
+                <a:uFillTx/>
+                <a:latin typeface="Calibri"/>
+                <a:ea typeface="+mn-ea"/>
+                <a:cs typeface="+mn-cs"/>
+              </a:rPr>
+              <a:pPr marL="0" marR="0" lvl="0" indent="0" algn="r" defTabSz="914400" rtl="0" eaLnBrk="1" fontAlgn="auto" latinLnBrk="0" hangingPunct="1">
+                <a:lnSpc>
+                  <a:spcPct val="100000"/>
+                </a:lnSpc>
+                <a:spcBef>
+                  <a:spcPts val="0"/>
+                </a:spcBef>
+                <a:spcAft>
+                  <a:spcPts val="0"/>
+                </a:spcAft>
+                <a:buClrTx/>
+                <a:buSzTx/>
+                <a:buFontTx/>
+                <a:buNone/>
+                <a:tabLst/>
+                <a:defRPr/>
+              </a:pPr>
+              <a:t>38</a:t>
+            </a:fld>
+            <a:endParaRPr kumimoji="0" lang="en-US" sz="1200" b="0" i="0" u="none" strike="noStrike" kern="1200" cap="none" spc="0" normalizeH="0" baseline="0" noProof="0" dirty="0">
+              <a:ln>
+                <a:noFill/>
+              </a:ln>
+              <a:solidFill>
+                <a:prstClr val="black"/>
+              </a:solidFill>
+              <a:effectLst/>
+              <a:uLnTx/>
+              <a:uFillTx/>
+              <a:latin typeface="Calibri"/>
+              <a:ea typeface="+mn-ea"/>
+              <a:cs typeface="+mn-cs"/>
+            </a:endParaRPr>
+          </a:p>
+        </p:txBody>
+      </p:sp>
+    </p:spTree>
+    <p:extLst>
+      <p:ext uri="{BB962C8B-B14F-4D97-AF65-F5344CB8AC3E}">
+        <p14:creationId xmlns:p14="http://schemas.microsoft.com/office/powerpoint/2010/main" val="2985763785"/>
+      </p:ext>
+    </p:extLst>
+  </p:cSld>
+  <p:clrMapOvr>
+    <a:masterClrMapping/>
+  </p:clrMapOvr>
+</p:notes>
+</file>
+
+<file path=ppt/notesSlides/notesSlide35.xml><?xml version="1.0" encoding="utf-8"?>
+<p:notes xmlns:a="http://schemas.openxmlformats.org/drawingml/2006/main" xmlns:r="http://schemas.openxmlformats.org/officeDocument/2006/relationships" xmlns:p="http://schemas.openxmlformats.org/presentationml/2006/main">
+  <p:cSld>
+    <p:spTree>
+      <p:nvGrpSpPr>
+        <p:cNvPr id="1" name=""/>
+        <p:cNvGrpSpPr/>
+        <p:nvPr/>
+      </p:nvGrpSpPr>
+      <p:grpSpPr>
+        <a:xfrm>
+          <a:off x="0" y="0"/>
+          <a:ext cx="0" cy="0"/>
+          <a:chOff x="0" y="0"/>
+          <a:chExt cx="0" cy="0"/>
+        </a:xfrm>
+      </p:grpSpPr>
+      <p:sp>
+        <p:nvSpPr>
+          <p:cNvPr id="2" name="投影片圖像版面配置區 1"/>
+          <p:cNvSpPr>
+            <a:spLocks noGrp="1" noRot="1" noChangeAspect="1"/>
+          </p:cNvSpPr>
+          <p:nvPr>
+            <p:ph type="sldImg"/>
+          </p:nvPr>
+        </p:nvSpPr>
+        <p:spPr>
+          <a:xfrm>
+            <a:off x="1371600" y="1143000"/>
+            <a:ext cx="4114800" cy="3086100"/>
+          </a:xfrm>
+        </p:spPr>
+      </p:sp>
+      <p:sp>
+        <p:nvSpPr>
+          <p:cNvPr id="3" name="備忘稿版面配置區 2"/>
+          <p:cNvSpPr>
+            <a:spLocks noGrp="1"/>
+          </p:cNvSpPr>
+          <p:nvPr>
+            <p:ph type="body" idx="1"/>
+          </p:nvPr>
+        </p:nvSpPr>
+        <p:spPr/>
+        <p:txBody>
+          <a:bodyPr>
+            <a:normAutofit/>
+          </a:bodyPr>
+          <a:lstStyle/>
+          <a:p>
+            <a:endParaRPr lang="zh-TW" altLang="en-US" dirty="0"/>
+          </a:p>
+        </p:txBody>
+      </p:sp>
+      <p:sp>
+        <p:nvSpPr>
+          <p:cNvPr id="4" name="投影片編號版面配置區 3"/>
+          <p:cNvSpPr>
+            <a:spLocks noGrp="1"/>
+          </p:cNvSpPr>
+          <p:nvPr>
+            <p:ph type="sldNum" sz="quarter" idx="10"/>
+          </p:nvPr>
+        </p:nvSpPr>
+        <p:spPr/>
+        <p:txBody>
+          <a:bodyPr/>
+          <a:lstStyle/>
+          <a:p>
+            <a:pPr marL="0" marR="0" lvl="0" indent="0" algn="r" defTabSz="914400" rtl="0" eaLnBrk="1" fontAlgn="auto" latinLnBrk="0" hangingPunct="1">
+              <a:lnSpc>
+                <a:spcPct val="100000"/>
+              </a:lnSpc>
+              <a:spcBef>
+                <a:spcPts val="0"/>
+              </a:spcBef>
+              <a:spcAft>
+                <a:spcPts val="0"/>
+              </a:spcAft>
+              <a:buClrTx/>
+              <a:buSzTx/>
+              <a:buFontTx/>
+              <a:buNone/>
+              <a:tabLst/>
+              <a:defRPr/>
+            </a:pPr>
+            <a:fld id="{9B26CD33-4337-4529-948A-94F6960B2374}" type="slidenum">
+              <a:rPr kumimoji="0" lang="en-US" sz="1200" b="0" i="0" u="none" strike="noStrike" kern="1200" cap="none" spc="0" normalizeH="0" baseline="0" noProof="0" smtClean="0">
+                <a:ln>
+                  <a:noFill/>
+                </a:ln>
+                <a:solidFill>
+                  <a:prstClr val="black"/>
+                </a:solidFill>
+                <a:effectLst/>
+                <a:uLnTx/>
+                <a:uFillTx/>
+                <a:latin typeface="Calibri"/>
+                <a:ea typeface="+mn-ea"/>
+                <a:cs typeface="+mn-cs"/>
+              </a:rPr>
+              <a:pPr marL="0" marR="0" lvl="0" indent="0" algn="r" defTabSz="914400" rtl="0" eaLnBrk="1" fontAlgn="auto" latinLnBrk="0" hangingPunct="1">
+                <a:lnSpc>
+                  <a:spcPct val="100000"/>
+                </a:lnSpc>
+                <a:spcBef>
+                  <a:spcPts val="0"/>
+                </a:spcBef>
+                <a:spcAft>
+                  <a:spcPts val="0"/>
+                </a:spcAft>
+                <a:buClrTx/>
+                <a:buSzTx/>
+                <a:buFontTx/>
+                <a:buNone/>
+                <a:tabLst/>
+                <a:defRPr/>
+              </a:pPr>
+              <a:t>41</a:t>
             </a:fld>
             <a:endParaRPr kumimoji="0" lang="en-US" sz="1200" b="0" i="0" u="none" strike="noStrike" kern="1200" cap="none" spc="0" normalizeH="0" baseline="0" noProof="0" dirty="0">
               <a:ln>
@@ -5596,7 +5896,7 @@
           <a:p>
             <a:fld id="{2E29796B-F55F-40BA-947E-19D03180300F}" type="datetimeFigureOut">
               <a:rPr lang="zh-TW" altLang="en-US" smtClean="0"/>
-              <a:t>2024/5/20</a:t>
+              <a:t>2024/5/22</a:t>
             </a:fld>
             <a:endParaRPr lang="zh-TW" altLang="en-US"/>
           </a:p>
@@ -5794,7 +6094,7 @@
           <a:p>
             <a:fld id="{2E29796B-F55F-40BA-947E-19D03180300F}" type="datetimeFigureOut">
               <a:rPr lang="zh-TW" altLang="en-US" smtClean="0"/>
-              <a:t>2024/5/20</a:t>
+              <a:t>2024/5/22</a:t>
             </a:fld>
             <a:endParaRPr lang="zh-TW" altLang="en-US"/>
           </a:p>
@@ -6002,7 +6302,7 @@
           <a:p>
             <a:fld id="{2E29796B-F55F-40BA-947E-19D03180300F}" type="datetimeFigureOut">
               <a:rPr lang="zh-TW" altLang="en-US" smtClean="0"/>
-              <a:t>2024/5/20</a:t>
+              <a:t>2024/5/22</a:t>
             </a:fld>
             <a:endParaRPr lang="zh-TW" altLang="en-US"/>
           </a:p>
@@ -6383,7 +6683,7 @@
                 </a:solidFill>
               </a:rPr>
               <a:pPr/>
-              <a:t>5/20/2024</a:t>
+              <a:t>5/22/2024</a:t>
             </a:fld>
             <a:endParaRPr kumimoji="0" lang="en-US" dirty="0"/>
           </a:p>
@@ -6614,7 +6914,7 @@
                 </a:solidFill>
               </a:rPr>
               <a:pPr/>
-              <a:t>5/20/2024</a:t>
+              <a:t>5/22/2024</a:t>
             </a:fld>
             <a:endParaRPr kumimoji="0" lang="en-US" dirty="0"/>
           </a:p>
@@ -6847,7 +7147,7 @@
                 </a:solidFill>
               </a:rPr>
               <a:pPr/>
-              <a:t>5/20/2024</a:t>
+              <a:t>5/22/2024</a:t>
             </a:fld>
             <a:endParaRPr kumimoji="0" lang="en-US" dirty="0"/>
           </a:p>
@@ -7329,7 +7629,7 @@
                 </a:solidFill>
               </a:rPr>
               <a:pPr/>
-              <a:t>5/20/2024</a:t>
+              <a:t>5/22/2024</a:t>
             </a:fld>
             <a:endParaRPr kumimoji="0" lang="en-US" dirty="0"/>
           </a:p>
@@ -7686,7 +7986,7 @@
                 </a:solidFill>
               </a:rPr>
               <a:pPr/>
-              <a:t>5/20/2024</a:t>
+              <a:t>5/22/2024</a:t>
             </a:fld>
             <a:endParaRPr kumimoji="0" lang="en-US" dirty="0"/>
           </a:p>
@@ -8049,7 +8349,7 @@
                 </a:solidFill>
               </a:rPr>
               <a:pPr/>
-              <a:t>5/20/2024</a:t>
+              <a:t>5/22/2024</a:t>
             </a:fld>
             <a:endParaRPr kumimoji="0" lang="en-US" dirty="0"/>
           </a:p>
@@ -8359,7 +8659,7 @@
                 </a:solidFill>
               </a:rPr>
               <a:pPr/>
-              <a:t>5/20/2024</a:t>
+              <a:t>5/22/2024</a:t>
             </a:fld>
             <a:endParaRPr kumimoji="0" lang="en-US" dirty="0"/>
           </a:p>
@@ -8554,7 +8854,7 @@
           <a:p>
             <a:fld id="{2E29796B-F55F-40BA-947E-19D03180300F}" type="datetimeFigureOut">
               <a:rPr lang="zh-TW" altLang="en-US" smtClean="0"/>
-              <a:t>2024/5/20</a:t>
+              <a:t>2024/5/22</a:t>
             </a:fld>
             <a:endParaRPr lang="zh-TW" altLang="en-US"/>
           </a:p>
@@ -9038,7 +9338,7 @@
                 </a:solidFill>
               </a:rPr>
               <a:pPr/>
-              <a:t>5/20/2024</a:t>
+              <a:t>5/22/2024</a:t>
             </a:fld>
             <a:endParaRPr kumimoji="0" lang="en-US" dirty="0"/>
           </a:p>
@@ -9434,7 +9734,7 @@
                 </a:solidFill>
               </a:rPr>
               <a:pPr/>
-              <a:t>5/20/2024</a:t>
+              <a:t>5/22/2024</a:t>
             </a:fld>
             <a:endParaRPr kumimoji="0" lang="en-US" dirty="0"/>
           </a:p>
@@ -9774,7 +10074,7 @@
                 </a:solidFill>
               </a:rPr>
               <a:pPr/>
-              <a:t>5/20/2024</a:t>
+              <a:t>5/22/2024</a:t>
             </a:fld>
             <a:endParaRPr kumimoji="0" lang="en-US" dirty="0"/>
           </a:p>
@@ -10355,7 +10655,7 @@
                 </a:solidFill>
               </a:rPr>
               <a:pPr/>
-              <a:t>5/20/2024</a:t>
+              <a:t>5/22/2024</a:t>
             </a:fld>
             <a:endParaRPr kumimoji="0" lang="en-US" dirty="0"/>
           </a:p>
@@ -10924,7 +11224,7 @@
                 </a:solidFill>
               </a:rPr>
               <a:pPr/>
-              <a:t>5/20/2024</a:t>
+              <a:t>5/22/2024</a:t>
             </a:fld>
             <a:endParaRPr kumimoji="0" lang="en-US" dirty="0"/>
           </a:p>
@@ -11388,7 +11688,7 @@
                 </a:solidFill>
               </a:rPr>
               <a:pPr/>
-              <a:t>5/20/2024</a:t>
+              <a:t>5/22/2024</a:t>
             </a:fld>
             <a:endParaRPr kumimoji="0" lang="en-US" dirty="0"/>
           </a:p>
@@ -11817,7 +12117,7 @@
                 </a:solidFill>
               </a:rPr>
               <a:pPr/>
-              <a:t>5/20/2024</a:t>
+              <a:t>5/22/2024</a:t>
             </a:fld>
             <a:endParaRPr kumimoji="0" lang="en-US" dirty="0"/>
           </a:p>
@@ -12326,7 +12626,7 @@
                 </a:solidFill>
               </a:rPr>
               <a:pPr/>
-              <a:t>5/20/2024</a:t>
+              <a:t>5/22/2024</a:t>
             </a:fld>
             <a:endParaRPr kumimoji="0" lang="en-US" dirty="0"/>
           </a:p>
@@ -12835,7 +13135,7 @@
                 </a:solidFill>
               </a:rPr>
               <a:pPr/>
-              <a:t>5/20/2024</a:t>
+              <a:t>5/22/2024</a:t>
             </a:fld>
             <a:endParaRPr kumimoji="0" lang="en-US" dirty="0"/>
           </a:p>
@@ -13056,7 +13356,7 @@
                 </a:solidFill>
               </a:rPr>
               <a:pPr/>
-              <a:t>5/20/2024</a:t>
+              <a:t>5/22/2024</a:t>
             </a:fld>
             <a:endParaRPr kumimoji="0" lang="en-US" dirty="0"/>
           </a:p>
@@ -13328,7 +13628,7 @@
           <a:p>
             <a:fld id="{2E29796B-F55F-40BA-947E-19D03180300F}" type="datetimeFigureOut">
               <a:rPr lang="zh-TW" altLang="en-US" smtClean="0"/>
-              <a:t>2024/5/20</a:t>
+              <a:t>2024/5/22</a:t>
             </a:fld>
             <a:endParaRPr lang="zh-TW" altLang="en-US"/>
           </a:p>
@@ -13664,7 +13964,7 @@
                 </a:solidFill>
               </a:rPr>
               <a:pPr/>
-              <a:t>5/20/2024</a:t>
+              <a:t>5/22/2024</a:t>
             </a:fld>
             <a:endParaRPr kumimoji="0" lang="en-US" dirty="0"/>
           </a:p>
@@ -13888,7 +14188,7 @@
                 </a:solidFill>
               </a:rPr>
               <a:pPr/>
-              <a:t>5/20/2024</a:t>
+              <a:t>5/22/2024</a:t>
             </a:fld>
             <a:endParaRPr kumimoji="0" lang="en-US" dirty="0"/>
           </a:p>
@@ -14069,7 +14369,7 @@
             <a:fld id="{ACB2EC6F-6501-4E04-BD6C-A8A6CABB2C5B}" type="datetimeFigureOut">
               <a:rPr kumimoji="0" lang="en-US" smtClean="0"/>
               <a:pPr/>
-              <a:t>5/20/2024</a:t>
+              <a:t>5/22/2024</a:t>
             </a:fld>
             <a:endParaRPr kumimoji="0" lang="en-US" dirty="0"/>
           </a:p>
@@ -14353,7 +14653,7 @@
           <a:p>
             <a:fld id="{2E29796B-F55F-40BA-947E-19D03180300F}" type="datetimeFigureOut">
               <a:rPr lang="zh-TW" altLang="en-US" smtClean="0"/>
-              <a:t>2024/5/20</a:t>
+              <a:t>2024/5/22</a:t>
             </a:fld>
             <a:endParaRPr lang="zh-TW" altLang="en-US"/>
           </a:p>
@@ -14765,7 +15065,7 @@
           <a:p>
             <a:fld id="{2E29796B-F55F-40BA-947E-19D03180300F}" type="datetimeFigureOut">
               <a:rPr lang="zh-TW" altLang="en-US" smtClean="0"/>
-              <a:t>2024/5/20</a:t>
+              <a:t>2024/5/22</a:t>
             </a:fld>
             <a:endParaRPr lang="zh-TW" altLang="en-US"/>
           </a:p>
@@ -14906,7 +15206,7 @@
           <a:p>
             <a:fld id="{2E29796B-F55F-40BA-947E-19D03180300F}" type="datetimeFigureOut">
               <a:rPr lang="zh-TW" altLang="en-US" smtClean="0"/>
-              <a:t>2024/5/20</a:t>
+              <a:t>2024/5/22</a:t>
             </a:fld>
             <a:endParaRPr lang="zh-TW" altLang="en-US"/>
           </a:p>
@@ -15019,7 +15319,7 @@
           <a:p>
             <a:fld id="{2E29796B-F55F-40BA-947E-19D03180300F}" type="datetimeFigureOut">
               <a:rPr lang="zh-TW" altLang="en-US" smtClean="0"/>
-              <a:t>2024/5/20</a:t>
+              <a:t>2024/5/22</a:t>
             </a:fld>
             <a:endParaRPr lang="zh-TW" altLang="en-US"/>
           </a:p>
@@ -15330,7 +15630,7 @@
           <a:p>
             <a:fld id="{2E29796B-F55F-40BA-947E-19D03180300F}" type="datetimeFigureOut">
               <a:rPr lang="zh-TW" altLang="en-US" smtClean="0"/>
-              <a:t>2024/5/20</a:t>
+              <a:t>2024/5/22</a:t>
             </a:fld>
             <a:endParaRPr lang="zh-TW" altLang="en-US"/>
           </a:p>
@@ -15618,7 +15918,7 @@
           <a:p>
             <a:fld id="{2E29796B-F55F-40BA-947E-19D03180300F}" type="datetimeFigureOut">
               <a:rPr lang="zh-TW" altLang="en-US" smtClean="0"/>
-              <a:t>2024/5/20</a:t>
+              <a:t>2024/5/22</a:t>
             </a:fld>
             <a:endParaRPr lang="zh-TW" altLang="en-US"/>
           </a:p>
@@ -15859,7 +16159,7 @@
           <a:p>
             <a:fld id="{2E29796B-F55F-40BA-947E-19D03180300F}" type="datetimeFigureOut">
               <a:rPr lang="zh-TW" altLang="en-US" smtClean="0"/>
-              <a:t>2024/5/20</a:t>
+              <a:t>2024/5/22</a:t>
             </a:fld>
             <a:endParaRPr lang="zh-TW" altLang="en-US"/>
           </a:p>
@@ -16431,7 +16731,7 @@
                 </a:solidFill>
               </a:rPr>
               <a:pPr/>
-              <a:t>5/20/2024</a:t>
+              <a:t>5/22/2024</a:t>
             </a:fld>
             <a:endParaRPr kumimoji="0" lang="en-US" sz="1200" dirty="0">
               <a:solidFill>
@@ -16968,24 +17268,21 @@
               </a:rPr>
               <a:t>ngrok</a:t>
             </a:r>
-            <a:r>
-              <a:rPr kumimoji="1" lang="en-US" altLang="zh-TW" sz="6000" b="1" dirty="0">
-                <a:solidFill>
-                  <a:prstClr val="white"/>
-                </a:solidFill>
-                <a:effectLst>
-                  <a:outerShdw blurRad="38100" dist="38100" dir="2700000" algn="tl">
-                    <a:srgbClr val="000000">
-                      <a:alpha val="43137"/>
-                    </a:srgbClr>
-                  </a:outerShdw>
-                </a:effectLst>
-                <a:latin typeface="微軟正黑體" panose="020B0604030504040204" pitchFamily="34" charset="-120"/>
-                <a:ea typeface="微軟正黑體" panose="020B0604030504040204" pitchFamily="34" charset="-120"/>
-                <a:cs typeface="Arial"/>
-              </a:rPr>
-              <a:t>/docker</a:t>
-            </a:r>
+            <a:endParaRPr kumimoji="1" lang="en-US" altLang="zh-TW" sz="6000" b="1" dirty="0">
+              <a:solidFill>
+                <a:prstClr val="white"/>
+              </a:solidFill>
+              <a:effectLst>
+                <a:outerShdw blurRad="38100" dist="38100" dir="2700000" algn="tl">
+                  <a:srgbClr val="000000">
+                    <a:alpha val="43137"/>
+                  </a:srgbClr>
+                </a:outerShdw>
+              </a:effectLst>
+              <a:latin typeface="微軟正黑體" panose="020B0604030504040204" pitchFamily="34" charset="-120"/>
+              <a:ea typeface="微軟正黑體" panose="020B0604030504040204" pitchFamily="34" charset="-120"/>
+              <a:cs typeface="Arial"/>
+            </a:endParaRPr>
           </a:p>
         </p:txBody>
       </p:sp>
@@ -17209,6 +17506,135 @@
       </p:sp>
       <p:pic>
         <p:nvPicPr>
+          <p:cNvPr id="7" name="圖片 6">
+            <a:extLst>
+              <a:ext uri="{FF2B5EF4-FFF2-40B4-BE49-F238E27FC236}">
+                <a16:creationId xmlns:a16="http://schemas.microsoft.com/office/drawing/2014/main" id="{767B948D-C5EC-2084-40FD-E4ADD8986671}"/>
+              </a:ext>
+            </a:extLst>
+          </p:cNvPr>
+          <p:cNvPicPr>
+            <a:picLocks noChangeAspect="1"/>
+          </p:cNvPicPr>
+          <p:nvPr/>
+        </p:nvPicPr>
+        <p:blipFill>
+          <a:blip r:embed="rId3"/>
+          <a:stretch>
+            <a:fillRect/>
+          </a:stretch>
+        </p:blipFill>
+        <p:spPr>
+          <a:xfrm>
+            <a:off x="762000" y="1229574"/>
+            <a:ext cx="7620000" cy="5401289"/>
+          </a:xfrm>
+          <a:prstGeom prst="rect">
+            <a:avLst/>
+          </a:prstGeom>
+        </p:spPr>
+      </p:pic>
+    </p:spTree>
+    <p:extLst>
+      <p:ext uri="{BB962C8B-B14F-4D97-AF65-F5344CB8AC3E}">
+        <p14:creationId xmlns:p14="http://schemas.microsoft.com/office/powerpoint/2010/main" val="3717475862"/>
+      </p:ext>
+    </p:extLst>
+  </p:cSld>
+  <p:clrMapOvr>
+    <a:masterClrMapping/>
+  </p:clrMapOvr>
+  <p:transition>
+    <p:fade/>
+  </p:transition>
+</p:sld>
+</file>
+
+<file path=ppt/slides/slide11.xml><?xml version="1.0" encoding="utf-8"?>
+<p:sld xmlns:a="http://schemas.openxmlformats.org/drawingml/2006/main" xmlns:r="http://schemas.openxmlformats.org/officeDocument/2006/relationships" xmlns:p="http://schemas.openxmlformats.org/presentationml/2006/main">
+  <p:cSld>
+    <p:spTree>
+      <p:nvGrpSpPr>
+        <p:cNvPr id="1" name=""/>
+        <p:cNvGrpSpPr/>
+        <p:nvPr/>
+      </p:nvGrpSpPr>
+      <p:grpSpPr>
+        <a:xfrm>
+          <a:off x="0" y="0"/>
+          <a:ext cx="0" cy="0"/>
+          <a:chOff x="0" y="0"/>
+          <a:chExt cx="0" cy="0"/>
+        </a:xfrm>
+      </p:grpSpPr>
+      <p:sp>
+        <p:nvSpPr>
+          <p:cNvPr id="4" name="文字版面配置區 2"/>
+          <p:cNvSpPr txBox="1">
+            <a:spLocks/>
+          </p:cNvSpPr>
+          <p:nvPr/>
+        </p:nvSpPr>
+        <p:spPr>
+          <a:xfrm>
+            <a:off x="3269496" y="130764"/>
+            <a:ext cx="2933534" cy="990600"/>
+          </a:xfrm>
+          <a:prstGeom prst="rect">
+            <a:avLst/>
+          </a:prstGeom>
+        </p:spPr>
+        <p:txBody>
+          <a:bodyPr tIns="91440" bIns="91440" anchor="b" anchorCtr="0">
+            <a:noAutofit/>
+          </a:bodyPr>
+          <a:lstStyle/>
+          <a:p>
+            <a:pPr algn="just">
+              <a:spcBef>
+                <a:spcPct val="20000"/>
+              </a:spcBef>
+              <a:defRPr/>
+            </a:pPr>
+            <a:r>
+              <a:rPr lang="en-US" altLang="zh-TW" sz="4800" b="1" kern="0" dirty="0">
+                <a:solidFill>
+                  <a:srgbClr val="00B0F0"/>
+                </a:solidFill>
+                <a:effectLst>
+                  <a:outerShdw blurRad="38100" dist="38100" dir="2700000" algn="tl">
+                    <a:srgbClr val="000000">
+                      <a:alpha val="43137"/>
+                    </a:srgbClr>
+                  </a:outerShdw>
+                </a:effectLst>
+                <a:latin typeface="微軟正黑體" panose="020B0604030504040204" pitchFamily="34" charset="-120"/>
+                <a:ea typeface="微軟正黑體" panose="020B0604030504040204" pitchFamily="34" charset="-120"/>
+              </a:rPr>
+              <a:t>IP</a:t>
+            </a:r>
+            <a:r>
+              <a:rPr lang="zh-TW" altLang="en-US" sz="4800" b="1" kern="0" dirty="0">
+                <a:solidFill>
+                  <a:srgbClr val="00B0F0"/>
+                </a:solidFill>
+                <a:effectLst>
+                  <a:outerShdw blurRad="38100" dist="38100" dir="2700000" algn="tl">
+                    <a:srgbClr val="000000">
+                      <a:alpha val="43137"/>
+                    </a:srgbClr>
+                  </a:outerShdw>
+                </a:effectLst>
+                <a:latin typeface="微軟正黑體" panose="020B0604030504040204" pitchFamily="34" charset="-120"/>
+                <a:ea typeface="微軟正黑體" panose="020B0604030504040204" pitchFamily="34" charset="-120"/>
+              </a:rPr>
+              <a:t>及網址</a:t>
+            </a:r>
+          </a:p>
+        </p:txBody>
+      </p:sp>
+      <p:pic>
+        <p:nvPicPr>
           <p:cNvPr id="9" name="圖片 8">
             <a:extLst>
               <a:ext uri="{FF2B5EF4-FFF2-40B4-BE49-F238E27FC236}">
@@ -17302,7 +17728,7 @@
 </p:sld>
 </file>
 
-<file path=ppt/slides/slide11.xml><?xml version="1.0" encoding="utf-8"?>
+<file path=ppt/slides/slide12.xml><?xml version="1.0" encoding="utf-8"?>
 <p:sld xmlns:a="http://schemas.openxmlformats.org/drawingml/2006/main" xmlns:r="http://schemas.openxmlformats.org/officeDocument/2006/relationships" xmlns:p="http://schemas.openxmlformats.org/presentationml/2006/main">
   <p:cSld>
     <p:spTree>
@@ -17579,7 +18005,7 @@
 </p:sld>
 </file>
 
-<file path=ppt/slides/slide12.xml><?xml version="1.0" encoding="utf-8"?>
+<file path=ppt/slides/slide13.xml><?xml version="1.0" encoding="utf-8"?>
 <p:sld xmlns:a="http://schemas.openxmlformats.org/drawingml/2006/main" xmlns:r="http://schemas.openxmlformats.org/officeDocument/2006/relationships" xmlns:p="http://schemas.openxmlformats.org/presentationml/2006/main">
   <p:cSld>
     <p:spTree>
@@ -17764,7 +18190,10 @@
               <a:rPr lang="en-US" altLang="zh-TW" dirty="0"/>
               <a:t>IP</a:t>
             </a:r>
-            <a:endParaRPr lang="zh-TW" altLang="en-US" dirty="0"/>
+            <a:r>
+              <a:rPr lang="zh-TW" altLang="en-US" dirty="0"/>
+              <a:t>的電腦</a:t>
+            </a:r>
           </a:p>
         </p:txBody>
       </p:sp>
@@ -18109,7 +18538,7 @@
 </p:sld>
 </file>
 
-<file path=ppt/slides/slide13.xml><?xml version="1.0" encoding="utf-8"?>
+<file path=ppt/slides/slide14.xml><?xml version="1.0" encoding="utf-8"?>
 <p:sld xmlns:a="http://schemas.openxmlformats.org/drawingml/2006/main" xmlns:r="http://schemas.openxmlformats.org/officeDocument/2006/relationships" xmlns:p="http://schemas.openxmlformats.org/presentationml/2006/main">
   <p:cSld>
     <p:spTree>
@@ -18294,7 +18723,10 @@
               <a:rPr lang="en-US" altLang="zh-TW" dirty="0"/>
               <a:t>IP</a:t>
             </a:r>
-            <a:endParaRPr lang="zh-TW" altLang="en-US" dirty="0"/>
+            <a:r>
+              <a:rPr lang="zh-TW" altLang="en-US" dirty="0"/>
+              <a:t>的電腦</a:t>
+            </a:r>
           </a:p>
         </p:txBody>
       </p:sp>
@@ -18608,7 +19040,10 @@
               <a:rPr lang="en-US" altLang="zh-TW" dirty="0"/>
               <a:t>IP</a:t>
             </a:r>
-            <a:endParaRPr lang="zh-TW" altLang="en-US" dirty="0"/>
+            <a:r>
+              <a:rPr lang="zh-TW" altLang="en-US" dirty="0"/>
+              <a:t>的電腦</a:t>
+            </a:r>
           </a:p>
         </p:txBody>
       </p:sp>
@@ -18805,7 +19240,7 @@
 </p:sld>
 </file>
 
-<file path=ppt/slides/slide14.xml><?xml version="1.0" encoding="utf-8"?>
+<file path=ppt/slides/slide15.xml><?xml version="1.0" encoding="utf-8"?>
 <p:sld xmlns:a="http://schemas.openxmlformats.org/drawingml/2006/main" xmlns:r="http://schemas.openxmlformats.org/officeDocument/2006/relationships" xmlns:p="http://schemas.openxmlformats.org/presentationml/2006/main">
   <p:cSld>
     <p:spTree>
@@ -18990,7 +19425,10 @@
               <a:rPr lang="en-US" altLang="zh-TW" dirty="0"/>
               <a:t>IP</a:t>
             </a:r>
-            <a:endParaRPr lang="zh-TW" altLang="en-US" dirty="0"/>
+            <a:r>
+              <a:rPr lang="zh-TW" altLang="en-US" dirty="0"/>
+              <a:t>的電腦</a:t>
+            </a:r>
           </a:p>
         </p:txBody>
       </p:sp>
@@ -19304,7 +19742,10 @@
               <a:rPr lang="en-US" altLang="zh-TW" dirty="0"/>
               <a:t>IP</a:t>
             </a:r>
-            <a:endParaRPr lang="zh-TW" altLang="en-US" dirty="0"/>
+            <a:r>
+              <a:rPr lang="zh-TW" altLang="en-US" dirty="0"/>
+              <a:t>的電腦</a:t>
+            </a:r>
           </a:p>
         </p:txBody>
       </p:sp>
@@ -19611,7 +20052,7 @@
 </p:sld>
 </file>
 
-<file path=ppt/slides/slide15.xml><?xml version="1.0" encoding="utf-8"?>
+<file path=ppt/slides/slide16.xml><?xml version="1.0" encoding="utf-8"?>
 <p:sld xmlns:a="http://schemas.openxmlformats.org/drawingml/2006/main" xmlns:r="http://schemas.openxmlformats.org/officeDocument/2006/relationships" xmlns:p="http://schemas.openxmlformats.org/presentationml/2006/main">
   <p:cSld>
     <p:spTree>
@@ -19796,7 +20237,10 @@
               <a:rPr lang="en-US" altLang="zh-TW" dirty="0"/>
               <a:t>IP</a:t>
             </a:r>
-            <a:endParaRPr lang="zh-TW" altLang="en-US" dirty="0"/>
+            <a:r>
+              <a:rPr lang="zh-TW" altLang="en-US" dirty="0"/>
+              <a:t>的電腦</a:t>
+            </a:r>
           </a:p>
         </p:txBody>
       </p:sp>
@@ -20110,7 +20554,10 @@
               <a:rPr lang="en-US" altLang="zh-TW" dirty="0"/>
               <a:t>IP</a:t>
             </a:r>
-            <a:endParaRPr lang="zh-TW" altLang="en-US" dirty="0"/>
+            <a:r>
+              <a:rPr lang="zh-TW" altLang="en-US" dirty="0"/>
+              <a:t>的電腦</a:t>
+            </a:r>
           </a:p>
         </p:txBody>
       </p:sp>
@@ -20446,6 +20893,41 @@
           </a:p>
         </p:txBody>
       </p:sp>
+      <p:sp>
+        <p:nvSpPr>
+          <p:cNvPr id="16" name="文字方塊 15">
+            <a:extLst>
+              <a:ext uri="{FF2B5EF4-FFF2-40B4-BE49-F238E27FC236}">
+                <a16:creationId xmlns:a16="http://schemas.microsoft.com/office/drawing/2014/main" id="{B4574618-777F-CD8B-722E-92769452E3A7}"/>
+              </a:ext>
+            </a:extLst>
+          </p:cNvPr>
+          <p:cNvSpPr txBox="1"/>
+          <p:nvPr/>
+        </p:nvSpPr>
+        <p:spPr>
+          <a:xfrm>
+            <a:off x="1278306" y="3424503"/>
+            <a:ext cx="2048344" cy="646331"/>
+          </a:xfrm>
+          <a:prstGeom prst="rect">
+            <a:avLst/>
+          </a:prstGeom>
+          <a:noFill/>
+        </p:spPr>
+        <p:txBody>
+          <a:bodyPr wrap="square" rtlCol="0">
+            <a:spAutoFit/>
+          </a:bodyPr>
+          <a:lstStyle/>
+          <a:p>
+            <a:r>
+              <a:rPr lang="zh-TW" altLang="en-US" dirty="0"/>
+              <a:t>想要存取在內網的電腦</a:t>
+            </a:r>
+          </a:p>
+        </p:txBody>
+      </p:sp>
     </p:spTree>
     <p:extLst>
       <p:ext uri="{BB962C8B-B14F-4D97-AF65-F5344CB8AC3E}">
@@ -20462,7 +20944,7 @@
 </p:sld>
 </file>
 
-<file path=ppt/slides/slide16.xml><?xml version="1.0" encoding="utf-8"?>
+<file path=ppt/slides/slide17.xml><?xml version="1.0" encoding="utf-8"?>
 <p:sld xmlns:a="http://schemas.openxmlformats.org/drawingml/2006/main" xmlns:r="http://schemas.openxmlformats.org/officeDocument/2006/relationships" xmlns:p="http://schemas.openxmlformats.org/presentationml/2006/main">
   <p:cSld>
     <p:spTree>
@@ -21450,7 +21932,7 @@
 </p:sld>
 </file>
 
-<file path=ppt/slides/slide17.xml><?xml version="1.0" encoding="utf-8"?>
+<file path=ppt/slides/slide18.xml><?xml version="1.0" encoding="utf-8"?>
 <p:sld xmlns:a="http://schemas.openxmlformats.org/drawingml/2006/main" xmlns:r="http://schemas.openxmlformats.org/officeDocument/2006/relationships" xmlns:p="http://schemas.openxmlformats.org/presentationml/2006/main">
   <p:cSld>
     <p:spTree>
@@ -22204,7 +22686,7 @@
         </p:nvCxnSpPr>
         <p:spPr>
           <a:xfrm>
-            <a:off x="2492828" y="5160705"/>
+            <a:off x="2505196" y="5037574"/>
             <a:ext cx="1166682" cy="13812"/>
           </a:xfrm>
           <a:prstGeom prst="straightConnector1">
@@ -22247,7 +22729,7 @@
         </p:nvSpPr>
         <p:spPr>
           <a:xfrm>
-            <a:off x="2316367" y="4499121"/>
+            <a:off x="2350598" y="4603646"/>
             <a:ext cx="2048344" cy="369332"/>
           </a:xfrm>
           <a:prstGeom prst="rect">
@@ -22386,7 +22868,7 @@
 </p:sld>
 </file>
 
-<file path=ppt/slides/slide18.xml><?xml version="1.0" encoding="utf-8"?>
+<file path=ppt/slides/slide19.xml><?xml version="1.0" encoding="utf-8"?>
 <p:sld xmlns:a="http://schemas.openxmlformats.org/drawingml/2006/main" xmlns:r="http://schemas.openxmlformats.org/officeDocument/2006/relationships" xmlns:p="http://schemas.openxmlformats.org/presentationml/2006/main">
   <p:cSld>
     <p:spTree>
@@ -22496,7 +22978,416 @@
 </p:sld>
 </file>
 
-<file path=ppt/slides/slide19.xml><?xml version="1.0" encoding="utf-8"?>
+<file path=ppt/slides/slide2.xml><?xml version="1.0" encoding="utf-8"?>
+<p:sld xmlns:a="http://schemas.openxmlformats.org/drawingml/2006/main" xmlns:r="http://schemas.openxmlformats.org/officeDocument/2006/relationships" xmlns:p="http://schemas.openxmlformats.org/presentationml/2006/main">
+  <p:cSld>
+    <p:spTree>
+      <p:nvGrpSpPr>
+        <p:cNvPr id="1" name=""/>
+        <p:cNvGrpSpPr/>
+        <p:nvPr/>
+      </p:nvGrpSpPr>
+      <p:grpSpPr>
+        <a:xfrm>
+          <a:off x="0" y="0"/>
+          <a:ext cx="0" cy="0"/>
+          <a:chOff x="0" y="0"/>
+          <a:chExt cx="0" cy="0"/>
+        </a:xfrm>
+      </p:grpSpPr>
+      <p:sp>
+        <p:nvSpPr>
+          <p:cNvPr id="5" name="文字方塊 4"/>
+          <p:cNvSpPr txBox="1"/>
+          <p:nvPr/>
+        </p:nvSpPr>
+        <p:spPr>
+          <a:xfrm>
+            <a:off x="693420" y="1841244"/>
+            <a:ext cx="8077200" cy="2554545"/>
+          </a:xfrm>
+          <a:prstGeom prst="rect">
+            <a:avLst/>
+          </a:prstGeom>
+          <a:noFill/>
+        </p:spPr>
+        <p:txBody>
+          <a:bodyPr wrap="square" rtlCol="0">
+            <a:spAutoFit/>
+          </a:bodyPr>
+          <a:lstStyle/>
+          <a:p>
+            <a:pPr marL="514338" indent="-514338">
+              <a:buFont typeface="+mj-lt"/>
+              <a:buAutoNum type="arabicPeriod"/>
+            </a:pPr>
+            <a:r>
+              <a:rPr kumimoji="1" lang="en-US" altLang="zh-TW" sz="3200" dirty="0">
+                <a:solidFill>
+                  <a:prstClr val="white"/>
+                </a:solidFill>
+                <a:effectLst>
+                  <a:outerShdw blurRad="38100" dist="38100" dir="2700000" algn="tl">
+                    <a:srgbClr val="000000">
+                      <a:alpha val="43137"/>
+                    </a:srgbClr>
+                  </a:outerShdw>
+                </a:effectLst>
+                <a:latin typeface="微軟正黑體" panose="020B0604030504040204" pitchFamily="34" charset="-120"/>
+                <a:ea typeface="微軟正黑體" panose="020B0604030504040204" pitchFamily="34" charset="-120"/>
+                <a:cs typeface="Heiti TC Light"/>
+              </a:rPr>
+              <a:t>IP</a:t>
+            </a:r>
+            <a:r>
+              <a:rPr kumimoji="1" lang="zh-TW" altLang="en-US" sz="3200" dirty="0">
+                <a:solidFill>
+                  <a:prstClr val="white"/>
+                </a:solidFill>
+                <a:effectLst>
+                  <a:outerShdw blurRad="38100" dist="38100" dir="2700000" algn="tl">
+                    <a:srgbClr val="000000">
+                      <a:alpha val="43137"/>
+                    </a:srgbClr>
+                  </a:outerShdw>
+                </a:effectLst>
+                <a:latin typeface="微軟正黑體" panose="020B0604030504040204" pitchFamily="34" charset="-120"/>
+                <a:ea typeface="微軟正黑體" panose="020B0604030504040204" pitchFamily="34" charset="-120"/>
+                <a:cs typeface="Heiti TC Light"/>
+              </a:rPr>
+              <a:t>和網址</a:t>
+            </a:r>
+            <a:endParaRPr kumimoji="1" lang="en-US" altLang="zh-TW" sz="3200" dirty="0">
+              <a:solidFill>
+                <a:prstClr val="white"/>
+              </a:solidFill>
+              <a:effectLst>
+                <a:outerShdw blurRad="38100" dist="38100" dir="2700000" algn="tl">
+                  <a:srgbClr val="000000">
+                    <a:alpha val="43137"/>
+                  </a:srgbClr>
+                </a:outerShdw>
+              </a:effectLst>
+              <a:latin typeface="微軟正黑體" panose="020B0604030504040204" pitchFamily="34" charset="-120"/>
+              <a:ea typeface="微軟正黑體" panose="020B0604030504040204" pitchFamily="34" charset="-120"/>
+              <a:cs typeface="Heiti TC Light"/>
+            </a:endParaRPr>
+          </a:p>
+          <a:p>
+            <a:pPr marL="514338" indent="-514338">
+              <a:buFont typeface="+mj-lt"/>
+              <a:buAutoNum type="arabicPeriod"/>
+            </a:pPr>
+            <a:r>
+              <a:rPr kumimoji="1" lang="en-US" altLang="zh-TW" sz="3200" dirty="0" err="1">
+                <a:solidFill>
+                  <a:prstClr val="white"/>
+                </a:solidFill>
+                <a:effectLst>
+                  <a:outerShdw blurRad="38100" dist="38100" dir="2700000" algn="tl">
+                    <a:srgbClr val="000000">
+                      <a:alpha val="43137"/>
+                    </a:srgbClr>
+                  </a:outerShdw>
+                </a:effectLst>
+                <a:latin typeface="微軟正黑體" panose="020B0604030504040204" pitchFamily="34" charset="-120"/>
+                <a:ea typeface="微軟正黑體" panose="020B0604030504040204" pitchFamily="34" charset="-120"/>
+                <a:cs typeface="Heiti TC Light"/>
+              </a:rPr>
+              <a:t>ngrok</a:t>
+            </a:r>
+            <a:r>
+              <a:rPr kumimoji="1" lang="zh-TW" altLang="en-US" sz="3200" dirty="0">
+                <a:solidFill>
+                  <a:prstClr val="white"/>
+                </a:solidFill>
+                <a:effectLst>
+                  <a:outerShdw blurRad="38100" dist="38100" dir="2700000" algn="tl">
+                    <a:srgbClr val="000000">
+                      <a:alpha val="43137"/>
+                    </a:srgbClr>
+                  </a:outerShdw>
+                </a:effectLst>
+                <a:latin typeface="微軟正黑體" panose="020B0604030504040204" pitchFamily="34" charset="-120"/>
+                <a:ea typeface="微軟正黑體" panose="020B0604030504040204" pitchFamily="34" charset="-120"/>
+                <a:cs typeface="Heiti TC Light"/>
+              </a:rPr>
+              <a:t>操作</a:t>
+            </a:r>
+          </a:p>
+          <a:p>
+            <a:pPr marL="514338" indent="-514338">
+              <a:buFont typeface="+mj-lt"/>
+              <a:buAutoNum type="arabicPeriod"/>
+            </a:pPr>
+            <a:r>
+              <a:rPr kumimoji="1" lang="zh-TW" altLang="en-US" sz="3200" dirty="0">
+                <a:solidFill>
+                  <a:prstClr val="white"/>
+                </a:solidFill>
+                <a:effectLst>
+                  <a:outerShdw blurRad="38100" dist="38100" dir="2700000" algn="tl">
+                    <a:srgbClr val="000000">
+                      <a:alpha val="43137"/>
+                    </a:srgbClr>
+                  </a:outerShdw>
+                </a:effectLst>
+                <a:latin typeface="微軟正黑體" panose="020B0604030504040204" pitchFamily="34" charset="-120"/>
+                <a:ea typeface="微軟正黑體" panose="020B0604030504040204" pitchFamily="34" charset="-120"/>
+                <a:cs typeface="Heiti TC Light"/>
+              </a:rPr>
+              <a:t>用</a:t>
+            </a:r>
+            <a:r>
+              <a:rPr kumimoji="1" lang="en-US" altLang="zh-TW" sz="3200" dirty="0">
+                <a:solidFill>
+                  <a:prstClr val="white"/>
+                </a:solidFill>
+                <a:effectLst>
+                  <a:outerShdw blurRad="38100" dist="38100" dir="2700000" algn="tl">
+                    <a:srgbClr val="000000">
+                      <a:alpha val="43137"/>
+                    </a:srgbClr>
+                  </a:outerShdw>
+                </a:effectLst>
+                <a:latin typeface="微軟正黑體" panose="020B0604030504040204" pitchFamily="34" charset="-120"/>
+                <a:ea typeface="微軟正黑體" panose="020B0604030504040204" pitchFamily="34" charset="-120"/>
+                <a:cs typeface="Heiti TC Light"/>
+              </a:rPr>
+              <a:t>Flask</a:t>
+            </a:r>
+            <a:r>
+              <a:rPr kumimoji="1" lang="zh-TW" altLang="en-US" sz="3200" dirty="0">
+                <a:solidFill>
+                  <a:prstClr val="white"/>
+                </a:solidFill>
+                <a:effectLst>
+                  <a:outerShdw blurRad="38100" dist="38100" dir="2700000" algn="tl">
+                    <a:srgbClr val="000000">
+                      <a:alpha val="43137"/>
+                    </a:srgbClr>
+                  </a:outerShdw>
+                </a:effectLst>
+                <a:latin typeface="微軟正黑體" panose="020B0604030504040204" pitchFamily="34" charset="-120"/>
+                <a:ea typeface="微軟正黑體" panose="020B0604030504040204" pitchFamily="34" charset="-120"/>
+                <a:cs typeface="Heiti TC Light"/>
+              </a:rPr>
+              <a:t>測試</a:t>
+            </a:r>
+            <a:r>
+              <a:rPr kumimoji="1" lang="en-US" altLang="zh-TW" sz="3200" dirty="0" err="1">
+                <a:solidFill>
+                  <a:prstClr val="white"/>
+                </a:solidFill>
+                <a:effectLst>
+                  <a:outerShdw blurRad="38100" dist="38100" dir="2700000" algn="tl">
+                    <a:srgbClr val="000000">
+                      <a:alpha val="43137"/>
+                    </a:srgbClr>
+                  </a:outerShdw>
+                </a:effectLst>
+                <a:latin typeface="微軟正黑體" panose="020B0604030504040204" pitchFamily="34" charset="-120"/>
+                <a:ea typeface="微軟正黑體" panose="020B0604030504040204" pitchFamily="34" charset="-120"/>
+                <a:cs typeface="Heiti TC Light"/>
+              </a:rPr>
+              <a:t>ngrok</a:t>
+            </a:r>
+            <a:endParaRPr kumimoji="1" lang="en-US" altLang="zh-TW" sz="3200" dirty="0">
+              <a:solidFill>
+                <a:prstClr val="white"/>
+              </a:solidFill>
+              <a:effectLst>
+                <a:outerShdw blurRad="38100" dist="38100" dir="2700000" algn="tl">
+                  <a:srgbClr val="000000">
+                    <a:alpha val="43137"/>
+                  </a:srgbClr>
+                </a:outerShdw>
+              </a:effectLst>
+              <a:latin typeface="微軟正黑體" panose="020B0604030504040204" pitchFamily="34" charset="-120"/>
+              <a:ea typeface="微軟正黑體" panose="020B0604030504040204" pitchFamily="34" charset="-120"/>
+              <a:cs typeface="Heiti TC Light"/>
+            </a:endParaRPr>
+          </a:p>
+          <a:p>
+            <a:pPr marL="514338" indent="-514338">
+              <a:buFont typeface="+mj-lt"/>
+              <a:buAutoNum type="arabicPeriod"/>
+            </a:pPr>
+            <a:r>
+              <a:rPr kumimoji="1" lang="zh-TW" altLang="en-US" sz="3200" dirty="0">
+                <a:solidFill>
+                  <a:prstClr val="white"/>
+                </a:solidFill>
+                <a:effectLst>
+                  <a:outerShdw blurRad="38100" dist="38100" dir="2700000" algn="tl">
+                    <a:srgbClr val="000000">
+                      <a:alpha val="43137"/>
+                    </a:srgbClr>
+                  </a:outerShdw>
+                </a:effectLst>
+                <a:latin typeface="微軟正黑體" panose="020B0604030504040204" pitchFamily="34" charset="-120"/>
+                <a:ea typeface="微軟正黑體" panose="020B0604030504040204" pitchFamily="34" charset="-120"/>
+                <a:cs typeface="Heiti TC Light"/>
+              </a:rPr>
+              <a:t>執行</a:t>
+            </a:r>
+            <a:r>
+              <a:rPr kumimoji="1" lang="en-US" altLang="zh-TW" sz="3200" dirty="0" err="1">
+                <a:solidFill>
+                  <a:prstClr val="white"/>
+                </a:solidFill>
+                <a:effectLst>
+                  <a:outerShdw blurRad="38100" dist="38100" dir="2700000" algn="tl">
+                    <a:srgbClr val="000000">
+                      <a:alpha val="43137"/>
+                    </a:srgbClr>
+                  </a:outerShdw>
+                </a:effectLst>
+                <a:latin typeface="微軟正黑體" panose="020B0604030504040204" pitchFamily="34" charset="-120"/>
+                <a:ea typeface="微軟正黑體" panose="020B0604030504040204" pitchFamily="34" charset="-120"/>
+                <a:cs typeface="Heiti TC Light"/>
+              </a:rPr>
+              <a:t>ngrok</a:t>
+            </a:r>
+            <a:endParaRPr kumimoji="1" lang="zh-TW" altLang="en-US" sz="3200" dirty="0">
+              <a:solidFill>
+                <a:prstClr val="white"/>
+              </a:solidFill>
+              <a:effectLst>
+                <a:outerShdw blurRad="38100" dist="38100" dir="2700000" algn="tl">
+                  <a:srgbClr val="000000">
+                    <a:alpha val="43137"/>
+                  </a:srgbClr>
+                </a:outerShdw>
+              </a:effectLst>
+              <a:latin typeface="微軟正黑體" panose="020B0604030504040204" pitchFamily="34" charset="-120"/>
+              <a:ea typeface="微軟正黑體" panose="020B0604030504040204" pitchFamily="34" charset="-120"/>
+              <a:cs typeface="Heiti TC Light"/>
+            </a:endParaRPr>
+          </a:p>
+          <a:p>
+            <a:pPr marL="514338" indent="-514338">
+              <a:buFont typeface="+mj-lt"/>
+              <a:buAutoNum type="arabicPeriod"/>
+            </a:pPr>
+            <a:r>
+              <a:rPr kumimoji="1" lang="zh-TW" altLang="en-US" sz="3200" dirty="0">
+                <a:solidFill>
+                  <a:prstClr val="white"/>
+                </a:solidFill>
+                <a:effectLst>
+                  <a:outerShdw blurRad="38100" dist="38100" dir="2700000" algn="tl">
+                    <a:srgbClr val="000000">
+                      <a:alpha val="43137"/>
+                    </a:srgbClr>
+                  </a:outerShdw>
+                </a:effectLst>
+                <a:latin typeface="微軟正黑體" panose="020B0604030504040204" pitchFamily="34" charset="-120"/>
+                <a:ea typeface="微軟正黑體" panose="020B0604030504040204" pitchFamily="34" charset="-120"/>
+                <a:cs typeface="Heiti TC Light"/>
+              </a:rPr>
+              <a:t>在開發環境中設定變數</a:t>
+            </a:r>
+            <a:endParaRPr kumimoji="1" lang="en-US" altLang="zh-TW" sz="3200" dirty="0">
+              <a:solidFill>
+                <a:prstClr val="white"/>
+              </a:solidFill>
+              <a:effectLst>
+                <a:outerShdw blurRad="38100" dist="38100" dir="2700000" algn="tl">
+                  <a:srgbClr val="000000">
+                    <a:alpha val="43137"/>
+                  </a:srgbClr>
+                </a:outerShdw>
+              </a:effectLst>
+              <a:latin typeface="微軟正黑體" panose="020B0604030504040204" pitchFamily="34" charset="-120"/>
+              <a:ea typeface="微軟正黑體" panose="020B0604030504040204" pitchFamily="34" charset="-120"/>
+              <a:cs typeface="Heiti TC Light"/>
+            </a:endParaRPr>
+          </a:p>
+        </p:txBody>
+      </p:sp>
+      <p:sp>
+        <p:nvSpPr>
+          <p:cNvPr id="4" name="文字版面配置區 2"/>
+          <p:cNvSpPr txBox="1">
+            <a:spLocks/>
+          </p:cNvSpPr>
+          <p:nvPr/>
+        </p:nvSpPr>
+        <p:spPr>
+          <a:xfrm>
+            <a:off x="2637830" y="355134"/>
+            <a:ext cx="3868339" cy="990600"/>
+          </a:xfrm>
+          <a:prstGeom prst="rect">
+            <a:avLst/>
+          </a:prstGeom>
+        </p:spPr>
+        <p:txBody>
+          <a:bodyPr tIns="91440" bIns="91440" anchor="b" anchorCtr="0">
+            <a:noAutofit/>
+          </a:bodyPr>
+          <a:lstStyle/>
+          <a:p>
+            <a:pPr algn="just">
+              <a:spcBef>
+                <a:spcPct val="20000"/>
+              </a:spcBef>
+              <a:defRPr/>
+            </a:pPr>
+            <a:r>
+              <a:rPr kumimoji="1" lang="zh-TW" altLang="en-US" sz="4800" b="1" dirty="0">
+                <a:solidFill>
+                  <a:srgbClr val="00B0F0"/>
+                </a:solidFill>
+                <a:effectLst>
+                  <a:outerShdw blurRad="38100" dist="38100" dir="2700000" algn="tl">
+                    <a:srgbClr val="000000">
+                      <a:alpha val="43137"/>
+                    </a:srgbClr>
+                  </a:outerShdw>
+                </a:effectLst>
+                <a:latin typeface="微軟正黑體" panose="020B0604030504040204" pitchFamily="34" charset="-120"/>
+                <a:ea typeface="微軟正黑體" panose="020B0604030504040204" pitchFamily="34" charset="-120"/>
+                <a:cs typeface="Heiti TC Light"/>
+              </a:rPr>
+              <a:t>本課程內容</a:t>
+            </a:r>
+            <a:endParaRPr kumimoji="1" lang="en-US" altLang="zh-TW" sz="4800" b="1" dirty="0">
+              <a:solidFill>
+                <a:srgbClr val="00B0F0"/>
+              </a:solidFill>
+              <a:effectLst>
+                <a:outerShdw blurRad="38100" dist="38100" dir="2700000" algn="tl">
+                  <a:srgbClr val="000000">
+                    <a:alpha val="43137"/>
+                  </a:srgbClr>
+                </a:outerShdw>
+              </a:effectLst>
+              <a:latin typeface="微軟正黑體" panose="020B0604030504040204" pitchFamily="34" charset="-120"/>
+              <a:ea typeface="微軟正黑體" panose="020B0604030504040204" pitchFamily="34" charset="-120"/>
+              <a:cs typeface="Heiti TC Light"/>
+            </a:endParaRPr>
+          </a:p>
+        </p:txBody>
+      </p:sp>
+    </p:spTree>
+    <p:extLst>
+      <p:ext uri="{BB962C8B-B14F-4D97-AF65-F5344CB8AC3E}">
+        <p14:creationId xmlns:p14="http://schemas.microsoft.com/office/powerpoint/2010/main" val="1869647548"/>
+      </p:ext>
+    </p:extLst>
+  </p:cSld>
+  <p:clrMapOvr>
+    <a:masterClrMapping/>
+  </p:clrMapOvr>
+  <p:transition>
+    <p:fade/>
+  </p:transition>
+</p:sld>
+</file>
+
+<file path=ppt/slides/slide20.xml><?xml version="1.0" encoding="utf-8"?>
 <p:sld xmlns:a="http://schemas.openxmlformats.org/drawingml/2006/main" xmlns:r="http://schemas.openxmlformats.org/officeDocument/2006/relationships" xmlns:p="http://schemas.openxmlformats.org/presentationml/2006/main">
   <p:cSld>
     <p:spTree>
@@ -23432,7 +24323,7 @@
 </p:sld>
 </file>
 
-<file path=ppt/slides/slide2.xml><?xml version="1.0" encoding="utf-8"?>
+<file path=ppt/slides/slide21.xml><?xml version="1.0" encoding="utf-8"?>
 <p:sld xmlns:a="http://schemas.openxmlformats.org/drawingml/2006/main" xmlns:r="http://schemas.openxmlformats.org/officeDocument/2006/relationships" xmlns:p="http://schemas.openxmlformats.org/presentationml/2006/main">
   <p:cSld>
     <p:spTree>
@@ -23457,8 +24348,8 @@
         </p:nvSpPr>
         <p:spPr>
           <a:xfrm>
-            <a:off x="693420" y="1841244"/>
-            <a:ext cx="8077200" cy="2554545"/>
+            <a:off x="652114" y="1469332"/>
+            <a:ext cx="8077200" cy="1569660"/>
           </a:xfrm>
           <a:prstGeom prst="rect">
             <a:avLst/>
@@ -23472,27 +24363,9 @@
           <a:lstStyle/>
           <a:p>
             <a:pPr marL="514338" indent="-514338">
-              <a:buFont typeface="+mj-lt"/>
-              <a:buAutoNum type="arabicPeriod"/>
+              <a:buFont typeface="Arial" panose="020B0604020202020204" pitchFamily="34" charset="0"/>
+              <a:buChar char="•"/>
             </a:pPr>
-            <a:r>
-              <a:rPr kumimoji="1" lang="en-US" altLang="zh-TW" sz="3200" dirty="0">
-                <a:solidFill>
-                  <a:prstClr val="white"/>
-                </a:solidFill>
-                <a:effectLst>
-                  <a:outerShdw blurRad="38100" dist="38100" dir="2700000" algn="tl">
-                    <a:srgbClr val="000000">
-                      <a:alpha val="43137"/>
-                    </a:srgbClr>
-                  </a:outerShdw>
-                </a:effectLst>
-                <a:latin typeface="微軟正黑體" panose="020B0604030504040204" pitchFamily="34" charset="-120"/>
-                <a:ea typeface="微軟正黑體" panose="020B0604030504040204" pitchFamily="34" charset="-120"/>
-                <a:cs typeface="Heiti TC Light"/>
-              </a:rPr>
-              <a:t>IP</a:t>
-            </a:r>
             <a:r>
               <a:rPr kumimoji="1" lang="zh-TW" altLang="en-US" sz="3200" dirty="0">
                 <a:solidFill>
@@ -23509,398 +24382,7 @@
                 <a:ea typeface="微軟正黑體" panose="020B0604030504040204" pitchFamily="34" charset="-120"/>
                 <a:cs typeface="Heiti TC Light"/>
               </a:rPr>
-              <a:t>和網址</a:t>
-            </a:r>
-            <a:endParaRPr kumimoji="1" lang="en-US" altLang="zh-TW" sz="3200" dirty="0">
-              <a:solidFill>
-                <a:prstClr val="white"/>
-              </a:solidFill>
-              <a:effectLst>
-                <a:outerShdw blurRad="38100" dist="38100" dir="2700000" algn="tl">
-                  <a:srgbClr val="000000">
-                    <a:alpha val="43137"/>
-                  </a:srgbClr>
-                </a:outerShdw>
-              </a:effectLst>
-              <a:latin typeface="微軟正黑體" panose="020B0604030504040204" pitchFamily="34" charset="-120"/>
-              <a:ea typeface="微軟正黑體" panose="020B0604030504040204" pitchFamily="34" charset="-120"/>
-              <a:cs typeface="Heiti TC Light"/>
-            </a:endParaRPr>
-          </a:p>
-          <a:p>
-            <a:pPr marL="514338" indent="-514338">
-              <a:buFont typeface="+mj-lt"/>
-              <a:buAutoNum type="arabicPeriod"/>
-            </a:pPr>
-            <a:r>
-              <a:rPr kumimoji="1" lang="en-US" altLang="zh-TW" sz="3200" dirty="0" err="1">
-                <a:solidFill>
-                  <a:prstClr val="white"/>
-                </a:solidFill>
-                <a:effectLst>
-                  <a:outerShdw blurRad="38100" dist="38100" dir="2700000" algn="tl">
-                    <a:srgbClr val="000000">
-                      <a:alpha val="43137"/>
-                    </a:srgbClr>
-                  </a:outerShdw>
-                </a:effectLst>
-                <a:latin typeface="微軟正黑體" panose="020B0604030504040204" pitchFamily="34" charset="-120"/>
-                <a:ea typeface="微軟正黑體" panose="020B0604030504040204" pitchFamily="34" charset="-120"/>
-                <a:cs typeface="Heiti TC Light"/>
-              </a:rPr>
-              <a:t>ngrok</a:t>
-            </a:r>
-            <a:r>
-              <a:rPr kumimoji="1" lang="zh-TW" altLang="en-US" sz="3200" dirty="0">
-                <a:solidFill>
-                  <a:prstClr val="white"/>
-                </a:solidFill>
-                <a:effectLst>
-                  <a:outerShdw blurRad="38100" dist="38100" dir="2700000" algn="tl">
-                    <a:srgbClr val="000000">
-                      <a:alpha val="43137"/>
-                    </a:srgbClr>
-                  </a:outerShdw>
-                </a:effectLst>
-                <a:latin typeface="微軟正黑體" panose="020B0604030504040204" pitchFamily="34" charset="-120"/>
-                <a:ea typeface="微軟正黑體" panose="020B0604030504040204" pitchFamily="34" charset="-120"/>
-                <a:cs typeface="Heiti TC Light"/>
-              </a:rPr>
-              <a:t>操作</a:t>
-            </a:r>
-          </a:p>
-          <a:p>
-            <a:pPr marL="514338" indent="-514338">
-              <a:buFont typeface="+mj-lt"/>
-              <a:buAutoNum type="arabicPeriod"/>
-            </a:pPr>
-            <a:r>
-              <a:rPr kumimoji="1" lang="zh-TW" altLang="en-US" sz="3200" dirty="0">
-                <a:solidFill>
-                  <a:prstClr val="white"/>
-                </a:solidFill>
-                <a:effectLst>
-                  <a:outerShdw blurRad="38100" dist="38100" dir="2700000" algn="tl">
-                    <a:srgbClr val="000000">
-                      <a:alpha val="43137"/>
-                    </a:srgbClr>
-                  </a:outerShdw>
-                </a:effectLst>
-                <a:latin typeface="微軟正黑體" panose="020B0604030504040204" pitchFamily="34" charset="-120"/>
-                <a:ea typeface="微軟正黑體" panose="020B0604030504040204" pitchFamily="34" charset="-120"/>
-                <a:cs typeface="Heiti TC Light"/>
-              </a:rPr>
-              <a:t>用</a:t>
-            </a:r>
-            <a:r>
-              <a:rPr kumimoji="1" lang="en-US" altLang="zh-TW" sz="3200" dirty="0">
-                <a:solidFill>
-                  <a:prstClr val="white"/>
-                </a:solidFill>
-                <a:effectLst>
-                  <a:outerShdw blurRad="38100" dist="38100" dir="2700000" algn="tl">
-                    <a:srgbClr val="000000">
-                      <a:alpha val="43137"/>
-                    </a:srgbClr>
-                  </a:outerShdw>
-                </a:effectLst>
-                <a:latin typeface="微軟正黑體" panose="020B0604030504040204" pitchFamily="34" charset="-120"/>
-                <a:ea typeface="微軟正黑體" panose="020B0604030504040204" pitchFamily="34" charset="-120"/>
-                <a:cs typeface="Heiti TC Light"/>
-              </a:rPr>
-              <a:t>Flask</a:t>
-            </a:r>
-            <a:r>
-              <a:rPr kumimoji="1" lang="zh-TW" altLang="en-US" sz="3200" dirty="0">
-                <a:solidFill>
-                  <a:prstClr val="white"/>
-                </a:solidFill>
-                <a:effectLst>
-                  <a:outerShdw blurRad="38100" dist="38100" dir="2700000" algn="tl">
-                    <a:srgbClr val="000000">
-                      <a:alpha val="43137"/>
-                    </a:srgbClr>
-                  </a:outerShdw>
-                </a:effectLst>
-                <a:latin typeface="微軟正黑體" panose="020B0604030504040204" pitchFamily="34" charset="-120"/>
-                <a:ea typeface="微軟正黑體" panose="020B0604030504040204" pitchFamily="34" charset="-120"/>
-                <a:cs typeface="Heiti TC Light"/>
-              </a:rPr>
-              <a:t>測試</a:t>
-            </a:r>
-            <a:r>
-              <a:rPr kumimoji="1" lang="en-US" altLang="zh-TW" sz="3200" dirty="0" err="1">
-                <a:solidFill>
-                  <a:prstClr val="white"/>
-                </a:solidFill>
-                <a:effectLst>
-                  <a:outerShdw blurRad="38100" dist="38100" dir="2700000" algn="tl">
-                    <a:srgbClr val="000000">
-                      <a:alpha val="43137"/>
-                    </a:srgbClr>
-                  </a:outerShdw>
-                </a:effectLst>
-                <a:latin typeface="微軟正黑體" panose="020B0604030504040204" pitchFamily="34" charset="-120"/>
-                <a:ea typeface="微軟正黑體" panose="020B0604030504040204" pitchFamily="34" charset="-120"/>
-                <a:cs typeface="Heiti TC Light"/>
-              </a:rPr>
-              <a:t>ngrok</a:t>
-            </a:r>
-            <a:endParaRPr kumimoji="1" lang="en-US" altLang="zh-TW" sz="3200" dirty="0">
-              <a:solidFill>
-                <a:prstClr val="white"/>
-              </a:solidFill>
-              <a:effectLst>
-                <a:outerShdw blurRad="38100" dist="38100" dir="2700000" algn="tl">
-                  <a:srgbClr val="000000">
-                    <a:alpha val="43137"/>
-                  </a:srgbClr>
-                </a:outerShdw>
-              </a:effectLst>
-              <a:latin typeface="微軟正黑體" panose="020B0604030504040204" pitchFamily="34" charset="-120"/>
-              <a:ea typeface="微軟正黑體" panose="020B0604030504040204" pitchFamily="34" charset="-120"/>
-              <a:cs typeface="Heiti TC Light"/>
-            </a:endParaRPr>
-          </a:p>
-          <a:p>
-            <a:pPr marL="514338" indent="-514338">
-              <a:buFont typeface="+mj-lt"/>
-              <a:buAutoNum type="arabicPeriod"/>
-            </a:pPr>
-            <a:r>
-              <a:rPr kumimoji="1" lang="zh-TW" altLang="en-US" sz="3200" dirty="0">
-                <a:solidFill>
-                  <a:prstClr val="white"/>
-                </a:solidFill>
-                <a:effectLst>
-                  <a:outerShdw blurRad="38100" dist="38100" dir="2700000" algn="tl">
-                    <a:srgbClr val="000000">
-                      <a:alpha val="43137"/>
-                    </a:srgbClr>
-                  </a:outerShdw>
-                </a:effectLst>
-                <a:latin typeface="微軟正黑體" panose="020B0604030504040204" pitchFamily="34" charset="-120"/>
-                <a:ea typeface="微軟正黑體" panose="020B0604030504040204" pitchFamily="34" charset="-120"/>
-                <a:cs typeface="Heiti TC Light"/>
-              </a:rPr>
-              <a:t>執行</a:t>
-            </a:r>
-            <a:r>
-              <a:rPr kumimoji="1" lang="en-US" altLang="zh-TW" sz="3200" dirty="0" err="1">
-                <a:solidFill>
-                  <a:prstClr val="white"/>
-                </a:solidFill>
-                <a:effectLst>
-                  <a:outerShdw blurRad="38100" dist="38100" dir="2700000" algn="tl">
-                    <a:srgbClr val="000000">
-                      <a:alpha val="43137"/>
-                    </a:srgbClr>
-                  </a:outerShdw>
-                </a:effectLst>
-                <a:latin typeface="微軟正黑體" panose="020B0604030504040204" pitchFamily="34" charset="-120"/>
-                <a:ea typeface="微軟正黑體" panose="020B0604030504040204" pitchFamily="34" charset="-120"/>
-                <a:cs typeface="Heiti TC Light"/>
-              </a:rPr>
-              <a:t>ngrok</a:t>
-            </a:r>
-            <a:endParaRPr kumimoji="1" lang="zh-TW" altLang="en-US" sz="3200" dirty="0">
-              <a:solidFill>
-                <a:prstClr val="white"/>
-              </a:solidFill>
-              <a:effectLst>
-                <a:outerShdw blurRad="38100" dist="38100" dir="2700000" algn="tl">
-                  <a:srgbClr val="000000">
-                    <a:alpha val="43137"/>
-                  </a:srgbClr>
-                </a:outerShdw>
-              </a:effectLst>
-              <a:latin typeface="微軟正黑體" panose="020B0604030504040204" pitchFamily="34" charset="-120"/>
-              <a:ea typeface="微軟正黑體" panose="020B0604030504040204" pitchFamily="34" charset="-120"/>
-              <a:cs typeface="Heiti TC Light"/>
-            </a:endParaRPr>
-          </a:p>
-          <a:p>
-            <a:pPr marL="514338" indent="-514338">
-              <a:buFont typeface="+mj-lt"/>
-              <a:buAutoNum type="arabicPeriod"/>
-            </a:pPr>
-            <a:r>
-              <a:rPr kumimoji="1" lang="zh-TW" altLang="en-US" sz="3200" dirty="0">
-                <a:solidFill>
-                  <a:prstClr val="white"/>
-                </a:solidFill>
-                <a:effectLst>
-                  <a:outerShdw blurRad="38100" dist="38100" dir="2700000" algn="tl">
-                    <a:srgbClr val="000000">
-                      <a:alpha val="43137"/>
-                    </a:srgbClr>
-                  </a:outerShdw>
-                </a:effectLst>
-                <a:latin typeface="微軟正黑體" panose="020B0604030504040204" pitchFamily="34" charset="-120"/>
-                <a:ea typeface="微軟正黑體" panose="020B0604030504040204" pitchFamily="34" charset="-120"/>
-                <a:cs typeface="Heiti TC Light"/>
-              </a:rPr>
-              <a:t>在開發環境中設定變數</a:t>
-            </a:r>
-            <a:endParaRPr kumimoji="1" lang="en-US" altLang="zh-TW" sz="3200" dirty="0">
-              <a:solidFill>
-                <a:prstClr val="white"/>
-              </a:solidFill>
-              <a:effectLst>
-                <a:outerShdw blurRad="38100" dist="38100" dir="2700000" algn="tl">
-                  <a:srgbClr val="000000">
-                    <a:alpha val="43137"/>
-                  </a:srgbClr>
-                </a:outerShdw>
-              </a:effectLst>
-              <a:latin typeface="微軟正黑體" panose="020B0604030504040204" pitchFamily="34" charset="-120"/>
-              <a:ea typeface="微軟正黑體" panose="020B0604030504040204" pitchFamily="34" charset="-120"/>
-              <a:cs typeface="Heiti TC Light"/>
-            </a:endParaRPr>
-          </a:p>
-        </p:txBody>
-      </p:sp>
-      <p:sp>
-        <p:nvSpPr>
-          <p:cNvPr id="4" name="文字版面配置區 2"/>
-          <p:cNvSpPr txBox="1">
-            <a:spLocks/>
-          </p:cNvSpPr>
-          <p:nvPr/>
-        </p:nvSpPr>
-        <p:spPr>
-          <a:xfrm>
-            <a:off x="2637830" y="355134"/>
-            <a:ext cx="3868339" cy="990600"/>
-          </a:xfrm>
-          <a:prstGeom prst="rect">
-            <a:avLst/>
-          </a:prstGeom>
-        </p:spPr>
-        <p:txBody>
-          <a:bodyPr tIns="91440" bIns="91440" anchor="b" anchorCtr="0">
-            <a:noAutofit/>
-          </a:bodyPr>
-          <a:lstStyle/>
-          <a:p>
-            <a:pPr algn="just">
-              <a:spcBef>
-                <a:spcPct val="20000"/>
-              </a:spcBef>
-              <a:defRPr/>
-            </a:pPr>
-            <a:r>
-              <a:rPr kumimoji="1" lang="zh-TW" altLang="en-US" sz="4800" b="1" dirty="0">
-                <a:solidFill>
-                  <a:srgbClr val="00B0F0"/>
-                </a:solidFill>
-                <a:effectLst>
-                  <a:outerShdw blurRad="38100" dist="38100" dir="2700000" algn="tl">
-                    <a:srgbClr val="000000">
-                      <a:alpha val="43137"/>
-                    </a:srgbClr>
-                  </a:outerShdw>
-                </a:effectLst>
-                <a:latin typeface="微軟正黑體" panose="020B0604030504040204" pitchFamily="34" charset="-120"/>
-                <a:ea typeface="微軟正黑體" panose="020B0604030504040204" pitchFamily="34" charset="-120"/>
-                <a:cs typeface="Heiti TC Light"/>
-              </a:rPr>
-              <a:t>本課程內容</a:t>
-            </a:r>
-            <a:endParaRPr kumimoji="1" lang="en-US" altLang="zh-TW" sz="4800" b="1" dirty="0">
-              <a:solidFill>
-                <a:srgbClr val="00B0F0"/>
-              </a:solidFill>
-              <a:effectLst>
-                <a:outerShdw blurRad="38100" dist="38100" dir="2700000" algn="tl">
-                  <a:srgbClr val="000000">
-                    <a:alpha val="43137"/>
-                  </a:srgbClr>
-                </a:outerShdw>
-              </a:effectLst>
-              <a:latin typeface="微軟正黑體" panose="020B0604030504040204" pitchFamily="34" charset="-120"/>
-              <a:ea typeface="微軟正黑體" panose="020B0604030504040204" pitchFamily="34" charset="-120"/>
-              <a:cs typeface="Heiti TC Light"/>
-            </a:endParaRPr>
-          </a:p>
-        </p:txBody>
-      </p:sp>
-    </p:spTree>
-    <p:extLst>
-      <p:ext uri="{BB962C8B-B14F-4D97-AF65-F5344CB8AC3E}">
-        <p14:creationId xmlns:p14="http://schemas.microsoft.com/office/powerpoint/2010/main" val="1869647548"/>
-      </p:ext>
-    </p:extLst>
-  </p:cSld>
-  <p:clrMapOvr>
-    <a:masterClrMapping/>
-  </p:clrMapOvr>
-  <p:transition>
-    <p:fade/>
-  </p:transition>
-</p:sld>
-</file>
-
-<file path=ppt/slides/slide20.xml><?xml version="1.0" encoding="utf-8"?>
-<p:sld xmlns:a="http://schemas.openxmlformats.org/drawingml/2006/main" xmlns:r="http://schemas.openxmlformats.org/officeDocument/2006/relationships" xmlns:p="http://schemas.openxmlformats.org/presentationml/2006/main">
-  <p:cSld>
-    <p:spTree>
-      <p:nvGrpSpPr>
-        <p:cNvPr id="1" name=""/>
-        <p:cNvGrpSpPr/>
-        <p:nvPr/>
-      </p:nvGrpSpPr>
-      <p:grpSpPr>
-        <a:xfrm>
-          <a:off x="0" y="0"/>
-          <a:ext cx="0" cy="0"/>
-          <a:chOff x="0" y="0"/>
-          <a:chExt cx="0" cy="0"/>
-        </a:xfrm>
-      </p:grpSpPr>
-      <p:sp>
-        <p:nvSpPr>
-          <p:cNvPr id="5" name="文字方塊 4"/>
-          <p:cNvSpPr txBox="1"/>
-          <p:nvPr/>
-        </p:nvSpPr>
-        <p:spPr>
-          <a:xfrm>
-            <a:off x="652114" y="1469332"/>
-            <a:ext cx="8077200" cy="1569660"/>
-          </a:xfrm>
-          <a:prstGeom prst="rect">
-            <a:avLst/>
-          </a:prstGeom>
-          <a:noFill/>
-        </p:spPr>
-        <p:txBody>
-          <a:bodyPr wrap="square" rtlCol="0">
-            <a:spAutoFit/>
-          </a:bodyPr>
-          <a:lstStyle/>
-          <a:p>
-            <a:pPr marL="514338" indent="-514338">
-              <a:buFont typeface="Arial" panose="020B0604020202020204" pitchFamily="34" charset="0"/>
-              <a:buChar char="•"/>
-            </a:pPr>
-            <a:r>
-              <a:rPr kumimoji="1" lang="zh-TW" altLang="en-US" sz="3200" dirty="0">
-                <a:solidFill>
-                  <a:prstClr val="white"/>
-                </a:solidFill>
-                <a:effectLst>
-                  <a:outerShdw blurRad="38100" dist="38100" dir="2700000" algn="tl">
-                    <a:srgbClr val="000000">
-                      <a:alpha val="43137"/>
-                    </a:srgbClr>
-                  </a:outerShdw>
-                </a:effectLst>
-                <a:latin typeface="微軟正黑體" panose="020B0604030504040204" pitchFamily="34" charset="-120"/>
-                <a:ea typeface="微軟正黑體" panose="020B0604030504040204" pitchFamily="34" charset="-120"/>
-                <a:cs typeface="Heiti TC Light"/>
-              </a:rPr>
-              <a:t>公網上先找一台主機有，有公網</a:t>
+              <a:t>公網上先找一台主機，有公網</a:t>
             </a:r>
             <a:r>
               <a:rPr kumimoji="1" lang="en-US" altLang="zh-TW" sz="3200" dirty="0">
@@ -24109,7 +24591,7 @@
 </p:sld>
 </file>
 
-<file path=ppt/slides/slide21.xml><?xml version="1.0" encoding="utf-8"?>
+<file path=ppt/slides/slide22.xml><?xml version="1.0" encoding="utf-8"?>
 <p:sld xmlns:a="http://schemas.openxmlformats.org/drawingml/2006/main" xmlns:r="http://schemas.openxmlformats.org/officeDocument/2006/relationships" xmlns:p="http://schemas.openxmlformats.org/presentationml/2006/main">
   <p:cSld>
     <p:spTree>
@@ -24726,7 +25208,7 @@
 </p:sld>
 </file>
 
-<file path=ppt/slides/slide22.xml><?xml version="1.0" encoding="utf-8"?>
+<file path=ppt/slides/slide23.xml><?xml version="1.0" encoding="utf-8"?>
 <p:sld xmlns:a="http://schemas.openxmlformats.org/drawingml/2006/main" xmlns:r="http://schemas.openxmlformats.org/officeDocument/2006/relationships" xmlns:p="http://schemas.openxmlformats.org/presentationml/2006/main">
   <p:cSld>
     <p:spTree>
@@ -24937,7 +25419,7 @@
 </p:sld>
 </file>
 
-<file path=ppt/slides/slide23.xml><?xml version="1.0" encoding="utf-8"?>
+<file path=ppt/slides/slide24.xml><?xml version="1.0" encoding="utf-8"?>
 <p:sld xmlns:a="http://schemas.openxmlformats.org/drawingml/2006/main" xmlns:r="http://schemas.openxmlformats.org/officeDocument/2006/relationships" xmlns:p="http://schemas.openxmlformats.org/presentationml/2006/main">
   <p:cSld>
     <p:spTree>
@@ -25080,59 +25562,6 @@
           </a:prstGeom>
         </p:spPr>
       </p:pic>
-      <p:sp>
-        <p:nvSpPr>
-          <p:cNvPr id="10" name="文字方塊 9">
-            <a:extLst>
-              <a:ext uri="{FF2B5EF4-FFF2-40B4-BE49-F238E27FC236}">
-                <a16:creationId xmlns:a16="http://schemas.microsoft.com/office/drawing/2014/main" id="{56E4156B-F92E-F66C-92C6-04CDC2FF0C83}"/>
-              </a:ext>
-            </a:extLst>
-          </p:cNvPr>
-          <p:cNvSpPr txBox="1"/>
-          <p:nvPr/>
-        </p:nvSpPr>
-        <p:spPr>
-          <a:xfrm>
-            <a:off x="608590" y="6225794"/>
-            <a:ext cx="1807005" cy="923330"/>
-          </a:xfrm>
-          <a:prstGeom prst="rect">
-            <a:avLst/>
-          </a:prstGeom>
-          <a:noFill/>
-        </p:spPr>
-        <p:txBody>
-          <a:bodyPr wrap="square" rtlCol="0">
-            <a:spAutoFit/>
-          </a:bodyPr>
-          <a:lstStyle/>
-          <a:p>
-            <a:r>
-              <a:rPr lang="zh-TW" altLang="en-US" dirty="0"/>
-              <a:t>無公網</a:t>
-            </a:r>
-            <a:r>
-              <a:rPr lang="en-US" altLang="zh-TW" dirty="0"/>
-              <a:t>IP</a:t>
-            </a:r>
-          </a:p>
-          <a:p>
-            <a:r>
-              <a:rPr lang="zh-TW" altLang="en-US" dirty="0"/>
-              <a:t>安裝</a:t>
-            </a:r>
-            <a:r>
-              <a:rPr lang="en-US" altLang="zh-TW" dirty="0" err="1"/>
-              <a:t>ngrok</a:t>
-            </a:r>
-            <a:r>
-              <a:rPr lang="zh-TW" altLang="en-US" dirty="0"/>
-              <a:t>客戶端</a:t>
-            </a:r>
-          </a:p>
-        </p:txBody>
-      </p:sp>
       <p:sp>
         <p:nvSpPr>
           <p:cNvPr id="11" name="文字方塊 10">
@@ -25542,6 +25971,71 @@
           </a:p>
         </p:txBody>
       </p:sp>
+      <p:sp>
+        <p:nvSpPr>
+          <p:cNvPr id="5" name="文字方塊 4">
+            <a:extLst>
+              <a:ext uri="{FF2B5EF4-FFF2-40B4-BE49-F238E27FC236}">
+                <a16:creationId xmlns:a16="http://schemas.microsoft.com/office/drawing/2014/main" id="{E4BFD4AB-31FC-1498-7B25-550A9C63F817}"/>
+              </a:ext>
+            </a:extLst>
+          </p:cNvPr>
+          <p:cNvSpPr txBox="1"/>
+          <p:nvPr/>
+        </p:nvSpPr>
+        <p:spPr>
+          <a:xfrm>
+            <a:off x="694941" y="6161819"/>
+            <a:ext cx="2284550" cy="646331"/>
+          </a:xfrm>
+          <a:prstGeom prst="rect">
+            <a:avLst/>
+          </a:prstGeom>
+          <a:noFill/>
+        </p:spPr>
+        <p:txBody>
+          <a:bodyPr wrap="square" rtlCol="0">
+            <a:spAutoFit/>
+          </a:bodyPr>
+          <a:lstStyle/>
+          <a:p>
+            <a:r>
+              <a:rPr lang="zh-TW" altLang="en-US" dirty="0"/>
+              <a:t>無公網</a:t>
+            </a:r>
+            <a:r>
+              <a:rPr lang="en-US" altLang="zh-TW" dirty="0"/>
+              <a:t>IP</a:t>
+            </a:r>
+          </a:p>
+          <a:p>
+            <a:r>
+              <a:rPr lang="zh-TW" altLang="en-US" dirty="0">
+                <a:solidFill>
+                  <a:srgbClr val="FF0000"/>
+                </a:solidFill>
+              </a:rPr>
+              <a:t>安裝</a:t>
+            </a:r>
+            <a:r>
+              <a:rPr lang="en-US" altLang="zh-TW" dirty="0" err="1">
+                <a:solidFill>
+                  <a:srgbClr val="FF0000"/>
+                </a:solidFill>
+              </a:rPr>
+              <a:t>ngrok</a:t>
+            </a:r>
+            <a:r>
+              <a:rPr lang="zh-TW" altLang="en-US" dirty="0">
+                <a:solidFill>
+                  <a:srgbClr val="FF0000"/>
+                </a:solidFill>
+              </a:rPr>
+              <a:t>客戶端</a:t>
+            </a:r>
+          </a:p>
+        </p:txBody>
+      </p:sp>
     </p:spTree>
     <p:extLst>
       <p:ext uri="{BB962C8B-B14F-4D97-AF65-F5344CB8AC3E}">
@@ -25558,7 +26052,7 @@
 </p:sld>
 </file>
 
-<file path=ppt/slides/slide24.xml><?xml version="1.0" encoding="utf-8"?>
+<file path=ppt/slides/slide25.xml><?xml version="1.0" encoding="utf-8"?>
 <p:sld xmlns:a="http://schemas.openxmlformats.org/drawingml/2006/main" xmlns:r="http://schemas.openxmlformats.org/officeDocument/2006/relationships" xmlns:p="http://schemas.openxmlformats.org/presentationml/2006/main">
   <p:cSld>
     <p:spTree>
@@ -25805,7 +26299,7 @@
 </p:sld>
 </file>
 
-<file path=ppt/slides/slide25.xml><?xml version="1.0" encoding="utf-8"?>
+<file path=ppt/slides/slide26.xml><?xml version="1.0" encoding="utf-8"?>
 <p:sld xmlns:a="http://schemas.openxmlformats.org/drawingml/2006/main" xmlns:r="http://schemas.openxmlformats.org/officeDocument/2006/relationships" xmlns:p="http://schemas.openxmlformats.org/presentationml/2006/main">
   <p:cSld>
     <p:spTree>
@@ -26683,7 +27177,7 @@
 </p:sld>
 </file>
 
-<file path=ppt/slides/slide26.xml><?xml version="1.0" encoding="utf-8"?>
+<file path=ppt/slides/slide27.xml><?xml version="1.0" encoding="utf-8"?>
 <p:sld xmlns:a="http://schemas.openxmlformats.org/drawingml/2006/main" xmlns:r="http://schemas.openxmlformats.org/officeDocument/2006/relationships" xmlns:p="http://schemas.openxmlformats.org/presentationml/2006/main">
   <p:cSld>
     <p:spTree>
@@ -26894,7 +27388,7 @@
 </p:sld>
 </file>
 
-<file path=ppt/slides/slide27.xml><?xml version="1.0" encoding="utf-8"?>
+<file path=ppt/slides/slide28.xml><?xml version="1.0" encoding="utf-8"?>
 <p:sld xmlns:a="http://schemas.openxmlformats.org/drawingml/2006/main" xmlns:r="http://schemas.openxmlformats.org/officeDocument/2006/relationships" xmlns:p="http://schemas.openxmlformats.org/presentationml/2006/main">
   <p:cSld>
     <p:spTree>
@@ -27839,7 +28333,7 @@
 </p:sld>
 </file>
 
-<file path=ppt/slides/slide28.xml><?xml version="1.0" encoding="utf-8"?>
+<file path=ppt/slides/slide29.xml><?xml version="1.0" encoding="utf-8"?>
 <p:sld xmlns:a="http://schemas.openxmlformats.org/drawingml/2006/main" xmlns:r="http://schemas.openxmlformats.org/officeDocument/2006/relationships" xmlns:p="http://schemas.openxmlformats.org/presentationml/2006/main">
   <p:cSld>
     <p:spTree>
@@ -29775,199 +30269,6 @@
 </p:sld>
 </file>
 
-<file path=ppt/slides/slide29.xml><?xml version="1.0" encoding="utf-8"?>
-<p:sld xmlns:a="http://schemas.openxmlformats.org/drawingml/2006/main" xmlns:r="http://schemas.openxmlformats.org/officeDocument/2006/relationships" xmlns:p="http://schemas.openxmlformats.org/presentationml/2006/main">
-  <p:cSld>
-    <p:spTree>
-      <p:nvGrpSpPr>
-        <p:cNvPr id="1" name=""/>
-        <p:cNvGrpSpPr/>
-        <p:nvPr/>
-      </p:nvGrpSpPr>
-      <p:grpSpPr>
-        <a:xfrm>
-          <a:off x="0" y="0"/>
-          <a:ext cx="0" cy="0"/>
-          <a:chOff x="0" y="0"/>
-          <a:chExt cx="0" cy="0"/>
-        </a:xfrm>
-      </p:grpSpPr>
-      <p:sp>
-        <p:nvSpPr>
-          <p:cNvPr id="5" name="文字方塊 4"/>
-          <p:cNvSpPr txBox="1"/>
-          <p:nvPr/>
-        </p:nvSpPr>
-        <p:spPr>
-          <a:xfrm>
-            <a:off x="652114" y="1469332"/>
-            <a:ext cx="8077200" cy="584775"/>
-          </a:xfrm>
-          <a:prstGeom prst="rect">
-            <a:avLst/>
-          </a:prstGeom>
-          <a:noFill/>
-        </p:spPr>
-        <p:txBody>
-          <a:bodyPr wrap="square" rtlCol="0">
-            <a:spAutoFit/>
-          </a:bodyPr>
-          <a:lstStyle/>
-          <a:p>
-            <a:pPr marL="514338" indent="-514338">
-              <a:buFont typeface="Arial" panose="020B0604020202020204" pitchFamily="34" charset="0"/>
-              <a:buChar char="•"/>
-            </a:pPr>
-            <a:r>
-              <a:rPr kumimoji="1" lang="en-US" altLang="zh-TW" sz="3200" dirty="0" err="1">
-                <a:solidFill>
-                  <a:prstClr val="white"/>
-                </a:solidFill>
-                <a:effectLst>
-                  <a:outerShdw blurRad="38100" dist="38100" dir="2700000" algn="tl">
-                    <a:srgbClr val="000000">
-                      <a:alpha val="43137"/>
-                    </a:srgbClr>
-                  </a:outerShdw>
-                </a:effectLst>
-                <a:latin typeface="微軟正黑體" panose="020B0604030504040204" pitchFamily="34" charset="-120"/>
-                <a:ea typeface="微軟正黑體" panose="020B0604030504040204" pitchFamily="34" charset="-120"/>
-                <a:cs typeface="Heiti TC Light"/>
-              </a:rPr>
-              <a:t>ngrok</a:t>
-            </a:r>
-            <a:r>
-              <a:rPr kumimoji="1" lang="zh-TW" altLang="en-US" sz="3200" dirty="0">
-                <a:solidFill>
-                  <a:prstClr val="white"/>
-                </a:solidFill>
-                <a:effectLst>
-                  <a:outerShdw blurRad="38100" dist="38100" dir="2700000" algn="tl">
-                    <a:srgbClr val="000000">
-                      <a:alpha val="43137"/>
-                    </a:srgbClr>
-                  </a:outerShdw>
-                </a:effectLst>
-                <a:latin typeface="微軟正黑體" panose="020B0604030504040204" pitchFamily="34" charset="-120"/>
-                <a:ea typeface="微軟正黑體" panose="020B0604030504040204" pitchFamily="34" charset="-120"/>
-                <a:cs typeface="Heiti TC Light"/>
-              </a:rPr>
-              <a:t>伺服器會給這台客戶端一個「網址」</a:t>
-            </a:r>
-            <a:endParaRPr kumimoji="1" lang="en-US" altLang="zh-TW" sz="3200" dirty="0">
-              <a:solidFill>
-                <a:prstClr val="white"/>
-              </a:solidFill>
-              <a:effectLst>
-                <a:outerShdw blurRad="38100" dist="38100" dir="2700000" algn="tl">
-                  <a:srgbClr val="000000">
-                    <a:alpha val="43137"/>
-                  </a:srgbClr>
-                </a:outerShdw>
-              </a:effectLst>
-              <a:latin typeface="微軟正黑體" panose="020B0604030504040204" pitchFamily="34" charset="-120"/>
-              <a:ea typeface="微軟正黑體" panose="020B0604030504040204" pitchFamily="34" charset="-120"/>
-              <a:cs typeface="Heiti TC Light"/>
-            </a:endParaRPr>
-          </a:p>
-        </p:txBody>
-      </p:sp>
-      <p:sp>
-        <p:nvSpPr>
-          <p:cNvPr id="4" name="文字版面配置區 2"/>
-          <p:cNvSpPr txBox="1">
-            <a:spLocks/>
-          </p:cNvSpPr>
-          <p:nvPr/>
-        </p:nvSpPr>
-        <p:spPr>
-          <a:xfrm>
-            <a:off x="2763014" y="276757"/>
-            <a:ext cx="4697835" cy="990600"/>
-          </a:xfrm>
-          <a:prstGeom prst="rect">
-            <a:avLst/>
-          </a:prstGeom>
-        </p:spPr>
-        <p:txBody>
-          <a:bodyPr tIns="91440" bIns="91440" anchor="b" anchorCtr="0">
-            <a:noAutofit/>
-          </a:bodyPr>
-          <a:lstStyle/>
-          <a:p>
-            <a:pPr algn="just">
-              <a:spcBef>
-                <a:spcPct val="20000"/>
-              </a:spcBef>
-              <a:defRPr/>
-            </a:pPr>
-            <a:r>
-              <a:rPr lang="zh-TW" altLang="en-US" sz="4800" b="1" kern="0" dirty="0">
-                <a:solidFill>
-                  <a:srgbClr val="00B0F0"/>
-                </a:solidFill>
-                <a:effectLst>
-                  <a:outerShdw blurRad="38100" dist="38100" dir="2700000" algn="tl">
-                    <a:srgbClr val="000000">
-                      <a:alpha val="43137"/>
-                    </a:srgbClr>
-                  </a:outerShdw>
-                </a:effectLst>
-                <a:latin typeface="微軟正黑體" panose="020B0604030504040204" pitchFamily="34" charset="-120"/>
-                <a:ea typeface="微軟正黑體" panose="020B0604030504040204" pitchFamily="34" charset="-120"/>
-              </a:rPr>
-              <a:t>什麼是</a:t>
-            </a:r>
-            <a:r>
-              <a:rPr lang="en-US" altLang="zh-TW" sz="4800" b="1" kern="0" dirty="0" err="1">
-                <a:solidFill>
-                  <a:srgbClr val="00B0F0"/>
-                </a:solidFill>
-                <a:effectLst>
-                  <a:outerShdw blurRad="38100" dist="38100" dir="2700000" algn="tl">
-                    <a:srgbClr val="000000">
-                      <a:alpha val="43137"/>
-                    </a:srgbClr>
-                  </a:outerShdw>
-                </a:effectLst>
-                <a:latin typeface="微軟正黑體" panose="020B0604030504040204" pitchFamily="34" charset="-120"/>
-                <a:ea typeface="微軟正黑體" panose="020B0604030504040204" pitchFamily="34" charset="-120"/>
-              </a:rPr>
-              <a:t>ngrok</a:t>
-            </a:r>
-            <a:endParaRPr lang="zh-TW" altLang="en-US" sz="4800" b="1" kern="0" dirty="0">
-              <a:solidFill>
-                <a:srgbClr val="00B0F0"/>
-              </a:solidFill>
-              <a:effectLst>
-                <a:outerShdw blurRad="38100" dist="38100" dir="2700000" algn="tl">
-                  <a:srgbClr val="000000">
-                    <a:alpha val="43137"/>
-                  </a:srgbClr>
-                </a:outerShdw>
-              </a:effectLst>
-              <a:latin typeface="微軟正黑體" panose="020B0604030504040204" pitchFamily="34" charset="-120"/>
-              <a:ea typeface="微軟正黑體" panose="020B0604030504040204" pitchFamily="34" charset="-120"/>
-            </a:endParaRPr>
-          </a:p>
-        </p:txBody>
-      </p:sp>
-    </p:spTree>
-    <p:extLst>
-      <p:ext uri="{BB962C8B-B14F-4D97-AF65-F5344CB8AC3E}">
-        <p14:creationId xmlns:p14="http://schemas.microsoft.com/office/powerpoint/2010/main" val="861051765"/>
-      </p:ext>
-    </p:extLst>
-  </p:cSld>
-  <p:clrMapOvr>
-    <a:masterClrMapping/>
-  </p:clrMapOvr>
-  <p:transition>
-    <p:fade/>
-  </p:transition>
-</p:sld>
-</file>
-
 <file path=ppt/slides/slide3.xml><?xml version="1.0" encoding="utf-8"?>
 <p:sld xmlns:a="http://schemas.openxmlformats.org/drawingml/2006/main" xmlns:r="http://schemas.openxmlformats.org/officeDocument/2006/relationships" xmlns:p="http://schemas.openxmlformats.org/presentationml/2006/main">
   <p:cSld>
@@ -30166,6 +30467,199 @@
 </file>
 
 <file path=ppt/slides/slide30.xml><?xml version="1.0" encoding="utf-8"?>
+<p:sld xmlns:a="http://schemas.openxmlformats.org/drawingml/2006/main" xmlns:r="http://schemas.openxmlformats.org/officeDocument/2006/relationships" xmlns:p="http://schemas.openxmlformats.org/presentationml/2006/main">
+  <p:cSld>
+    <p:spTree>
+      <p:nvGrpSpPr>
+        <p:cNvPr id="1" name=""/>
+        <p:cNvGrpSpPr/>
+        <p:nvPr/>
+      </p:nvGrpSpPr>
+      <p:grpSpPr>
+        <a:xfrm>
+          <a:off x="0" y="0"/>
+          <a:ext cx="0" cy="0"/>
+          <a:chOff x="0" y="0"/>
+          <a:chExt cx="0" cy="0"/>
+        </a:xfrm>
+      </p:grpSpPr>
+      <p:sp>
+        <p:nvSpPr>
+          <p:cNvPr id="5" name="文字方塊 4"/>
+          <p:cNvSpPr txBox="1"/>
+          <p:nvPr/>
+        </p:nvSpPr>
+        <p:spPr>
+          <a:xfrm>
+            <a:off x="652114" y="1469332"/>
+            <a:ext cx="8077200" cy="584775"/>
+          </a:xfrm>
+          <a:prstGeom prst="rect">
+            <a:avLst/>
+          </a:prstGeom>
+          <a:noFill/>
+        </p:spPr>
+        <p:txBody>
+          <a:bodyPr wrap="square" rtlCol="0">
+            <a:spAutoFit/>
+          </a:bodyPr>
+          <a:lstStyle/>
+          <a:p>
+            <a:pPr marL="514338" indent="-514338">
+              <a:buFont typeface="Arial" panose="020B0604020202020204" pitchFamily="34" charset="0"/>
+              <a:buChar char="•"/>
+            </a:pPr>
+            <a:r>
+              <a:rPr kumimoji="1" lang="en-US" altLang="zh-TW" sz="3200" dirty="0" err="1">
+                <a:solidFill>
+                  <a:prstClr val="white"/>
+                </a:solidFill>
+                <a:effectLst>
+                  <a:outerShdw blurRad="38100" dist="38100" dir="2700000" algn="tl">
+                    <a:srgbClr val="000000">
+                      <a:alpha val="43137"/>
+                    </a:srgbClr>
+                  </a:outerShdw>
+                </a:effectLst>
+                <a:latin typeface="微軟正黑體" panose="020B0604030504040204" pitchFamily="34" charset="-120"/>
+                <a:ea typeface="微軟正黑體" panose="020B0604030504040204" pitchFamily="34" charset="-120"/>
+                <a:cs typeface="Heiti TC Light"/>
+              </a:rPr>
+              <a:t>ngrok</a:t>
+            </a:r>
+            <a:r>
+              <a:rPr kumimoji="1" lang="zh-TW" altLang="en-US" sz="3200" dirty="0">
+                <a:solidFill>
+                  <a:prstClr val="white"/>
+                </a:solidFill>
+                <a:effectLst>
+                  <a:outerShdw blurRad="38100" dist="38100" dir="2700000" algn="tl">
+                    <a:srgbClr val="000000">
+                      <a:alpha val="43137"/>
+                    </a:srgbClr>
+                  </a:outerShdw>
+                </a:effectLst>
+                <a:latin typeface="微軟正黑體" panose="020B0604030504040204" pitchFamily="34" charset="-120"/>
+                <a:ea typeface="微軟正黑體" panose="020B0604030504040204" pitchFamily="34" charset="-120"/>
+                <a:cs typeface="Heiti TC Light"/>
+              </a:rPr>
+              <a:t>伺服器會給這台客戶端一個「網址」</a:t>
+            </a:r>
+            <a:endParaRPr kumimoji="1" lang="en-US" altLang="zh-TW" sz="3200" dirty="0">
+              <a:solidFill>
+                <a:prstClr val="white"/>
+              </a:solidFill>
+              <a:effectLst>
+                <a:outerShdw blurRad="38100" dist="38100" dir="2700000" algn="tl">
+                  <a:srgbClr val="000000">
+                    <a:alpha val="43137"/>
+                  </a:srgbClr>
+                </a:outerShdw>
+              </a:effectLst>
+              <a:latin typeface="微軟正黑體" panose="020B0604030504040204" pitchFamily="34" charset="-120"/>
+              <a:ea typeface="微軟正黑體" panose="020B0604030504040204" pitchFamily="34" charset="-120"/>
+              <a:cs typeface="Heiti TC Light"/>
+            </a:endParaRPr>
+          </a:p>
+        </p:txBody>
+      </p:sp>
+      <p:sp>
+        <p:nvSpPr>
+          <p:cNvPr id="4" name="文字版面配置區 2"/>
+          <p:cNvSpPr txBox="1">
+            <a:spLocks/>
+          </p:cNvSpPr>
+          <p:nvPr/>
+        </p:nvSpPr>
+        <p:spPr>
+          <a:xfrm>
+            <a:off x="2763014" y="276757"/>
+            <a:ext cx="4697835" cy="990600"/>
+          </a:xfrm>
+          <a:prstGeom prst="rect">
+            <a:avLst/>
+          </a:prstGeom>
+        </p:spPr>
+        <p:txBody>
+          <a:bodyPr tIns="91440" bIns="91440" anchor="b" anchorCtr="0">
+            <a:noAutofit/>
+          </a:bodyPr>
+          <a:lstStyle/>
+          <a:p>
+            <a:pPr algn="just">
+              <a:spcBef>
+                <a:spcPct val="20000"/>
+              </a:spcBef>
+              <a:defRPr/>
+            </a:pPr>
+            <a:r>
+              <a:rPr lang="zh-TW" altLang="en-US" sz="4800" b="1" kern="0" dirty="0">
+                <a:solidFill>
+                  <a:srgbClr val="00B0F0"/>
+                </a:solidFill>
+                <a:effectLst>
+                  <a:outerShdw blurRad="38100" dist="38100" dir="2700000" algn="tl">
+                    <a:srgbClr val="000000">
+                      <a:alpha val="43137"/>
+                    </a:srgbClr>
+                  </a:outerShdw>
+                </a:effectLst>
+                <a:latin typeface="微軟正黑體" panose="020B0604030504040204" pitchFamily="34" charset="-120"/>
+                <a:ea typeface="微軟正黑體" panose="020B0604030504040204" pitchFamily="34" charset="-120"/>
+              </a:rPr>
+              <a:t>什麼是</a:t>
+            </a:r>
+            <a:r>
+              <a:rPr lang="en-US" altLang="zh-TW" sz="4800" b="1" kern="0" dirty="0" err="1">
+                <a:solidFill>
+                  <a:srgbClr val="00B0F0"/>
+                </a:solidFill>
+                <a:effectLst>
+                  <a:outerShdw blurRad="38100" dist="38100" dir="2700000" algn="tl">
+                    <a:srgbClr val="000000">
+                      <a:alpha val="43137"/>
+                    </a:srgbClr>
+                  </a:outerShdw>
+                </a:effectLst>
+                <a:latin typeface="微軟正黑體" panose="020B0604030504040204" pitchFamily="34" charset="-120"/>
+                <a:ea typeface="微軟正黑體" panose="020B0604030504040204" pitchFamily="34" charset="-120"/>
+              </a:rPr>
+              <a:t>ngrok</a:t>
+            </a:r>
+            <a:endParaRPr lang="zh-TW" altLang="en-US" sz="4800" b="1" kern="0" dirty="0">
+              <a:solidFill>
+                <a:srgbClr val="00B0F0"/>
+              </a:solidFill>
+              <a:effectLst>
+                <a:outerShdw blurRad="38100" dist="38100" dir="2700000" algn="tl">
+                  <a:srgbClr val="000000">
+                    <a:alpha val="43137"/>
+                  </a:srgbClr>
+                </a:outerShdw>
+              </a:effectLst>
+              <a:latin typeface="微軟正黑體" panose="020B0604030504040204" pitchFamily="34" charset="-120"/>
+              <a:ea typeface="微軟正黑體" panose="020B0604030504040204" pitchFamily="34" charset="-120"/>
+            </a:endParaRPr>
+          </a:p>
+        </p:txBody>
+      </p:sp>
+    </p:spTree>
+    <p:extLst>
+      <p:ext uri="{BB962C8B-B14F-4D97-AF65-F5344CB8AC3E}">
+        <p14:creationId xmlns:p14="http://schemas.microsoft.com/office/powerpoint/2010/main" val="861051765"/>
+      </p:ext>
+    </p:extLst>
+  </p:cSld>
+  <p:clrMapOvr>
+    <a:masterClrMapping/>
+  </p:clrMapOvr>
+  <p:transition>
+    <p:fade/>
+  </p:transition>
+</p:sld>
+</file>
+
+<file path=ppt/slides/slide31.xml><?xml version="1.0" encoding="utf-8"?>
 <p:sld xmlns:a="http://schemas.openxmlformats.org/drawingml/2006/main" xmlns:r="http://schemas.openxmlformats.org/officeDocument/2006/relationships" xmlns:p="http://schemas.openxmlformats.org/presentationml/2006/main">
   <p:cSld>
     <p:spTree>
@@ -30906,116 +31400,6 @@
 </p:sld>
 </file>
 
-<file path=ppt/slides/slide31.xml><?xml version="1.0" encoding="utf-8"?>
-<p:sld xmlns:a="http://schemas.openxmlformats.org/drawingml/2006/main" xmlns:r="http://schemas.openxmlformats.org/officeDocument/2006/relationships" xmlns:p="http://schemas.openxmlformats.org/presentationml/2006/main">
-  <p:cSld>
-    <p:spTree>
-      <p:nvGrpSpPr>
-        <p:cNvPr id="1" name=""/>
-        <p:cNvGrpSpPr/>
-        <p:nvPr/>
-      </p:nvGrpSpPr>
-      <p:grpSpPr>
-        <a:xfrm>
-          <a:off x="0" y="0"/>
-          <a:ext cx="0" cy="0"/>
-          <a:chOff x="0" y="0"/>
-          <a:chExt cx="0" cy="0"/>
-        </a:xfrm>
-      </p:grpSpPr>
-      <p:sp>
-        <p:nvSpPr>
-          <p:cNvPr id="4" name="文字方塊 3"/>
-          <p:cNvSpPr txBox="1"/>
-          <p:nvPr/>
-        </p:nvSpPr>
-        <p:spPr>
-          <a:xfrm>
-            <a:off x="783076" y="3013501"/>
-            <a:ext cx="7772400" cy="830997"/>
-          </a:xfrm>
-          <a:prstGeom prst="rect">
-            <a:avLst/>
-          </a:prstGeom>
-          <a:noFill/>
-        </p:spPr>
-        <p:txBody>
-          <a:bodyPr wrap="square" rtlCol="0">
-            <a:spAutoFit/>
-          </a:bodyPr>
-          <a:lstStyle/>
-          <a:p>
-            <a:pPr algn="ctr"/>
-            <a:r>
-              <a:rPr kumimoji="1" lang="zh-TW" altLang="en-US" sz="4800" b="1" dirty="0">
-                <a:solidFill>
-                  <a:srgbClr val="FFFF00"/>
-                </a:solidFill>
-                <a:effectLst>
-                  <a:outerShdw blurRad="38100" dist="38100" dir="2700000" algn="tl">
-                    <a:srgbClr val="000000">
-                      <a:alpha val="43137"/>
-                    </a:srgbClr>
-                  </a:outerShdw>
-                </a:effectLst>
-                <a:latin typeface="微軟正黑體" panose="020B0604030504040204" pitchFamily="34" charset="-120"/>
-                <a:ea typeface="微軟正黑體" panose="020B0604030504040204" pitchFamily="34" charset="-120"/>
-                <a:cs typeface="Arial"/>
-              </a:rPr>
-              <a:t>執行</a:t>
-            </a:r>
-            <a:r>
-              <a:rPr kumimoji="1" lang="en-US" altLang="zh-TW" sz="4800" b="1" dirty="0" err="1">
-                <a:solidFill>
-                  <a:srgbClr val="FFFF00"/>
-                </a:solidFill>
-                <a:effectLst>
-                  <a:outerShdw blurRad="38100" dist="38100" dir="2700000" algn="tl">
-                    <a:srgbClr val="000000">
-                      <a:alpha val="43137"/>
-                    </a:srgbClr>
-                  </a:outerShdw>
-                </a:effectLst>
-                <a:latin typeface="微軟正黑體" panose="020B0604030504040204" pitchFamily="34" charset="-120"/>
-                <a:ea typeface="微軟正黑體" panose="020B0604030504040204" pitchFamily="34" charset="-120"/>
-                <a:cs typeface="Arial"/>
-              </a:rPr>
-              <a:t>ngrok</a:t>
-            </a:r>
-            <a:endParaRPr kumimoji="1" lang="en-US" altLang="zh-TW" sz="4800" b="1" dirty="0">
-              <a:solidFill>
-                <a:srgbClr val="FFFF00"/>
-              </a:solidFill>
-              <a:effectLst>
-                <a:outerShdw blurRad="38100" dist="38100" dir="2700000" algn="tl">
-                  <a:srgbClr val="000000">
-                    <a:alpha val="43137"/>
-                  </a:srgbClr>
-                </a:outerShdw>
-              </a:effectLst>
-              <a:latin typeface="微軟正黑體" panose="020B0604030504040204" pitchFamily="34" charset="-120"/>
-              <a:ea typeface="微軟正黑體" panose="020B0604030504040204" pitchFamily="34" charset="-120"/>
-              <a:cs typeface="Arial"/>
-            </a:endParaRPr>
-          </a:p>
-        </p:txBody>
-      </p:sp>
-    </p:spTree>
-    <p:extLst>
-      <p:ext uri="{BB962C8B-B14F-4D97-AF65-F5344CB8AC3E}">
-        <p14:creationId xmlns:p14="http://schemas.microsoft.com/office/powerpoint/2010/main" val="1066830308"/>
-      </p:ext>
-    </p:extLst>
-  </p:cSld>
-  <p:clrMapOvr>
-    <a:masterClrMapping/>
-  </p:clrMapOvr>
-  <p:transition>
-    <p:fade/>
-  </p:transition>
-</p:sld>
-</file>
-
 <file path=ppt/slides/slide32.xml><?xml version="1.0" encoding="utf-8"?>
 <p:sld xmlns:a="http://schemas.openxmlformats.org/drawingml/2006/main" xmlns:r="http://schemas.openxmlformats.org/officeDocument/2006/relationships" xmlns:p="http://schemas.openxmlformats.org/presentationml/2006/main">
   <p:cSld>
@@ -31035,43 +31419,31 @@
       </p:grpSpPr>
       <p:sp>
         <p:nvSpPr>
-          <p:cNvPr id="6" name="文字版面配置區 2">
-            <a:extLst>
-              <a:ext uri="{FF2B5EF4-FFF2-40B4-BE49-F238E27FC236}">
-                <a16:creationId xmlns:a16="http://schemas.microsoft.com/office/drawing/2014/main" id="{DC362AB1-BDCB-D11A-89BE-0A2EC77A4AD2}"/>
-              </a:ext>
-            </a:extLst>
-          </p:cNvPr>
-          <p:cNvSpPr txBox="1">
-            <a:spLocks/>
-          </p:cNvSpPr>
+          <p:cNvPr id="4" name="文字方塊 3"/>
+          <p:cNvSpPr txBox="1"/>
           <p:nvPr/>
         </p:nvSpPr>
         <p:spPr>
           <a:xfrm>
-            <a:off x="2755784" y="206928"/>
-            <a:ext cx="5662568" cy="990600"/>
+            <a:off x="783076" y="3013501"/>
+            <a:ext cx="7772400" cy="830997"/>
           </a:xfrm>
           <a:prstGeom prst="rect">
             <a:avLst/>
           </a:prstGeom>
-        </p:spPr>
-        <p:txBody>
-          <a:bodyPr tIns="91440" bIns="91440" anchor="b" anchorCtr="0">
-            <a:noAutofit/>
+          <a:noFill/>
+        </p:spPr>
+        <p:txBody>
+          <a:bodyPr wrap="square" rtlCol="0">
+            <a:spAutoFit/>
           </a:bodyPr>
           <a:lstStyle/>
           <a:p>
-            <a:pPr algn="just">
-              <a:spcBef>
-                <a:spcPct val="20000"/>
-              </a:spcBef>
-              <a:defRPr/>
-            </a:pPr>
-            <a:r>
-              <a:rPr lang="zh-TW" altLang="en-US" sz="4800" b="1" kern="0" dirty="0">
+            <a:pPr algn="ctr"/>
+            <a:r>
+              <a:rPr kumimoji="1" lang="zh-TW" altLang="en-US" sz="4800" b="1" dirty="0">
                 <a:solidFill>
-                  <a:srgbClr val="00B0F0"/>
+                  <a:srgbClr val="FFFF00"/>
                 </a:solidFill>
                 <a:effectLst>
                   <a:outerShdw blurRad="38100" dist="38100" dir="2700000" algn="tl">
@@ -31082,13 +31454,14 @@
                 </a:effectLst>
                 <a:latin typeface="微軟正黑體" panose="020B0604030504040204" pitchFamily="34" charset="-120"/>
                 <a:ea typeface="微軟正黑體" panose="020B0604030504040204" pitchFamily="34" charset="-120"/>
+                <a:cs typeface="Arial"/>
               </a:rPr>
               <a:t>執行</a:t>
             </a:r>
             <a:r>
-              <a:rPr lang="en-US" altLang="zh-TW" sz="4800" b="1" kern="0" dirty="0" err="1">
+              <a:rPr kumimoji="1" lang="en-US" altLang="zh-TW" sz="4800" b="1" dirty="0" err="1">
                 <a:solidFill>
-                  <a:srgbClr val="00B0F0"/>
+                  <a:srgbClr val="FFFF00"/>
                 </a:solidFill>
                 <a:effectLst>
                   <a:outerShdw blurRad="38100" dist="38100" dir="2700000" algn="tl">
@@ -31099,12 +31472,13 @@
                 </a:effectLst>
                 <a:latin typeface="微軟正黑體" panose="020B0604030504040204" pitchFamily="34" charset="-120"/>
                 <a:ea typeface="微軟正黑體" panose="020B0604030504040204" pitchFamily="34" charset="-120"/>
+                <a:cs typeface="Arial"/>
               </a:rPr>
               <a:t>ngrok</a:t>
             </a:r>
-            <a:endParaRPr lang="zh-TW" altLang="en-US" sz="4800" b="1" kern="0" dirty="0">
+            <a:endParaRPr kumimoji="1" lang="en-US" altLang="zh-TW" sz="4800" b="1" dirty="0">
               <a:solidFill>
-                <a:srgbClr val="00B0F0"/>
+                <a:srgbClr val="FFFF00"/>
               </a:solidFill>
               <a:effectLst>
                 <a:outerShdw blurRad="38100" dist="38100" dir="2700000" algn="tl">
@@ -31115,148 +31489,15 @@
               </a:effectLst>
               <a:latin typeface="微軟正黑體" panose="020B0604030504040204" pitchFamily="34" charset="-120"/>
               <a:ea typeface="微軟正黑體" panose="020B0604030504040204" pitchFamily="34" charset="-120"/>
+              <a:cs typeface="Arial"/>
             </a:endParaRPr>
           </a:p>
         </p:txBody>
       </p:sp>
-      <p:sp>
-        <p:nvSpPr>
-          <p:cNvPr id="2" name="文字方塊 1">
-            <a:extLst>
-              <a:ext uri="{FF2B5EF4-FFF2-40B4-BE49-F238E27FC236}">
-                <a16:creationId xmlns:a16="http://schemas.microsoft.com/office/drawing/2014/main" id="{178B99C9-F0FA-7E8E-5EC7-27E6EAB07462}"/>
-              </a:ext>
-            </a:extLst>
-          </p:cNvPr>
-          <p:cNvSpPr txBox="1"/>
-          <p:nvPr/>
-        </p:nvSpPr>
-        <p:spPr>
-          <a:xfrm>
-            <a:off x="533400" y="1197528"/>
-            <a:ext cx="8077200" cy="584775"/>
-          </a:xfrm>
-          <a:prstGeom prst="rect">
-            <a:avLst/>
-          </a:prstGeom>
-          <a:noFill/>
-        </p:spPr>
-        <p:txBody>
-          <a:bodyPr wrap="square" rtlCol="0">
-            <a:spAutoFit/>
-          </a:bodyPr>
-          <a:lstStyle/>
-          <a:p>
-            <a:pPr marL="514338" indent="-514338">
-              <a:buFont typeface="Arial" panose="020B0604020202020204" pitchFamily="34" charset="0"/>
-              <a:buChar char="•"/>
-            </a:pPr>
-            <a:r>
-              <a:rPr kumimoji="1" lang="zh-TW" altLang="en-US" sz="3200" dirty="0">
-                <a:solidFill>
-                  <a:prstClr val="white"/>
-                </a:solidFill>
-                <a:effectLst>
-                  <a:outerShdw blurRad="38100" dist="38100" dir="2700000" algn="tl">
-                    <a:srgbClr val="000000">
-                      <a:alpha val="43137"/>
-                    </a:srgbClr>
-                  </a:outerShdw>
-                </a:effectLst>
-                <a:latin typeface="微軟正黑體" panose="020B0604030504040204" pitchFamily="34" charset="-120"/>
-                <a:ea typeface="微軟正黑體" panose="020B0604030504040204" pitchFamily="34" charset="-120"/>
-                <a:cs typeface="Heiti TC Light"/>
-              </a:rPr>
-              <a:t>執行本課程的「</a:t>
-            </a:r>
-            <a:r>
-              <a:rPr kumimoji="1" lang="en-US" altLang="zh-TW" sz="3200" dirty="0">
-                <a:solidFill>
-                  <a:prstClr val="white"/>
-                </a:solidFill>
-                <a:effectLst>
-                  <a:outerShdw blurRad="38100" dist="38100" dir="2700000" algn="tl">
-                    <a:srgbClr val="000000">
-                      <a:alpha val="43137"/>
-                    </a:srgbClr>
-                  </a:outerShdw>
-                </a:effectLst>
-                <a:latin typeface="微軟正黑體" panose="020B0604030504040204" pitchFamily="34" charset="-120"/>
-                <a:ea typeface="微軟正黑體" panose="020B0604030504040204" pitchFamily="34" charset="-120"/>
-                <a:cs typeface="Heiti TC Light"/>
-              </a:rPr>
-              <a:t>0401_pyngrok.ipynb</a:t>
-            </a:r>
-            <a:r>
-              <a:rPr kumimoji="1" lang="zh-TW" altLang="en-US" sz="3200" dirty="0">
-                <a:solidFill>
-                  <a:prstClr val="white"/>
-                </a:solidFill>
-                <a:effectLst>
-                  <a:outerShdw blurRad="38100" dist="38100" dir="2700000" algn="tl">
-                    <a:srgbClr val="000000">
-                      <a:alpha val="43137"/>
-                    </a:srgbClr>
-                  </a:outerShdw>
-                </a:effectLst>
-                <a:latin typeface="微軟正黑體" panose="020B0604030504040204" pitchFamily="34" charset="-120"/>
-                <a:ea typeface="微軟正黑體" panose="020B0604030504040204" pitchFamily="34" charset="-120"/>
-                <a:cs typeface="Heiti TC Light"/>
-              </a:rPr>
-              <a:t>」</a:t>
-            </a:r>
-            <a:endParaRPr kumimoji="1" lang="en-US" altLang="zh-TW" sz="3200" dirty="0">
-              <a:solidFill>
-                <a:prstClr val="white"/>
-              </a:solidFill>
-              <a:effectLst>
-                <a:outerShdw blurRad="38100" dist="38100" dir="2700000" algn="tl">
-                  <a:srgbClr val="000000">
-                    <a:alpha val="43137"/>
-                  </a:srgbClr>
-                </a:outerShdw>
-              </a:effectLst>
-              <a:latin typeface="微軟正黑體" panose="020B0604030504040204" pitchFamily="34" charset="-120"/>
-              <a:ea typeface="微軟正黑體" panose="020B0604030504040204" pitchFamily="34" charset="-120"/>
-              <a:cs typeface="Heiti TC Light"/>
-            </a:endParaRPr>
-          </a:p>
-        </p:txBody>
-      </p:sp>
-      <p:pic>
-        <p:nvPicPr>
-          <p:cNvPr id="5" name="圖片 4">
-            <a:extLst>
-              <a:ext uri="{FF2B5EF4-FFF2-40B4-BE49-F238E27FC236}">
-                <a16:creationId xmlns:a16="http://schemas.microsoft.com/office/drawing/2014/main" id="{8E57502E-939F-09DD-8481-BBA7F01C3E4B}"/>
-              </a:ext>
-            </a:extLst>
-          </p:cNvPr>
-          <p:cNvPicPr>
-            <a:picLocks noChangeAspect="1"/>
-          </p:cNvPicPr>
-          <p:nvPr/>
-        </p:nvPicPr>
-        <p:blipFill>
-          <a:blip r:embed="rId2"/>
-          <a:stretch>
-            <a:fillRect/>
-          </a:stretch>
-        </p:blipFill>
-        <p:spPr>
-          <a:xfrm>
-            <a:off x="301051" y="2012117"/>
-            <a:ext cx="8763463" cy="4463633"/>
-          </a:xfrm>
-          <a:prstGeom prst="rect">
-            <a:avLst/>
-          </a:prstGeom>
-        </p:spPr>
-      </p:pic>
     </p:spTree>
     <p:extLst>
       <p:ext uri="{BB962C8B-B14F-4D97-AF65-F5344CB8AC3E}">
-        <p14:creationId xmlns:p14="http://schemas.microsoft.com/office/powerpoint/2010/main" val="1836947253"/>
+        <p14:creationId xmlns:p14="http://schemas.microsoft.com/office/powerpoint/2010/main" val="1066830308"/>
       </p:ext>
     </p:extLst>
   </p:cSld>
@@ -31288,106 +31529,14 @@
       </p:grpSpPr>
       <p:sp>
         <p:nvSpPr>
-          <p:cNvPr id="6" name="文字版面配置區 2">
-            <a:extLst>
-              <a:ext uri="{FF2B5EF4-FFF2-40B4-BE49-F238E27FC236}">
-                <a16:creationId xmlns:a16="http://schemas.microsoft.com/office/drawing/2014/main" id="{DC362AB1-BDCB-D11A-89BE-0A2EC77A4AD2}"/>
-              </a:ext>
-            </a:extLst>
-          </p:cNvPr>
-          <p:cNvSpPr txBox="1">
-            <a:spLocks/>
-          </p:cNvSpPr>
-          <p:nvPr/>
-        </p:nvSpPr>
-        <p:spPr>
-          <a:xfrm>
-            <a:off x="2755784" y="206928"/>
-            <a:ext cx="5662568" cy="990600"/>
-          </a:xfrm>
-          <a:prstGeom prst="rect">
-            <a:avLst/>
-          </a:prstGeom>
-        </p:spPr>
-        <p:txBody>
-          <a:bodyPr tIns="91440" bIns="91440" anchor="b" anchorCtr="0">
-            <a:noAutofit/>
-          </a:bodyPr>
-          <a:lstStyle/>
-          <a:p>
-            <a:pPr algn="just">
-              <a:spcBef>
-                <a:spcPct val="20000"/>
-              </a:spcBef>
-              <a:defRPr/>
-            </a:pPr>
-            <a:r>
-              <a:rPr lang="zh-TW" altLang="en-US" sz="4800" b="1" kern="0" dirty="0">
-                <a:solidFill>
-                  <a:srgbClr val="00B0F0"/>
-                </a:solidFill>
-                <a:effectLst>
-                  <a:outerShdw blurRad="38100" dist="38100" dir="2700000" algn="tl">
-                    <a:srgbClr val="000000">
-                      <a:alpha val="43137"/>
-                    </a:srgbClr>
-                  </a:outerShdw>
-                </a:effectLst>
-                <a:latin typeface="微軟正黑體" panose="020B0604030504040204" pitchFamily="34" charset="-120"/>
-                <a:ea typeface="微軟正黑體" panose="020B0604030504040204" pitchFamily="34" charset="-120"/>
-              </a:rPr>
-              <a:t>執行</a:t>
-            </a:r>
-            <a:r>
-              <a:rPr lang="en-US" altLang="zh-TW" sz="4800" b="1" kern="0" dirty="0" err="1">
-                <a:solidFill>
-                  <a:srgbClr val="00B0F0"/>
-                </a:solidFill>
-                <a:effectLst>
-                  <a:outerShdw blurRad="38100" dist="38100" dir="2700000" algn="tl">
-                    <a:srgbClr val="000000">
-                      <a:alpha val="43137"/>
-                    </a:srgbClr>
-                  </a:outerShdw>
-                </a:effectLst>
-                <a:latin typeface="微軟正黑體" panose="020B0604030504040204" pitchFamily="34" charset="-120"/>
-                <a:ea typeface="微軟正黑體" panose="020B0604030504040204" pitchFamily="34" charset="-120"/>
-              </a:rPr>
-              <a:t>ngrok</a:t>
-            </a:r>
-            <a:endParaRPr lang="zh-TW" altLang="en-US" sz="4800" b="1" kern="0" dirty="0">
-              <a:solidFill>
-                <a:srgbClr val="00B0F0"/>
-              </a:solidFill>
-              <a:effectLst>
-                <a:outerShdw blurRad="38100" dist="38100" dir="2700000" algn="tl">
-                  <a:srgbClr val="000000">
-                    <a:alpha val="43137"/>
-                  </a:srgbClr>
-                </a:outerShdw>
-              </a:effectLst>
-              <a:latin typeface="微軟正黑體" panose="020B0604030504040204" pitchFamily="34" charset="-120"/>
-              <a:ea typeface="微軟正黑體" panose="020B0604030504040204" pitchFamily="34" charset="-120"/>
-            </a:endParaRPr>
-          </a:p>
-        </p:txBody>
-      </p:sp>
-      <p:sp>
-        <p:nvSpPr>
-          <p:cNvPr id="2" name="文字方塊 1">
-            <a:extLst>
-              <a:ext uri="{FF2B5EF4-FFF2-40B4-BE49-F238E27FC236}">
-                <a16:creationId xmlns:a16="http://schemas.microsoft.com/office/drawing/2014/main" id="{178B99C9-F0FA-7E8E-5EC7-27E6EAB07462}"/>
-              </a:ext>
-            </a:extLst>
-          </p:cNvPr>
+          <p:cNvPr id="5" name="文字方塊 4"/>
           <p:cNvSpPr txBox="1"/>
           <p:nvPr/>
         </p:nvSpPr>
         <p:spPr>
           <a:xfrm>
-            <a:off x="533400" y="1197528"/>
-            <a:ext cx="8077200" cy="584775"/>
+            <a:off x="652114" y="1469332"/>
+            <a:ext cx="8077200" cy="2062103"/>
           </a:xfrm>
           <a:prstGeom prst="rect">
             <a:avLst/>
@@ -31420,7 +31569,118 @@
                 <a:ea typeface="微軟正黑體" panose="020B0604030504040204" pitchFamily="34" charset="-120"/>
                 <a:cs typeface="Heiti TC Light"/>
               </a:rPr>
-              <a:t>可進入</a:t>
+              <a:t>不要使用學校的</a:t>
+            </a:r>
+            <a:r>
+              <a:rPr kumimoji="1" lang="en-US" altLang="zh-TW" sz="3200" dirty="0">
+                <a:solidFill>
+                  <a:prstClr val="white"/>
+                </a:solidFill>
+                <a:effectLst>
+                  <a:outerShdw blurRad="38100" dist="38100" dir="2700000" algn="tl">
+                    <a:srgbClr val="000000">
+                      <a:alpha val="43137"/>
+                    </a:srgbClr>
+                  </a:outerShdw>
+                </a:effectLst>
+                <a:latin typeface="微軟正黑體" panose="020B0604030504040204" pitchFamily="34" charset="-120"/>
+                <a:ea typeface="微軟正黑體" panose="020B0604030504040204" pitchFamily="34" charset="-120"/>
+                <a:cs typeface="Heiti TC Light"/>
+              </a:rPr>
+              <a:t>WIFI</a:t>
+            </a:r>
+            <a:r>
+              <a:rPr kumimoji="1" lang="zh-TW" altLang="en-US" sz="3200" dirty="0">
+                <a:solidFill>
+                  <a:prstClr val="white"/>
+                </a:solidFill>
+                <a:effectLst>
+                  <a:outerShdw blurRad="38100" dist="38100" dir="2700000" algn="tl">
+                    <a:srgbClr val="000000">
+                      <a:alpha val="43137"/>
+                    </a:srgbClr>
+                  </a:outerShdw>
+                </a:effectLst>
+                <a:latin typeface="微軟正黑體" panose="020B0604030504040204" pitchFamily="34" charset="-120"/>
+                <a:ea typeface="微軟正黑體" panose="020B0604030504040204" pitchFamily="34" charset="-120"/>
+                <a:cs typeface="Heiti TC Light"/>
+              </a:rPr>
+              <a:t>，用手機分享給電腦，因為學校會檔通訊埠</a:t>
+            </a:r>
+            <a:endParaRPr kumimoji="1" lang="en-US" altLang="zh-TW" sz="3200" dirty="0">
+              <a:solidFill>
+                <a:prstClr val="white"/>
+              </a:solidFill>
+              <a:effectLst>
+                <a:outerShdw blurRad="38100" dist="38100" dir="2700000" algn="tl">
+                  <a:srgbClr val="000000">
+                    <a:alpha val="43137"/>
+                  </a:srgbClr>
+                </a:outerShdw>
+              </a:effectLst>
+              <a:latin typeface="微軟正黑體" panose="020B0604030504040204" pitchFamily="34" charset="-120"/>
+              <a:ea typeface="微軟正黑體" panose="020B0604030504040204" pitchFamily="34" charset="-120"/>
+              <a:cs typeface="Heiti TC Light"/>
+            </a:endParaRPr>
+          </a:p>
+          <a:p>
+            <a:pPr marL="514338" indent="-514338">
+              <a:buFont typeface="Arial" panose="020B0604020202020204" pitchFamily="34" charset="0"/>
+              <a:buChar char="•"/>
+            </a:pPr>
+            <a:r>
+              <a:rPr kumimoji="1" lang="zh-TW" altLang="en-US" sz="3200" dirty="0">
+                <a:solidFill>
+                  <a:prstClr val="white"/>
+                </a:solidFill>
+                <a:effectLst>
+                  <a:outerShdw blurRad="38100" dist="38100" dir="2700000" algn="tl">
+                    <a:srgbClr val="000000">
+                      <a:alpha val="43137"/>
+                    </a:srgbClr>
+                  </a:outerShdw>
+                </a:effectLst>
+                <a:latin typeface="微軟正黑體" panose="020B0604030504040204" pitchFamily="34" charset="-120"/>
+                <a:ea typeface="微軟正黑體" panose="020B0604030504040204" pitchFamily="34" charset="-120"/>
+                <a:cs typeface="Heiti TC Light"/>
+              </a:rPr>
+              <a:t>這邊用</a:t>
+            </a:r>
+            <a:r>
+              <a:rPr kumimoji="1" lang="en-US" altLang="zh-TW" sz="3200" dirty="0">
+                <a:solidFill>
+                  <a:prstClr val="white"/>
+                </a:solidFill>
+                <a:effectLst>
+                  <a:outerShdw blurRad="38100" dist="38100" dir="2700000" algn="tl">
+                    <a:srgbClr val="000000">
+                      <a:alpha val="43137"/>
+                    </a:srgbClr>
+                  </a:outerShdw>
+                </a:effectLst>
+                <a:latin typeface="微軟正黑體" panose="020B0604030504040204" pitchFamily="34" charset="-120"/>
+                <a:ea typeface="微軟正黑體" panose="020B0604030504040204" pitchFamily="34" charset="-120"/>
+                <a:cs typeface="Heiti TC Light"/>
+              </a:rPr>
+              <a:t>Flask</a:t>
+            </a:r>
+            <a:r>
+              <a:rPr kumimoji="1" lang="zh-TW" altLang="en-US" sz="3200" dirty="0">
+                <a:solidFill>
+                  <a:prstClr val="white"/>
+                </a:solidFill>
+                <a:effectLst>
+                  <a:outerShdw blurRad="38100" dist="38100" dir="2700000" algn="tl">
+                    <a:srgbClr val="000000">
+                      <a:alpha val="43137"/>
+                    </a:srgbClr>
+                  </a:outerShdw>
+                </a:effectLst>
+                <a:latin typeface="微軟正黑體" panose="020B0604030504040204" pitchFamily="34" charset="-120"/>
+                <a:ea typeface="微軟正黑體" panose="020B0604030504040204" pitchFamily="34" charset="-120"/>
+                <a:cs typeface="Heiti TC Light"/>
+              </a:rPr>
+              <a:t>示範連線，可以從</a:t>
             </a:r>
             <a:r>
               <a:rPr kumimoji="1" lang="en-US" altLang="zh-TW" sz="3200" dirty="0" err="1">
@@ -31456,7 +31716,43 @@
                 <a:ea typeface="微軟正黑體" panose="020B0604030504040204" pitchFamily="34" charset="-120"/>
                 <a:cs typeface="Heiti TC Light"/>
               </a:rPr>
-              <a:t>網頁查看連線情況</a:t>
+              <a:t>提供的網址，連線回電腦上啟動的</a:t>
+            </a:r>
+            <a:r>
+              <a:rPr kumimoji="1" lang="en-US" altLang="zh-TW" sz="3200" dirty="0">
+                <a:solidFill>
+                  <a:prstClr val="white"/>
+                </a:solidFill>
+                <a:effectLst>
+                  <a:outerShdw blurRad="38100" dist="38100" dir="2700000" algn="tl">
+                    <a:srgbClr val="000000">
+                      <a:alpha val="43137"/>
+                    </a:srgbClr>
+                  </a:outerShdw>
+                </a:effectLst>
+                <a:latin typeface="微軟正黑體" panose="020B0604030504040204" pitchFamily="34" charset="-120"/>
+                <a:ea typeface="微軟正黑體" panose="020B0604030504040204" pitchFamily="34" charset="-120"/>
+                <a:cs typeface="Heiti TC Light"/>
+              </a:rPr>
+              <a:t>Flask</a:t>
+            </a:r>
+            <a:r>
+              <a:rPr kumimoji="1" lang="zh-TW" altLang="en-US" sz="3200">
+                <a:solidFill>
+                  <a:prstClr val="white"/>
+                </a:solidFill>
+                <a:effectLst>
+                  <a:outerShdw blurRad="38100" dist="38100" dir="2700000" algn="tl">
+                    <a:srgbClr val="000000">
+                      <a:alpha val="43137"/>
+                    </a:srgbClr>
+                  </a:outerShdw>
+                </a:effectLst>
+                <a:latin typeface="微軟正黑體" panose="020B0604030504040204" pitchFamily="34" charset="-120"/>
+                <a:ea typeface="微軟正黑體" panose="020B0604030504040204" pitchFamily="34" charset="-120"/>
+                <a:cs typeface="Heiti TC Light"/>
+              </a:rPr>
+              <a:t>服務</a:t>
             </a:r>
             <a:endParaRPr kumimoji="1" lang="en-US" altLang="zh-TW" sz="3200" dirty="0">
               <a:solidFill>
@@ -31476,40 +31772,59 @@
           </a:p>
         </p:txBody>
       </p:sp>
-      <p:pic>
-        <p:nvPicPr>
-          <p:cNvPr id="4" name="圖片 3">
-            <a:extLst>
-              <a:ext uri="{FF2B5EF4-FFF2-40B4-BE49-F238E27FC236}">
-                <a16:creationId xmlns:a16="http://schemas.microsoft.com/office/drawing/2014/main" id="{80DE8F8A-1824-9363-8269-E8975FFC28A6}"/>
-              </a:ext>
-            </a:extLst>
-          </p:cNvPr>
-          <p:cNvPicPr>
-            <a:picLocks noChangeAspect="1"/>
-          </p:cNvPicPr>
+      <p:sp>
+        <p:nvSpPr>
+          <p:cNvPr id="4" name="文字版面配置區 2"/>
+          <p:cNvSpPr txBox="1">
+            <a:spLocks/>
+          </p:cNvSpPr>
           <p:nvPr/>
-        </p:nvPicPr>
-        <p:blipFill>
-          <a:blip r:embed="rId2"/>
-          <a:stretch>
-            <a:fillRect/>
-          </a:stretch>
-        </p:blipFill>
-        <p:spPr>
-          <a:xfrm>
-            <a:off x="91861" y="2400908"/>
-            <a:ext cx="8960277" cy="4082339"/>
+        </p:nvSpPr>
+        <p:spPr>
+          <a:xfrm>
+            <a:off x="2763014" y="276757"/>
+            <a:ext cx="4697835" cy="990600"/>
           </a:xfrm>
           <a:prstGeom prst="rect">
             <a:avLst/>
           </a:prstGeom>
         </p:spPr>
-      </p:pic>
+        <p:txBody>
+          <a:bodyPr tIns="91440" bIns="91440" anchor="b" anchorCtr="0">
+            <a:noAutofit/>
+          </a:bodyPr>
+          <a:lstStyle/>
+          <a:p>
+            <a:pPr algn="just">
+              <a:spcBef>
+                <a:spcPct val="20000"/>
+              </a:spcBef>
+              <a:defRPr/>
+            </a:pPr>
+            <a:r>
+              <a:rPr lang="zh-TW" altLang="en-US" sz="4800" b="1" kern="0" dirty="0">
+                <a:solidFill>
+                  <a:srgbClr val="00B0F0"/>
+                </a:solidFill>
+                <a:effectLst>
+                  <a:outerShdw blurRad="38100" dist="38100" dir="2700000" algn="tl">
+                    <a:srgbClr val="000000">
+                      <a:alpha val="43137"/>
+                    </a:srgbClr>
+                  </a:outerShdw>
+                </a:effectLst>
+                <a:latin typeface="微軟正黑體" panose="020B0604030504040204" pitchFamily="34" charset="-120"/>
+                <a:ea typeface="微軟正黑體" panose="020B0604030504040204" pitchFamily="34" charset="-120"/>
+              </a:rPr>
+              <a:t>連線前注意事項</a:t>
+            </a:r>
+          </a:p>
+        </p:txBody>
+      </p:sp>
     </p:spTree>
     <p:extLst>
       <p:ext uri="{BB962C8B-B14F-4D97-AF65-F5344CB8AC3E}">
-        <p14:creationId xmlns:p14="http://schemas.microsoft.com/office/powerpoint/2010/main" val="2817541606"/>
+        <p14:creationId xmlns:p14="http://schemas.microsoft.com/office/powerpoint/2010/main" val="3742040433"/>
       </p:ext>
     </p:extLst>
   </p:cSld>
@@ -31640,7 +31955,7 @@
         <p:spPr>
           <a:xfrm>
             <a:off x="533400" y="1197528"/>
-            <a:ext cx="8077200" cy="1077218"/>
+            <a:ext cx="8077200" cy="584775"/>
           </a:xfrm>
           <a:prstGeom prst="rect">
             <a:avLst/>
@@ -31673,7 +31988,43 @@
                 <a:ea typeface="微軟正黑體" panose="020B0604030504040204" pitchFamily="34" charset="-120"/>
                 <a:cs typeface="Heiti TC Light"/>
               </a:rPr>
-              <a:t>中斷連線。由於免費帳號一次只能有一個連線，所以在連線前要先確定斷線</a:t>
+              <a:t>執行本課程的「</a:t>
+            </a:r>
+            <a:r>
+              <a:rPr kumimoji="1" lang="en-US" altLang="zh-TW" sz="3200" dirty="0">
+                <a:solidFill>
+                  <a:prstClr val="white"/>
+                </a:solidFill>
+                <a:effectLst>
+                  <a:outerShdw blurRad="38100" dist="38100" dir="2700000" algn="tl">
+                    <a:srgbClr val="000000">
+                      <a:alpha val="43137"/>
+                    </a:srgbClr>
+                  </a:outerShdw>
+                </a:effectLst>
+                <a:latin typeface="微軟正黑體" panose="020B0604030504040204" pitchFamily="34" charset="-120"/>
+                <a:ea typeface="微軟正黑體" panose="020B0604030504040204" pitchFamily="34" charset="-120"/>
+                <a:cs typeface="Heiti TC Light"/>
+              </a:rPr>
+              <a:t>0401_pyngrok.ipynb</a:t>
+            </a:r>
+            <a:r>
+              <a:rPr kumimoji="1" lang="zh-TW" altLang="en-US" sz="3200" dirty="0">
+                <a:solidFill>
+                  <a:prstClr val="white"/>
+                </a:solidFill>
+                <a:effectLst>
+                  <a:outerShdw blurRad="38100" dist="38100" dir="2700000" algn="tl">
+                    <a:srgbClr val="000000">
+                      <a:alpha val="43137"/>
+                    </a:srgbClr>
+                  </a:outerShdw>
+                </a:effectLst>
+                <a:latin typeface="微軟正黑體" panose="020B0604030504040204" pitchFamily="34" charset="-120"/>
+                <a:ea typeface="微軟正黑體" panose="020B0604030504040204" pitchFamily="34" charset="-120"/>
+                <a:cs typeface="Heiti TC Light"/>
+              </a:rPr>
+              <a:t>」</a:t>
             </a:r>
             <a:endParaRPr kumimoji="1" lang="en-US" altLang="zh-TW" sz="3200" dirty="0">
               <a:solidFill>
@@ -31695,10 +32046,10 @@
       </p:sp>
       <p:pic>
         <p:nvPicPr>
-          <p:cNvPr id="4" name="圖片 3">
+          <p:cNvPr id="5" name="圖片 4">
             <a:extLst>
               <a:ext uri="{FF2B5EF4-FFF2-40B4-BE49-F238E27FC236}">
-                <a16:creationId xmlns:a16="http://schemas.microsoft.com/office/drawing/2014/main" id="{321EF905-8B87-47FA-9C34-D09916354349}"/>
+                <a16:creationId xmlns:a16="http://schemas.microsoft.com/office/drawing/2014/main" id="{8E57502E-939F-09DD-8481-BBA7F01C3E4B}"/>
               </a:ext>
             </a:extLst>
           </p:cNvPr>
@@ -31715,8 +32066,8 @@
         </p:blipFill>
         <p:spPr>
           <a:xfrm>
-            <a:off x="383346" y="2772903"/>
-            <a:ext cx="7901269" cy="3620466"/>
+            <a:off x="301051" y="2012117"/>
+            <a:ext cx="8763463" cy="4463633"/>
           </a:xfrm>
           <a:prstGeom prst="rect">
             <a:avLst/>
@@ -31726,7 +32077,7 @@
     </p:spTree>
     <p:extLst>
       <p:ext uri="{BB962C8B-B14F-4D97-AF65-F5344CB8AC3E}">
-        <p14:creationId xmlns:p14="http://schemas.microsoft.com/office/powerpoint/2010/main" val="76291451"/>
+        <p14:creationId xmlns:p14="http://schemas.microsoft.com/office/powerpoint/2010/main" val="1836947253"/>
       </p:ext>
     </p:extLst>
   </p:cSld>
@@ -31890,10 +32241,10 @@
                 <a:ea typeface="微軟正黑體" panose="020B0604030504040204" pitchFamily="34" charset="-120"/>
                 <a:cs typeface="Heiti TC Light"/>
               </a:rPr>
-              <a:t>也可在網頁上中斷</a:t>
-            </a:r>
-            <a:r>
-              <a:rPr kumimoji="1" lang="en-US" altLang="zh-TW" sz="3200" dirty="0">
+              <a:t>可進入</a:t>
+            </a:r>
+            <a:r>
+              <a:rPr kumimoji="1" lang="en-US" altLang="zh-TW" sz="3200" dirty="0" err="1">
                 <a:solidFill>
                   <a:prstClr val="white"/>
                 </a:solidFill>
@@ -31908,7 +32259,7 @@
                 <a:ea typeface="微軟正黑體" panose="020B0604030504040204" pitchFamily="34" charset="-120"/>
                 <a:cs typeface="Heiti TC Light"/>
               </a:rPr>
-              <a:t>(</a:t>
+              <a:t>ngrok</a:t>
             </a:r>
             <a:r>
               <a:rPr kumimoji="1" lang="zh-TW" altLang="en-US" sz="3200" dirty="0">
@@ -31926,35 +32277,32 @@
                 <a:ea typeface="微軟正黑體" panose="020B0604030504040204" pitchFamily="34" charset="-120"/>
                 <a:cs typeface="Heiti TC Light"/>
               </a:rPr>
-              <a:t>強迫中斷</a:t>
-            </a:r>
-            <a:r>
-              <a:rPr kumimoji="1" lang="en-US" altLang="zh-TW" sz="3200" dirty="0">
-                <a:solidFill>
-                  <a:prstClr val="white"/>
-                </a:solidFill>
-                <a:effectLst>
-                  <a:outerShdw blurRad="38100" dist="38100" dir="2700000" algn="tl">
-                    <a:srgbClr val="000000">
-                      <a:alpha val="43137"/>
-                    </a:srgbClr>
-                  </a:outerShdw>
-                </a:effectLst>
-                <a:latin typeface="微軟正黑體" panose="020B0604030504040204" pitchFamily="34" charset="-120"/>
-                <a:ea typeface="微軟正黑體" panose="020B0604030504040204" pitchFamily="34" charset="-120"/>
-                <a:cs typeface="Heiti TC Light"/>
-              </a:rPr>
-              <a:t>)</a:t>
-            </a:r>
+              <a:t>網頁查看連線情況</a:t>
+            </a:r>
+            <a:endParaRPr kumimoji="1" lang="en-US" altLang="zh-TW" sz="3200" dirty="0">
+              <a:solidFill>
+                <a:prstClr val="white"/>
+              </a:solidFill>
+              <a:effectLst>
+                <a:outerShdw blurRad="38100" dist="38100" dir="2700000" algn="tl">
+                  <a:srgbClr val="000000">
+                    <a:alpha val="43137"/>
+                  </a:srgbClr>
+                </a:outerShdw>
+              </a:effectLst>
+              <a:latin typeface="微軟正黑體" panose="020B0604030504040204" pitchFamily="34" charset="-120"/>
+              <a:ea typeface="微軟正黑體" panose="020B0604030504040204" pitchFamily="34" charset="-120"/>
+              <a:cs typeface="Heiti TC Light"/>
+            </a:endParaRPr>
           </a:p>
         </p:txBody>
       </p:sp>
       <p:pic>
         <p:nvPicPr>
-          <p:cNvPr id="8" name="圖片 7">
+          <p:cNvPr id="4" name="圖片 3">
             <a:extLst>
               <a:ext uri="{FF2B5EF4-FFF2-40B4-BE49-F238E27FC236}">
-                <a16:creationId xmlns:a16="http://schemas.microsoft.com/office/drawing/2014/main" id="{96750AE6-CA16-5107-C379-F404F28CF8EF}"/>
+                <a16:creationId xmlns:a16="http://schemas.microsoft.com/office/drawing/2014/main" id="{80DE8F8A-1824-9363-8269-E8975FFC28A6}"/>
               </a:ext>
             </a:extLst>
           </p:cNvPr>
@@ -31971,8 +32319,8 @@
         </p:blipFill>
         <p:spPr>
           <a:xfrm>
-            <a:off x="128105" y="2299657"/>
-            <a:ext cx="8952948" cy="3570378"/>
+            <a:off x="91861" y="2400908"/>
+            <a:ext cx="8960277" cy="4082339"/>
           </a:xfrm>
           <a:prstGeom prst="rect">
             <a:avLst/>
@@ -31982,7 +32330,7 @@
     </p:spTree>
     <p:extLst>
       <p:ext uri="{BB962C8B-B14F-4D97-AF65-F5344CB8AC3E}">
-        <p14:creationId xmlns:p14="http://schemas.microsoft.com/office/powerpoint/2010/main" val="347158388"/>
+        <p14:creationId xmlns:p14="http://schemas.microsoft.com/office/powerpoint/2010/main" val="2817541606"/>
       </p:ext>
     </p:extLst>
   </p:cSld>
@@ -32014,31 +32362,43 @@
       </p:grpSpPr>
       <p:sp>
         <p:nvSpPr>
-          <p:cNvPr id="4" name="文字方塊 3"/>
-          <p:cNvSpPr txBox="1"/>
+          <p:cNvPr id="6" name="文字版面配置區 2">
+            <a:extLst>
+              <a:ext uri="{FF2B5EF4-FFF2-40B4-BE49-F238E27FC236}">
+                <a16:creationId xmlns:a16="http://schemas.microsoft.com/office/drawing/2014/main" id="{DC362AB1-BDCB-D11A-89BE-0A2EC77A4AD2}"/>
+              </a:ext>
+            </a:extLst>
+          </p:cNvPr>
+          <p:cNvSpPr txBox="1">
+            <a:spLocks/>
+          </p:cNvSpPr>
           <p:nvPr/>
         </p:nvSpPr>
         <p:spPr>
           <a:xfrm>
-            <a:off x="783076" y="3013501"/>
-            <a:ext cx="7772400" cy="830997"/>
+            <a:off x="2755784" y="206928"/>
+            <a:ext cx="5662568" cy="990600"/>
           </a:xfrm>
           <a:prstGeom prst="rect">
             <a:avLst/>
           </a:prstGeom>
-          <a:noFill/>
-        </p:spPr>
-        <p:txBody>
-          <a:bodyPr wrap="square" rtlCol="0">
-            <a:spAutoFit/>
+        </p:spPr>
+        <p:txBody>
+          <a:bodyPr tIns="91440" bIns="91440" anchor="b" anchorCtr="0">
+            <a:noAutofit/>
           </a:bodyPr>
           <a:lstStyle/>
           <a:p>
-            <a:pPr algn="ctr"/>
-            <a:r>
-              <a:rPr kumimoji="1" lang="zh-TW" altLang="en-US" sz="4800" b="1" dirty="0">
+            <a:pPr algn="just">
+              <a:spcBef>
+                <a:spcPct val="20000"/>
+              </a:spcBef>
+              <a:defRPr/>
+            </a:pPr>
+            <a:r>
+              <a:rPr lang="zh-TW" altLang="en-US" sz="4800" b="1" kern="0" dirty="0">
                 <a:solidFill>
-                  <a:srgbClr val="FFFF00"/>
+                  <a:srgbClr val="00B0F0"/>
                 </a:solidFill>
                 <a:effectLst>
                   <a:outerShdw blurRad="38100" dist="38100" dir="2700000" algn="tl">
@@ -32049,14 +32409,13 @@
                 </a:effectLst>
                 <a:latin typeface="微軟正黑體" panose="020B0604030504040204" pitchFamily="34" charset="-120"/>
                 <a:ea typeface="微軟正黑體" panose="020B0604030504040204" pitchFamily="34" charset="-120"/>
-                <a:cs typeface="Arial"/>
               </a:rPr>
-              <a:t>用</a:t>
-            </a:r>
-            <a:r>
-              <a:rPr kumimoji="1" lang="en-US" altLang="zh-TW" sz="4800" b="1" dirty="0">
+              <a:t>執行</a:t>
+            </a:r>
+            <a:r>
+              <a:rPr lang="en-US" altLang="zh-TW" sz="4800" b="1" kern="0" dirty="0" err="1">
                 <a:solidFill>
-                  <a:srgbClr val="FFFF00"/>
+                  <a:srgbClr val="00B0F0"/>
                 </a:solidFill>
                 <a:effectLst>
                   <a:outerShdw blurRad="38100" dist="38100" dir="2700000" algn="tl">
@@ -32067,14 +32426,62 @@
                 </a:effectLst>
                 <a:latin typeface="微軟正黑體" panose="020B0604030504040204" pitchFamily="34" charset="-120"/>
                 <a:ea typeface="微軟正黑體" panose="020B0604030504040204" pitchFamily="34" charset="-120"/>
-                <a:cs typeface="Arial"/>
               </a:rPr>
-              <a:t>Flask</a:t>
-            </a:r>
-            <a:r>
-              <a:rPr kumimoji="1" lang="zh-TW" altLang="en-US" sz="4800" b="1" dirty="0">
+              <a:t>ngrok</a:t>
+            </a:r>
+            <a:endParaRPr lang="zh-TW" altLang="en-US" sz="4800" b="1" kern="0" dirty="0">
+              <a:solidFill>
+                <a:srgbClr val="00B0F0"/>
+              </a:solidFill>
+              <a:effectLst>
+                <a:outerShdw blurRad="38100" dist="38100" dir="2700000" algn="tl">
+                  <a:srgbClr val="000000">
+                    <a:alpha val="43137"/>
+                  </a:srgbClr>
+                </a:outerShdw>
+              </a:effectLst>
+              <a:latin typeface="微軟正黑體" panose="020B0604030504040204" pitchFamily="34" charset="-120"/>
+              <a:ea typeface="微軟正黑體" panose="020B0604030504040204" pitchFamily="34" charset="-120"/>
+            </a:endParaRPr>
+          </a:p>
+        </p:txBody>
+      </p:sp>
+      <p:sp>
+        <p:nvSpPr>
+          <p:cNvPr id="2" name="文字方塊 1">
+            <a:extLst>
+              <a:ext uri="{FF2B5EF4-FFF2-40B4-BE49-F238E27FC236}">
+                <a16:creationId xmlns:a16="http://schemas.microsoft.com/office/drawing/2014/main" id="{178B99C9-F0FA-7E8E-5EC7-27E6EAB07462}"/>
+              </a:ext>
+            </a:extLst>
+          </p:cNvPr>
+          <p:cNvSpPr txBox="1"/>
+          <p:nvPr/>
+        </p:nvSpPr>
+        <p:spPr>
+          <a:xfrm>
+            <a:off x="533400" y="1197528"/>
+            <a:ext cx="8077200" cy="1077218"/>
+          </a:xfrm>
+          <a:prstGeom prst="rect">
+            <a:avLst/>
+          </a:prstGeom>
+          <a:noFill/>
+        </p:spPr>
+        <p:txBody>
+          <a:bodyPr wrap="square" rtlCol="0">
+            <a:spAutoFit/>
+          </a:bodyPr>
+          <a:lstStyle/>
+          <a:p>
+            <a:pPr marL="514338" indent="-514338">
+              <a:buFont typeface="Arial" panose="020B0604020202020204" pitchFamily="34" charset="0"/>
+              <a:buChar char="•"/>
+            </a:pPr>
+            <a:r>
+              <a:rPr kumimoji="1" lang="zh-TW" altLang="en-US" sz="3200" dirty="0">
                 <a:solidFill>
-                  <a:srgbClr val="FFFF00"/>
+                  <a:prstClr val="white"/>
                 </a:solidFill>
                 <a:effectLst>
                   <a:outerShdw blurRad="38100" dist="38100" dir="2700000" algn="tl">
@@ -32085,31 +32492,13 @@
                 </a:effectLst>
                 <a:latin typeface="微軟正黑體" panose="020B0604030504040204" pitchFamily="34" charset="-120"/>
                 <a:ea typeface="微軟正黑體" panose="020B0604030504040204" pitchFamily="34" charset="-120"/>
-                <a:cs typeface="Arial"/>
+                <a:cs typeface="Heiti TC Light"/>
               </a:rPr>
-              <a:t>測試</a:t>
-            </a:r>
-            <a:r>
-              <a:rPr kumimoji="1" lang="en-US" altLang="zh-TW" sz="4800" b="1" dirty="0" err="1">
-                <a:solidFill>
-                  <a:srgbClr val="FFFF00"/>
-                </a:solidFill>
-                <a:effectLst>
-                  <a:outerShdw blurRad="38100" dist="38100" dir="2700000" algn="tl">
-                    <a:srgbClr val="000000">
-                      <a:alpha val="43137"/>
-                    </a:srgbClr>
-                  </a:outerShdw>
-                </a:effectLst>
-                <a:latin typeface="微軟正黑體" panose="020B0604030504040204" pitchFamily="34" charset="-120"/>
-                <a:ea typeface="微軟正黑體" panose="020B0604030504040204" pitchFamily="34" charset="-120"/>
-                <a:cs typeface="Arial"/>
-              </a:rPr>
-              <a:t>ngrok</a:t>
-            </a:r>
-            <a:endParaRPr kumimoji="1" lang="en-US" altLang="zh-TW" sz="4800" b="1" dirty="0">
+              <a:t>中斷連線。由於免費帳號一次只能有一個連線，所以在連線前要先確定斷線</a:t>
+            </a:r>
+            <a:endParaRPr kumimoji="1" lang="en-US" altLang="zh-TW" sz="3200" dirty="0">
               <a:solidFill>
-                <a:srgbClr val="FFFF00"/>
+                <a:prstClr val="white"/>
               </a:solidFill>
               <a:effectLst>
                 <a:outerShdw blurRad="38100" dist="38100" dir="2700000" algn="tl">
@@ -32120,15 +32509,45 @@
               </a:effectLst>
               <a:latin typeface="微軟正黑體" panose="020B0604030504040204" pitchFamily="34" charset="-120"/>
               <a:ea typeface="微軟正黑體" panose="020B0604030504040204" pitchFamily="34" charset="-120"/>
-              <a:cs typeface="Arial"/>
+              <a:cs typeface="Heiti TC Light"/>
             </a:endParaRPr>
           </a:p>
         </p:txBody>
       </p:sp>
+      <p:pic>
+        <p:nvPicPr>
+          <p:cNvPr id="4" name="圖片 3">
+            <a:extLst>
+              <a:ext uri="{FF2B5EF4-FFF2-40B4-BE49-F238E27FC236}">
+                <a16:creationId xmlns:a16="http://schemas.microsoft.com/office/drawing/2014/main" id="{321EF905-8B87-47FA-9C34-D09916354349}"/>
+              </a:ext>
+            </a:extLst>
+          </p:cNvPr>
+          <p:cNvPicPr>
+            <a:picLocks noChangeAspect="1"/>
+          </p:cNvPicPr>
+          <p:nvPr/>
+        </p:nvPicPr>
+        <p:blipFill>
+          <a:blip r:embed="rId2"/>
+          <a:stretch>
+            <a:fillRect/>
+          </a:stretch>
+        </p:blipFill>
+        <p:spPr>
+          <a:xfrm>
+            <a:off x="383346" y="2772903"/>
+            <a:ext cx="7901269" cy="3620466"/>
+          </a:xfrm>
+          <a:prstGeom prst="rect">
+            <a:avLst/>
+          </a:prstGeom>
+        </p:spPr>
+      </p:pic>
     </p:spTree>
     <p:extLst>
       <p:ext uri="{BB962C8B-B14F-4D97-AF65-F5344CB8AC3E}">
-        <p14:creationId xmlns:p14="http://schemas.microsoft.com/office/powerpoint/2010/main" val="2781607243"/>
+        <p14:creationId xmlns:p14="http://schemas.microsoft.com/office/powerpoint/2010/main" val="76291451"/>
       </p:ext>
     </p:extLst>
   </p:cSld>
@@ -32174,7 +32593,7 @@
         </p:nvSpPr>
         <p:spPr>
           <a:xfrm>
-            <a:off x="1740716" y="349541"/>
+            <a:off x="2755784" y="206928"/>
             <a:ext cx="5662568" cy="990600"/>
           </a:xfrm>
           <a:prstGeom prst="rect">
@@ -32208,10 +32627,10 @@
                 <a:latin typeface="微軟正黑體" panose="020B0604030504040204" pitchFamily="34" charset="-120"/>
                 <a:ea typeface="微軟正黑體" panose="020B0604030504040204" pitchFamily="34" charset="-120"/>
               </a:rPr>
-              <a:t>執行本機</a:t>
-            </a:r>
-            <a:r>
-              <a:rPr lang="en-US" altLang="zh-TW" sz="4800" b="1" kern="0" dirty="0">
+              <a:t>執行</a:t>
+            </a:r>
+            <a:r>
+              <a:rPr lang="en-US" altLang="zh-TW" sz="4800" b="1" kern="0" dirty="0" err="1">
                 <a:solidFill>
                   <a:srgbClr val="00B0F0"/>
                 </a:solidFill>
@@ -32225,25 +32644,22 @@
                 <a:latin typeface="微軟正黑體" panose="020B0604030504040204" pitchFamily="34" charset="-120"/>
                 <a:ea typeface="微軟正黑體" panose="020B0604030504040204" pitchFamily="34" charset="-120"/>
               </a:rPr>
-              <a:t>web</a:t>
-            </a:r>
-            <a:r>
-              <a:rPr lang="zh-TW" altLang="en-US" sz="4800" b="1" kern="0" dirty="0">
-                <a:solidFill>
-                  <a:srgbClr val="00B0F0"/>
-                </a:solidFill>
-                <a:effectLst>
-                  <a:outerShdw blurRad="38100" dist="38100" dir="2700000" algn="tl">
-                    <a:srgbClr val="000000">
-                      <a:alpha val="43137"/>
-                    </a:srgbClr>
-                  </a:outerShdw>
-                </a:effectLst>
-                <a:latin typeface="微軟正黑體" panose="020B0604030504040204" pitchFamily="34" charset="-120"/>
-                <a:ea typeface="微軟正黑體" panose="020B0604030504040204" pitchFamily="34" charset="-120"/>
-              </a:rPr>
-              <a:t>程式</a:t>
-            </a:r>
+              <a:t>ngrok</a:t>
+            </a:r>
+            <a:endParaRPr lang="zh-TW" altLang="en-US" sz="4800" b="1" kern="0" dirty="0">
+              <a:solidFill>
+                <a:srgbClr val="00B0F0"/>
+              </a:solidFill>
+              <a:effectLst>
+                <a:outerShdw blurRad="38100" dist="38100" dir="2700000" algn="tl">
+                  <a:srgbClr val="000000">
+                    <a:alpha val="43137"/>
+                  </a:srgbClr>
+                </a:outerShdw>
+              </a:effectLst>
+              <a:latin typeface="微軟正黑體" panose="020B0604030504040204" pitchFamily="34" charset="-120"/>
+              <a:ea typeface="微軟正黑體" panose="020B0604030504040204" pitchFamily="34" charset="-120"/>
+            </a:endParaRPr>
           </a:p>
         </p:txBody>
       </p:sp>
@@ -32252,7 +32668,7 @@
           <p:cNvPr id="2" name="文字方塊 1">
             <a:extLst>
               <a:ext uri="{FF2B5EF4-FFF2-40B4-BE49-F238E27FC236}">
-                <a16:creationId xmlns:a16="http://schemas.microsoft.com/office/drawing/2014/main" id="{A8C822C2-FCCD-9E77-0C1A-E849A310891E}"/>
+                <a16:creationId xmlns:a16="http://schemas.microsoft.com/office/drawing/2014/main" id="{178B99C9-F0FA-7E8E-5EC7-27E6EAB07462}"/>
               </a:ext>
             </a:extLst>
           </p:cNvPr>
@@ -32261,7 +32677,7 @@
         </p:nvSpPr>
         <p:spPr>
           <a:xfrm>
-            <a:off x="615846" y="1340141"/>
+            <a:off x="533400" y="1197528"/>
             <a:ext cx="8077200" cy="584775"/>
           </a:xfrm>
           <a:prstGeom prst="rect">
@@ -32295,7 +32711,7 @@
                 <a:ea typeface="微軟正黑體" panose="020B0604030504040204" pitchFamily="34" charset="-120"/>
                 <a:cs typeface="Heiti TC Light"/>
               </a:rPr>
-              <a:t>執行本課程的「</a:t>
+              <a:t>也可在網頁上中斷</a:t>
             </a:r>
             <a:r>
               <a:rPr kumimoji="1" lang="en-US" altLang="zh-TW" sz="3200" dirty="0">
@@ -32313,7 +32729,7 @@
                 <a:ea typeface="微軟正黑體" panose="020B0604030504040204" pitchFamily="34" charset="-120"/>
                 <a:cs typeface="Heiti TC Light"/>
               </a:rPr>
-              <a:t>0403_Flask.ipynb</a:t>
+              <a:t>(</a:t>
             </a:r>
             <a:r>
               <a:rPr kumimoji="1" lang="zh-TW" altLang="en-US" sz="3200" dirty="0">
@@ -32331,32 +32747,35 @@
                 <a:ea typeface="微軟正黑體" panose="020B0604030504040204" pitchFamily="34" charset="-120"/>
                 <a:cs typeface="Heiti TC Light"/>
               </a:rPr>
-              <a:t>」</a:t>
-            </a:r>
-            <a:endParaRPr kumimoji="1" lang="en-US" altLang="zh-TW" sz="3200" dirty="0">
-              <a:solidFill>
-                <a:prstClr val="white"/>
-              </a:solidFill>
-              <a:effectLst>
-                <a:outerShdw blurRad="38100" dist="38100" dir="2700000" algn="tl">
-                  <a:srgbClr val="000000">
-                    <a:alpha val="43137"/>
-                  </a:srgbClr>
-                </a:outerShdw>
-              </a:effectLst>
-              <a:latin typeface="微軟正黑體" panose="020B0604030504040204" pitchFamily="34" charset="-120"/>
-              <a:ea typeface="微軟正黑體" panose="020B0604030504040204" pitchFamily="34" charset="-120"/>
-              <a:cs typeface="Heiti TC Light"/>
-            </a:endParaRPr>
+              <a:t>強迫中斷</a:t>
+            </a:r>
+            <a:r>
+              <a:rPr kumimoji="1" lang="en-US" altLang="zh-TW" sz="3200" dirty="0">
+                <a:solidFill>
+                  <a:prstClr val="white"/>
+                </a:solidFill>
+                <a:effectLst>
+                  <a:outerShdw blurRad="38100" dist="38100" dir="2700000" algn="tl">
+                    <a:srgbClr val="000000">
+                      <a:alpha val="43137"/>
+                    </a:srgbClr>
+                  </a:outerShdw>
+                </a:effectLst>
+                <a:latin typeface="微軟正黑體" panose="020B0604030504040204" pitchFamily="34" charset="-120"/>
+                <a:ea typeface="微軟正黑體" panose="020B0604030504040204" pitchFamily="34" charset="-120"/>
+                <a:cs typeface="Heiti TC Light"/>
+              </a:rPr>
+              <a:t>)</a:t>
+            </a:r>
           </a:p>
         </p:txBody>
       </p:sp>
       <p:pic>
         <p:nvPicPr>
-          <p:cNvPr id="4" name="圖片 3">
+          <p:cNvPr id="8" name="圖片 7">
             <a:extLst>
               <a:ext uri="{FF2B5EF4-FFF2-40B4-BE49-F238E27FC236}">
-                <a16:creationId xmlns:a16="http://schemas.microsoft.com/office/drawing/2014/main" id="{16263B68-DD6A-E342-5387-5C08E9287104}"/>
+                <a16:creationId xmlns:a16="http://schemas.microsoft.com/office/drawing/2014/main" id="{96750AE6-CA16-5107-C379-F404F28CF8EF}"/>
               </a:ext>
             </a:extLst>
           </p:cNvPr>
@@ -32373,8 +32792,8 @@
         </p:blipFill>
         <p:spPr>
           <a:xfrm>
-            <a:off x="1533207" y="1970304"/>
-            <a:ext cx="6077585" cy="4887696"/>
+            <a:off x="128105" y="2299657"/>
+            <a:ext cx="8952948" cy="3570378"/>
           </a:xfrm>
           <a:prstGeom prst="rect">
             <a:avLst/>
@@ -32384,7 +32803,7 @@
     </p:spTree>
     <p:extLst>
       <p:ext uri="{BB962C8B-B14F-4D97-AF65-F5344CB8AC3E}">
-        <p14:creationId xmlns:p14="http://schemas.microsoft.com/office/powerpoint/2010/main" val="45459540"/>
+        <p14:creationId xmlns:p14="http://schemas.microsoft.com/office/powerpoint/2010/main" val="347158388"/>
       </p:ext>
     </p:extLst>
   </p:cSld>
@@ -32416,43 +32835,31 @@
       </p:grpSpPr>
       <p:sp>
         <p:nvSpPr>
-          <p:cNvPr id="6" name="文字版面配置區 2">
-            <a:extLst>
-              <a:ext uri="{FF2B5EF4-FFF2-40B4-BE49-F238E27FC236}">
-                <a16:creationId xmlns:a16="http://schemas.microsoft.com/office/drawing/2014/main" id="{DC362AB1-BDCB-D11A-89BE-0A2EC77A4AD2}"/>
-              </a:ext>
-            </a:extLst>
-          </p:cNvPr>
-          <p:cNvSpPr txBox="1">
-            <a:spLocks/>
-          </p:cNvSpPr>
+          <p:cNvPr id="4" name="文字方塊 3"/>
+          <p:cNvSpPr txBox="1"/>
           <p:nvPr/>
         </p:nvSpPr>
         <p:spPr>
           <a:xfrm>
-            <a:off x="1740716" y="349541"/>
-            <a:ext cx="5662568" cy="990600"/>
+            <a:off x="783076" y="3013501"/>
+            <a:ext cx="7772400" cy="830997"/>
           </a:xfrm>
           <a:prstGeom prst="rect">
             <a:avLst/>
           </a:prstGeom>
-        </p:spPr>
-        <p:txBody>
-          <a:bodyPr tIns="91440" bIns="91440" anchor="b" anchorCtr="0">
-            <a:noAutofit/>
+          <a:noFill/>
+        </p:spPr>
+        <p:txBody>
+          <a:bodyPr wrap="square" rtlCol="0">
+            <a:spAutoFit/>
           </a:bodyPr>
           <a:lstStyle/>
           <a:p>
-            <a:pPr algn="just">
-              <a:spcBef>
-                <a:spcPct val="20000"/>
-              </a:spcBef>
-              <a:defRPr/>
-            </a:pPr>
-            <a:r>
-              <a:rPr lang="zh-TW" altLang="en-US" sz="4800" b="1" kern="0" dirty="0">
+            <a:pPr algn="ctr"/>
+            <a:r>
+              <a:rPr kumimoji="1" lang="zh-TW" altLang="en-US" sz="4800" b="1" dirty="0">
                 <a:solidFill>
-                  <a:srgbClr val="00B0F0"/>
+                  <a:srgbClr val="FFFF00"/>
                 </a:solidFill>
                 <a:effectLst>
                   <a:outerShdw blurRad="38100" dist="38100" dir="2700000" algn="tl">
@@ -32463,13 +32870,14 @@
                 </a:effectLst>
                 <a:latin typeface="微軟正黑體" panose="020B0604030504040204" pitchFamily="34" charset="-120"/>
                 <a:ea typeface="微軟正黑體" panose="020B0604030504040204" pitchFamily="34" charset="-120"/>
+                <a:cs typeface="Arial"/>
               </a:rPr>
-              <a:t>執行本機</a:t>
-            </a:r>
-            <a:r>
-              <a:rPr lang="en-US" altLang="zh-TW" sz="4800" b="1" kern="0" dirty="0">
+              <a:t>用</a:t>
+            </a:r>
+            <a:r>
+              <a:rPr kumimoji="1" lang="en-US" altLang="zh-TW" sz="4800" b="1" dirty="0">
                 <a:solidFill>
-                  <a:srgbClr val="00B0F0"/>
+                  <a:srgbClr val="FFFF00"/>
                 </a:solidFill>
                 <a:effectLst>
                   <a:outerShdw blurRad="38100" dist="38100" dir="2700000" algn="tl">
@@ -32480,13 +32888,14 @@
                 </a:effectLst>
                 <a:latin typeface="微軟正黑體" panose="020B0604030504040204" pitchFamily="34" charset="-120"/>
                 <a:ea typeface="微軟正黑體" panose="020B0604030504040204" pitchFamily="34" charset="-120"/>
+                <a:cs typeface="Arial"/>
               </a:rPr>
-              <a:t>web</a:t>
-            </a:r>
-            <a:r>
-              <a:rPr lang="zh-TW" altLang="en-US" sz="4800" b="1" kern="0" dirty="0">
+              <a:t>Flask</a:t>
+            </a:r>
+            <a:r>
+              <a:rPr kumimoji="1" lang="zh-TW" altLang="en-US" sz="4800" b="1" dirty="0">
                 <a:solidFill>
-                  <a:srgbClr val="00B0F0"/>
+                  <a:srgbClr val="FFFF00"/>
                 </a:solidFill>
                 <a:effectLst>
                   <a:outerShdw blurRad="38100" dist="38100" dir="2700000" algn="tl">
@@ -32497,48 +32906,14 @@
                 </a:effectLst>
                 <a:latin typeface="微軟正黑體" panose="020B0604030504040204" pitchFamily="34" charset="-120"/>
                 <a:ea typeface="微軟正黑體" panose="020B0604030504040204" pitchFamily="34" charset="-120"/>
+                <a:cs typeface="Arial"/>
               </a:rPr>
-              <a:t>程式</a:t>
-            </a:r>
-          </a:p>
-        </p:txBody>
-      </p:sp>
-      <p:sp>
-        <p:nvSpPr>
-          <p:cNvPr id="2" name="文字方塊 1">
-            <a:extLst>
-              <a:ext uri="{FF2B5EF4-FFF2-40B4-BE49-F238E27FC236}">
-                <a16:creationId xmlns:a16="http://schemas.microsoft.com/office/drawing/2014/main" id="{A8C822C2-FCCD-9E77-0C1A-E849A310891E}"/>
-              </a:ext>
-            </a:extLst>
-          </p:cNvPr>
-          <p:cNvSpPr txBox="1"/>
-          <p:nvPr/>
-        </p:nvSpPr>
-        <p:spPr>
-          <a:xfrm>
-            <a:off x="615846" y="1340141"/>
-            <a:ext cx="8077200" cy="584775"/>
-          </a:xfrm>
-          <a:prstGeom prst="rect">
-            <a:avLst/>
-          </a:prstGeom>
-          <a:noFill/>
-        </p:spPr>
-        <p:txBody>
-          <a:bodyPr wrap="square" rtlCol="0">
-            <a:spAutoFit/>
-          </a:bodyPr>
-          <a:lstStyle/>
-          <a:p>
-            <a:pPr marL="514338" indent="-514338">
-              <a:buFont typeface="Arial" panose="020B0604020202020204" pitchFamily="34" charset="0"/>
-              <a:buChar char="•"/>
-            </a:pPr>
-            <a:r>
-              <a:rPr kumimoji="1" lang="zh-TW" altLang="en-US" sz="3200" dirty="0">
+              <a:t>測試</a:t>
+            </a:r>
+            <a:r>
+              <a:rPr kumimoji="1" lang="en-US" altLang="zh-TW" sz="4800" b="1" dirty="0" err="1">
                 <a:solidFill>
-                  <a:prstClr val="white"/>
+                  <a:srgbClr val="FFFF00"/>
                 </a:solidFill>
                 <a:effectLst>
                   <a:outerShdw blurRad="38100" dist="38100" dir="2700000" algn="tl">
@@ -32549,49 +32924,13 @@
                 </a:effectLst>
                 <a:latin typeface="微軟正黑體" panose="020B0604030504040204" pitchFamily="34" charset="-120"/>
                 <a:ea typeface="微軟正黑體" panose="020B0604030504040204" pitchFamily="34" charset="-120"/>
-                <a:cs typeface="Heiti TC Light"/>
-              </a:rPr>
-              <a:t>點選剛才</a:t>
-            </a:r>
-            <a:r>
-              <a:rPr kumimoji="1" lang="en-US" altLang="zh-TW" sz="3200" dirty="0" err="1">
-                <a:solidFill>
-                  <a:prstClr val="white"/>
-                </a:solidFill>
-                <a:effectLst>
-                  <a:outerShdw blurRad="38100" dist="38100" dir="2700000" algn="tl">
-                    <a:srgbClr val="000000">
-                      <a:alpha val="43137"/>
-                    </a:srgbClr>
-                  </a:outerShdw>
-                </a:effectLst>
-                <a:latin typeface="微軟正黑體" panose="020B0604030504040204" pitchFamily="34" charset="-120"/>
-                <a:ea typeface="微軟正黑體" panose="020B0604030504040204" pitchFamily="34" charset="-120"/>
-                <a:cs typeface="Heiti TC Light"/>
+                <a:cs typeface="Arial"/>
               </a:rPr>
               <a:t>ngrok</a:t>
             </a:r>
-            <a:r>
-              <a:rPr kumimoji="1" lang="zh-TW" altLang="en-US" sz="3200" dirty="0">
-                <a:solidFill>
-                  <a:prstClr val="white"/>
-                </a:solidFill>
-                <a:effectLst>
-                  <a:outerShdw blurRad="38100" dist="38100" dir="2700000" algn="tl">
-                    <a:srgbClr val="000000">
-                      <a:alpha val="43137"/>
-                    </a:srgbClr>
-                  </a:outerShdw>
-                </a:effectLst>
-                <a:latin typeface="微軟正黑體" panose="020B0604030504040204" pitchFamily="34" charset="-120"/>
-                <a:ea typeface="微軟正黑體" panose="020B0604030504040204" pitchFamily="34" charset="-120"/>
-                <a:cs typeface="Heiti TC Light"/>
-              </a:rPr>
-              <a:t>產生的網址</a:t>
-            </a:r>
-            <a:endParaRPr kumimoji="1" lang="en-US" altLang="zh-TW" sz="3200" dirty="0">
+            <a:endParaRPr kumimoji="1" lang="en-US" altLang="zh-TW" sz="4800" b="1" dirty="0">
               <a:solidFill>
-                <a:prstClr val="white"/>
+                <a:srgbClr val="FFFF00"/>
               </a:solidFill>
               <a:effectLst>
                 <a:outerShdw blurRad="38100" dist="38100" dir="2700000" algn="tl">
@@ -32602,75 +32941,15 @@
               </a:effectLst>
               <a:latin typeface="微軟正黑體" panose="020B0604030504040204" pitchFamily="34" charset="-120"/>
               <a:ea typeface="微軟正黑體" panose="020B0604030504040204" pitchFamily="34" charset="-120"/>
-              <a:cs typeface="Heiti TC Light"/>
+              <a:cs typeface="Arial"/>
             </a:endParaRPr>
           </a:p>
         </p:txBody>
       </p:sp>
-      <p:pic>
-        <p:nvPicPr>
-          <p:cNvPr id="8" name="圖片 7">
-            <a:extLst>
-              <a:ext uri="{FF2B5EF4-FFF2-40B4-BE49-F238E27FC236}">
-                <a16:creationId xmlns:a16="http://schemas.microsoft.com/office/drawing/2014/main" id="{16945A3B-1FCB-30FB-A957-72970C5A4FEA}"/>
-              </a:ext>
-            </a:extLst>
-          </p:cNvPr>
-          <p:cNvPicPr>
-            <a:picLocks noChangeAspect="1"/>
-          </p:cNvPicPr>
-          <p:nvPr/>
-        </p:nvPicPr>
-        <p:blipFill>
-          <a:blip r:embed="rId2"/>
-          <a:stretch>
-            <a:fillRect/>
-          </a:stretch>
-        </p:blipFill>
-        <p:spPr>
-          <a:xfrm>
-            <a:off x="615846" y="2000802"/>
-            <a:ext cx="4053337" cy="1381216"/>
-          </a:xfrm>
-          <a:prstGeom prst="rect">
-            <a:avLst/>
-          </a:prstGeom>
-        </p:spPr>
-      </p:pic>
-      <p:pic>
-        <p:nvPicPr>
-          <p:cNvPr id="12" name="圖片 11">
-            <a:extLst>
-              <a:ext uri="{FF2B5EF4-FFF2-40B4-BE49-F238E27FC236}">
-                <a16:creationId xmlns:a16="http://schemas.microsoft.com/office/drawing/2014/main" id="{93D7EFB5-6F6C-B371-3137-3996AD159B31}"/>
-              </a:ext>
-            </a:extLst>
-          </p:cNvPr>
-          <p:cNvPicPr>
-            <a:picLocks noChangeAspect="1"/>
-          </p:cNvPicPr>
-          <p:nvPr/>
-        </p:nvPicPr>
-        <p:blipFill>
-          <a:blip r:embed="rId3"/>
-          <a:stretch>
-            <a:fillRect/>
-          </a:stretch>
-        </p:blipFill>
-        <p:spPr>
-          <a:xfrm>
-            <a:off x="2313816" y="3591683"/>
-            <a:ext cx="6486525" cy="3190875"/>
-          </a:xfrm>
-          <a:prstGeom prst="rect">
-            <a:avLst/>
-          </a:prstGeom>
-        </p:spPr>
-      </p:pic>
     </p:spTree>
     <p:extLst>
       <p:ext uri="{BB962C8B-B14F-4D97-AF65-F5344CB8AC3E}">
-        <p14:creationId xmlns:p14="http://schemas.microsoft.com/office/powerpoint/2010/main" val="2913669668"/>
+        <p14:creationId xmlns:p14="http://schemas.microsoft.com/office/powerpoint/2010/main" val="2781607243"/>
       </p:ext>
     </p:extLst>
   </p:cSld>
@@ -32702,31 +32981,43 @@
       </p:grpSpPr>
       <p:sp>
         <p:nvSpPr>
-          <p:cNvPr id="4" name="文字方塊 3"/>
-          <p:cNvSpPr txBox="1"/>
+          <p:cNvPr id="6" name="文字版面配置區 2">
+            <a:extLst>
+              <a:ext uri="{FF2B5EF4-FFF2-40B4-BE49-F238E27FC236}">
+                <a16:creationId xmlns:a16="http://schemas.microsoft.com/office/drawing/2014/main" id="{DC362AB1-BDCB-D11A-89BE-0A2EC77A4AD2}"/>
+              </a:ext>
+            </a:extLst>
+          </p:cNvPr>
+          <p:cNvSpPr txBox="1">
+            <a:spLocks/>
+          </p:cNvSpPr>
           <p:nvPr/>
         </p:nvSpPr>
         <p:spPr>
           <a:xfrm>
-            <a:off x="783076" y="3013501"/>
-            <a:ext cx="7772400" cy="830997"/>
+            <a:off x="1740716" y="349541"/>
+            <a:ext cx="5662568" cy="990600"/>
           </a:xfrm>
           <a:prstGeom prst="rect">
             <a:avLst/>
           </a:prstGeom>
-          <a:noFill/>
-        </p:spPr>
-        <p:txBody>
-          <a:bodyPr wrap="square" rtlCol="0">
-            <a:spAutoFit/>
+        </p:spPr>
+        <p:txBody>
+          <a:bodyPr tIns="91440" bIns="91440" anchor="b" anchorCtr="0">
+            <a:noAutofit/>
           </a:bodyPr>
           <a:lstStyle/>
           <a:p>
-            <a:pPr algn="ctr"/>
-            <a:r>
-              <a:rPr kumimoji="1" lang="zh-TW" altLang="en-US" sz="4800" b="1" dirty="0">
+            <a:pPr algn="just">
+              <a:spcBef>
+                <a:spcPct val="20000"/>
+              </a:spcBef>
+              <a:defRPr/>
+            </a:pPr>
+            <a:r>
+              <a:rPr lang="zh-TW" altLang="en-US" sz="4800" b="1" kern="0" dirty="0">
                 <a:solidFill>
-                  <a:srgbClr val="FFFF00"/>
+                  <a:srgbClr val="00B0F0"/>
                 </a:solidFill>
                 <a:effectLst>
                   <a:outerShdw blurRad="38100" dist="38100" dir="2700000" algn="tl">
@@ -32737,17 +33028,184 @@
                 </a:effectLst>
                 <a:latin typeface="微軟正黑體" panose="020B0604030504040204" pitchFamily="34" charset="-120"/>
                 <a:ea typeface="微軟正黑體" panose="020B0604030504040204" pitchFamily="34" charset="-120"/>
-                <a:cs typeface="Arial"/>
               </a:rPr>
-              <a:t>在開發環境中設定變數</a:t>
-            </a:r>
-          </a:p>
-        </p:txBody>
-      </p:sp>
+              <a:t>執行本機</a:t>
+            </a:r>
+            <a:r>
+              <a:rPr lang="en-US" altLang="zh-TW" sz="4800" b="1" kern="0" dirty="0">
+                <a:solidFill>
+                  <a:srgbClr val="00B0F0"/>
+                </a:solidFill>
+                <a:effectLst>
+                  <a:outerShdw blurRad="38100" dist="38100" dir="2700000" algn="tl">
+                    <a:srgbClr val="000000">
+                      <a:alpha val="43137"/>
+                    </a:srgbClr>
+                  </a:outerShdw>
+                </a:effectLst>
+                <a:latin typeface="微軟正黑體" panose="020B0604030504040204" pitchFamily="34" charset="-120"/>
+                <a:ea typeface="微軟正黑體" panose="020B0604030504040204" pitchFamily="34" charset="-120"/>
+              </a:rPr>
+              <a:t>web</a:t>
+            </a:r>
+            <a:r>
+              <a:rPr lang="zh-TW" altLang="en-US" sz="4800" b="1" kern="0" dirty="0">
+                <a:solidFill>
+                  <a:srgbClr val="00B0F0"/>
+                </a:solidFill>
+                <a:effectLst>
+                  <a:outerShdw blurRad="38100" dist="38100" dir="2700000" algn="tl">
+                    <a:srgbClr val="000000">
+                      <a:alpha val="43137"/>
+                    </a:srgbClr>
+                  </a:outerShdw>
+                </a:effectLst>
+                <a:latin typeface="微軟正黑體" panose="020B0604030504040204" pitchFamily="34" charset="-120"/>
+                <a:ea typeface="微軟正黑體" panose="020B0604030504040204" pitchFamily="34" charset="-120"/>
+              </a:rPr>
+              <a:t>程式</a:t>
+            </a:r>
+          </a:p>
+        </p:txBody>
+      </p:sp>
+      <p:sp>
+        <p:nvSpPr>
+          <p:cNvPr id="2" name="文字方塊 1">
+            <a:extLst>
+              <a:ext uri="{FF2B5EF4-FFF2-40B4-BE49-F238E27FC236}">
+                <a16:creationId xmlns:a16="http://schemas.microsoft.com/office/drawing/2014/main" id="{A8C822C2-FCCD-9E77-0C1A-E849A310891E}"/>
+              </a:ext>
+            </a:extLst>
+          </p:cNvPr>
+          <p:cNvSpPr txBox="1"/>
+          <p:nvPr/>
+        </p:nvSpPr>
+        <p:spPr>
+          <a:xfrm>
+            <a:off x="615846" y="1340141"/>
+            <a:ext cx="8077200" cy="584775"/>
+          </a:xfrm>
+          <a:prstGeom prst="rect">
+            <a:avLst/>
+          </a:prstGeom>
+          <a:noFill/>
+        </p:spPr>
+        <p:txBody>
+          <a:bodyPr wrap="square" rtlCol="0">
+            <a:spAutoFit/>
+          </a:bodyPr>
+          <a:lstStyle/>
+          <a:p>
+            <a:pPr marL="514338" indent="-514338">
+              <a:buFont typeface="Arial" panose="020B0604020202020204" pitchFamily="34" charset="0"/>
+              <a:buChar char="•"/>
+            </a:pPr>
+            <a:r>
+              <a:rPr kumimoji="1" lang="zh-TW" altLang="en-US" sz="3200" dirty="0">
+                <a:solidFill>
+                  <a:prstClr val="white"/>
+                </a:solidFill>
+                <a:effectLst>
+                  <a:outerShdw blurRad="38100" dist="38100" dir="2700000" algn="tl">
+                    <a:srgbClr val="000000">
+                      <a:alpha val="43137"/>
+                    </a:srgbClr>
+                  </a:outerShdw>
+                </a:effectLst>
+                <a:latin typeface="微軟正黑體" panose="020B0604030504040204" pitchFamily="34" charset="-120"/>
+                <a:ea typeface="微軟正黑體" panose="020B0604030504040204" pitchFamily="34" charset="-120"/>
+                <a:cs typeface="Heiti TC Light"/>
+              </a:rPr>
+              <a:t>執行本課程的「</a:t>
+            </a:r>
+            <a:r>
+              <a:rPr kumimoji="1" lang="en-US" altLang="zh-TW" sz="3200" dirty="0">
+                <a:solidFill>
+                  <a:prstClr val="white"/>
+                </a:solidFill>
+                <a:effectLst>
+                  <a:outerShdw blurRad="38100" dist="38100" dir="2700000" algn="tl">
+                    <a:srgbClr val="000000">
+                      <a:alpha val="43137"/>
+                    </a:srgbClr>
+                  </a:outerShdw>
+                </a:effectLst>
+                <a:latin typeface="微軟正黑體" panose="020B0604030504040204" pitchFamily="34" charset="-120"/>
+                <a:ea typeface="微軟正黑體" panose="020B0604030504040204" pitchFamily="34" charset="-120"/>
+                <a:cs typeface="Heiti TC Light"/>
+              </a:rPr>
+              <a:t>0403_Flask.ipynb</a:t>
+            </a:r>
+            <a:r>
+              <a:rPr kumimoji="1" lang="zh-TW" altLang="en-US" sz="3200" dirty="0">
+                <a:solidFill>
+                  <a:prstClr val="white"/>
+                </a:solidFill>
+                <a:effectLst>
+                  <a:outerShdw blurRad="38100" dist="38100" dir="2700000" algn="tl">
+                    <a:srgbClr val="000000">
+                      <a:alpha val="43137"/>
+                    </a:srgbClr>
+                  </a:outerShdw>
+                </a:effectLst>
+                <a:latin typeface="微軟正黑體" panose="020B0604030504040204" pitchFamily="34" charset="-120"/>
+                <a:ea typeface="微軟正黑體" panose="020B0604030504040204" pitchFamily="34" charset="-120"/>
+                <a:cs typeface="Heiti TC Light"/>
+              </a:rPr>
+              <a:t>」</a:t>
+            </a:r>
+            <a:endParaRPr kumimoji="1" lang="en-US" altLang="zh-TW" sz="3200" dirty="0">
+              <a:solidFill>
+                <a:prstClr val="white"/>
+              </a:solidFill>
+              <a:effectLst>
+                <a:outerShdw blurRad="38100" dist="38100" dir="2700000" algn="tl">
+                  <a:srgbClr val="000000">
+                    <a:alpha val="43137"/>
+                  </a:srgbClr>
+                </a:outerShdw>
+              </a:effectLst>
+              <a:latin typeface="微軟正黑體" panose="020B0604030504040204" pitchFamily="34" charset="-120"/>
+              <a:ea typeface="微軟正黑體" panose="020B0604030504040204" pitchFamily="34" charset="-120"/>
+              <a:cs typeface="Heiti TC Light"/>
+            </a:endParaRPr>
+          </a:p>
+        </p:txBody>
+      </p:sp>
+      <p:pic>
+        <p:nvPicPr>
+          <p:cNvPr id="4" name="圖片 3">
+            <a:extLst>
+              <a:ext uri="{FF2B5EF4-FFF2-40B4-BE49-F238E27FC236}">
+                <a16:creationId xmlns:a16="http://schemas.microsoft.com/office/drawing/2014/main" id="{16263B68-DD6A-E342-5387-5C08E9287104}"/>
+              </a:ext>
+            </a:extLst>
+          </p:cNvPr>
+          <p:cNvPicPr>
+            <a:picLocks noChangeAspect="1"/>
+          </p:cNvPicPr>
+          <p:nvPr/>
+        </p:nvPicPr>
+        <p:blipFill>
+          <a:blip r:embed="rId2"/>
+          <a:stretch>
+            <a:fillRect/>
+          </a:stretch>
+        </p:blipFill>
+        <p:spPr>
+          <a:xfrm>
+            <a:off x="1533207" y="1970304"/>
+            <a:ext cx="6077585" cy="4887696"/>
+          </a:xfrm>
+          <a:prstGeom prst="rect">
+            <a:avLst/>
+          </a:prstGeom>
+        </p:spPr>
+      </p:pic>
     </p:spTree>
     <p:extLst>
       <p:ext uri="{BB962C8B-B14F-4D97-AF65-F5344CB8AC3E}">
-        <p14:creationId xmlns:p14="http://schemas.microsoft.com/office/powerpoint/2010/main" val="2899152877"/>
+        <p14:creationId xmlns:p14="http://schemas.microsoft.com/office/powerpoint/2010/main" val="45459540"/>
       </p:ext>
     </p:extLst>
   </p:cSld>
@@ -32961,6 +33419,369 @@
 </file>
 
 <file path=ppt/slides/slide40.xml><?xml version="1.0" encoding="utf-8"?>
+<p:sld xmlns:a="http://schemas.openxmlformats.org/drawingml/2006/main" xmlns:r="http://schemas.openxmlformats.org/officeDocument/2006/relationships" xmlns:p="http://schemas.openxmlformats.org/presentationml/2006/main">
+  <p:cSld>
+    <p:spTree>
+      <p:nvGrpSpPr>
+        <p:cNvPr id="1" name=""/>
+        <p:cNvGrpSpPr/>
+        <p:nvPr/>
+      </p:nvGrpSpPr>
+      <p:grpSpPr>
+        <a:xfrm>
+          <a:off x="0" y="0"/>
+          <a:ext cx="0" cy="0"/>
+          <a:chOff x="0" y="0"/>
+          <a:chExt cx="0" cy="0"/>
+        </a:xfrm>
+      </p:grpSpPr>
+      <p:sp>
+        <p:nvSpPr>
+          <p:cNvPr id="6" name="文字版面配置區 2">
+            <a:extLst>
+              <a:ext uri="{FF2B5EF4-FFF2-40B4-BE49-F238E27FC236}">
+                <a16:creationId xmlns:a16="http://schemas.microsoft.com/office/drawing/2014/main" id="{DC362AB1-BDCB-D11A-89BE-0A2EC77A4AD2}"/>
+              </a:ext>
+            </a:extLst>
+          </p:cNvPr>
+          <p:cNvSpPr txBox="1">
+            <a:spLocks/>
+          </p:cNvSpPr>
+          <p:nvPr/>
+        </p:nvSpPr>
+        <p:spPr>
+          <a:xfrm>
+            <a:off x="1740716" y="349541"/>
+            <a:ext cx="5662568" cy="990600"/>
+          </a:xfrm>
+          <a:prstGeom prst="rect">
+            <a:avLst/>
+          </a:prstGeom>
+        </p:spPr>
+        <p:txBody>
+          <a:bodyPr tIns="91440" bIns="91440" anchor="b" anchorCtr="0">
+            <a:noAutofit/>
+          </a:bodyPr>
+          <a:lstStyle/>
+          <a:p>
+            <a:pPr algn="just">
+              <a:spcBef>
+                <a:spcPct val="20000"/>
+              </a:spcBef>
+              <a:defRPr/>
+            </a:pPr>
+            <a:r>
+              <a:rPr lang="zh-TW" altLang="en-US" sz="4800" b="1" kern="0" dirty="0">
+                <a:solidFill>
+                  <a:srgbClr val="00B0F0"/>
+                </a:solidFill>
+                <a:effectLst>
+                  <a:outerShdw blurRad="38100" dist="38100" dir="2700000" algn="tl">
+                    <a:srgbClr val="000000">
+                      <a:alpha val="43137"/>
+                    </a:srgbClr>
+                  </a:outerShdw>
+                </a:effectLst>
+                <a:latin typeface="微軟正黑體" panose="020B0604030504040204" pitchFamily="34" charset="-120"/>
+                <a:ea typeface="微軟正黑體" panose="020B0604030504040204" pitchFamily="34" charset="-120"/>
+              </a:rPr>
+              <a:t>執行本機</a:t>
+            </a:r>
+            <a:r>
+              <a:rPr lang="en-US" altLang="zh-TW" sz="4800" b="1" kern="0" dirty="0">
+                <a:solidFill>
+                  <a:srgbClr val="00B0F0"/>
+                </a:solidFill>
+                <a:effectLst>
+                  <a:outerShdw blurRad="38100" dist="38100" dir="2700000" algn="tl">
+                    <a:srgbClr val="000000">
+                      <a:alpha val="43137"/>
+                    </a:srgbClr>
+                  </a:outerShdw>
+                </a:effectLst>
+                <a:latin typeface="微軟正黑體" panose="020B0604030504040204" pitchFamily="34" charset="-120"/>
+                <a:ea typeface="微軟正黑體" panose="020B0604030504040204" pitchFamily="34" charset="-120"/>
+              </a:rPr>
+              <a:t>web</a:t>
+            </a:r>
+            <a:r>
+              <a:rPr lang="zh-TW" altLang="en-US" sz="4800" b="1" kern="0" dirty="0">
+                <a:solidFill>
+                  <a:srgbClr val="00B0F0"/>
+                </a:solidFill>
+                <a:effectLst>
+                  <a:outerShdw blurRad="38100" dist="38100" dir="2700000" algn="tl">
+                    <a:srgbClr val="000000">
+                      <a:alpha val="43137"/>
+                    </a:srgbClr>
+                  </a:outerShdw>
+                </a:effectLst>
+                <a:latin typeface="微軟正黑體" panose="020B0604030504040204" pitchFamily="34" charset="-120"/>
+                <a:ea typeface="微軟正黑體" panose="020B0604030504040204" pitchFamily="34" charset="-120"/>
+              </a:rPr>
+              <a:t>程式</a:t>
+            </a:r>
+          </a:p>
+        </p:txBody>
+      </p:sp>
+      <p:sp>
+        <p:nvSpPr>
+          <p:cNvPr id="2" name="文字方塊 1">
+            <a:extLst>
+              <a:ext uri="{FF2B5EF4-FFF2-40B4-BE49-F238E27FC236}">
+                <a16:creationId xmlns:a16="http://schemas.microsoft.com/office/drawing/2014/main" id="{A8C822C2-FCCD-9E77-0C1A-E849A310891E}"/>
+              </a:ext>
+            </a:extLst>
+          </p:cNvPr>
+          <p:cNvSpPr txBox="1"/>
+          <p:nvPr/>
+        </p:nvSpPr>
+        <p:spPr>
+          <a:xfrm>
+            <a:off x="615846" y="1340141"/>
+            <a:ext cx="8077200" cy="584775"/>
+          </a:xfrm>
+          <a:prstGeom prst="rect">
+            <a:avLst/>
+          </a:prstGeom>
+          <a:noFill/>
+        </p:spPr>
+        <p:txBody>
+          <a:bodyPr wrap="square" rtlCol="0">
+            <a:spAutoFit/>
+          </a:bodyPr>
+          <a:lstStyle/>
+          <a:p>
+            <a:pPr marL="514338" indent="-514338">
+              <a:buFont typeface="Arial" panose="020B0604020202020204" pitchFamily="34" charset="0"/>
+              <a:buChar char="•"/>
+            </a:pPr>
+            <a:r>
+              <a:rPr kumimoji="1" lang="zh-TW" altLang="en-US" sz="3200" dirty="0">
+                <a:solidFill>
+                  <a:prstClr val="white"/>
+                </a:solidFill>
+                <a:effectLst>
+                  <a:outerShdw blurRad="38100" dist="38100" dir="2700000" algn="tl">
+                    <a:srgbClr val="000000">
+                      <a:alpha val="43137"/>
+                    </a:srgbClr>
+                  </a:outerShdw>
+                </a:effectLst>
+                <a:latin typeface="微軟正黑體" panose="020B0604030504040204" pitchFamily="34" charset="-120"/>
+                <a:ea typeface="微軟正黑體" panose="020B0604030504040204" pitchFamily="34" charset="-120"/>
+                <a:cs typeface="Heiti TC Light"/>
+              </a:rPr>
+              <a:t>點選剛才</a:t>
+            </a:r>
+            <a:r>
+              <a:rPr kumimoji="1" lang="en-US" altLang="zh-TW" sz="3200" dirty="0" err="1">
+                <a:solidFill>
+                  <a:prstClr val="white"/>
+                </a:solidFill>
+                <a:effectLst>
+                  <a:outerShdw blurRad="38100" dist="38100" dir="2700000" algn="tl">
+                    <a:srgbClr val="000000">
+                      <a:alpha val="43137"/>
+                    </a:srgbClr>
+                  </a:outerShdw>
+                </a:effectLst>
+                <a:latin typeface="微軟正黑體" panose="020B0604030504040204" pitchFamily="34" charset="-120"/>
+                <a:ea typeface="微軟正黑體" panose="020B0604030504040204" pitchFamily="34" charset="-120"/>
+                <a:cs typeface="Heiti TC Light"/>
+              </a:rPr>
+              <a:t>ngrok</a:t>
+            </a:r>
+            <a:r>
+              <a:rPr kumimoji="1" lang="zh-TW" altLang="en-US" sz="3200" dirty="0">
+                <a:solidFill>
+                  <a:prstClr val="white"/>
+                </a:solidFill>
+                <a:effectLst>
+                  <a:outerShdw blurRad="38100" dist="38100" dir="2700000" algn="tl">
+                    <a:srgbClr val="000000">
+                      <a:alpha val="43137"/>
+                    </a:srgbClr>
+                  </a:outerShdw>
+                </a:effectLst>
+                <a:latin typeface="微軟正黑體" panose="020B0604030504040204" pitchFamily="34" charset="-120"/>
+                <a:ea typeface="微軟正黑體" panose="020B0604030504040204" pitchFamily="34" charset="-120"/>
+                <a:cs typeface="Heiti TC Light"/>
+              </a:rPr>
+              <a:t>產生的網址</a:t>
+            </a:r>
+            <a:endParaRPr kumimoji="1" lang="en-US" altLang="zh-TW" sz="3200" dirty="0">
+              <a:solidFill>
+                <a:prstClr val="white"/>
+              </a:solidFill>
+              <a:effectLst>
+                <a:outerShdw blurRad="38100" dist="38100" dir="2700000" algn="tl">
+                  <a:srgbClr val="000000">
+                    <a:alpha val="43137"/>
+                  </a:srgbClr>
+                </a:outerShdw>
+              </a:effectLst>
+              <a:latin typeface="微軟正黑體" panose="020B0604030504040204" pitchFamily="34" charset="-120"/>
+              <a:ea typeface="微軟正黑體" panose="020B0604030504040204" pitchFamily="34" charset="-120"/>
+              <a:cs typeface="Heiti TC Light"/>
+            </a:endParaRPr>
+          </a:p>
+        </p:txBody>
+      </p:sp>
+      <p:pic>
+        <p:nvPicPr>
+          <p:cNvPr id="8" name="圖片 7">
+            <a:extLst>
+              <a:ext uri="{FF2B5EF4-FFF2-40B4-BE49-F238E27FC236}">
+                <a16:creationId xmlns:a16="http://schemas.microsoft.com/office/drawing/2014/main" id="{16945A3B-1FCB-30FB-A957-72970C5A4FEA}"/>
+              </a:ext>
+            </a:extLst>
+          </p:cNvPr>
+          <p:cNvPicPr>
+            <a:picLocks noChangeAspect="1"/>
+          </p:cNvPicPr>
+          <p:nvPr/>
+        </p:nvPicPr>
+        <p:blipFill>
+          <a:blip r:embed="rId2"/>
+          <a:stretch>
+            <a:fillRect/>
+          </a:stretch>
+        </p:blipFill>
+        <p:spPr>
+          <a:xfrm>
+            <a:off x="615846" y="2000802"/>
+            <a:ext cx="4053337" cy="1381216"/>
+          </a:xfrm>
+          <a:prstGeom prst="rect">
+            <a:avLst/>
+          </a:prstGeom>
+        </p:spPr>
+      </p:pic>
+      <p:pic>
+        <p:nvPicPr>
+          <p:cNvPr id="12" name="圖片 11">
+            <a:extLst>
+              <a:ext uri="{FF2B5EF4-FFF2-40B4-BE49-F238E27FC236}">
+                <a16:creationId xmlns:a16="http://schemas.microsoft.com/office/drawing/2014/main" id="{93D7EFB5-6F6C-B371-3137-3996AD159B31}"/>
+              </a:ext>
+            </a:extLst>
+          </p:cNvPr>
+          <p:cNvPicPr>
+            <a:picLocks noChangeAspect="1"/>
+          </p:cNvPicPr>
+          <p:nvPr/>
+        </p:nvPicPr>
+        <p:blipFill>
+          <a:blip r:embed="rId3"/>
+          <a:stretch>
+            <a:fillRect/>
+          </a:stretch>
+        </p:blipFill>
+        <p:spPr>
+          <a:xfrm>
+            <a:off x="2313816" y="3591683"/>
+            <a:ext cx="6486525" cy="3190875"/>
+          </a:xfrm>
+          <a:prstGeom prst="rect">
+            <a:avLst/>
+          </a:prstGeom>
+        </p:spPr>
+      </p:pic>
+    </p:spTree>
+    <p:extLst>
+      <p:ext uri="{BB962C8B-B14F-4D97-AF65-F5344CB8AC3E}">
+        <p14:creationId xmlns:p14="http://schemas.microsoft.com/office/powerpoint/2010/main" val="2913669668"/>
+      </p:ext>
+    </p:extLst>
+  </p:cSld>
+  <p:clrMapOvr>
+    <a:masterClrMapping/>
+  </p:clrMapOvr>
+  <p:transition>
+    <p:fade/>
+  </p:transition>
+</p:sld>
+</file>
+
+<file path=ppt/slides/slide41.xml><?xml version="1.0" encoding="utf-8"?>
+<p:sld xmlns:a="http://schemas.openxmlformats.org/drawingml/2006/main" xmlns:r="http://schemas.openxmlformats.org/officeDocument/2006/relationships" xmlns:p="http://schemas.openxmlformats.org/presentationml/2006/main">
+  <p:cSld>
+    <p:spTree>
+      <p:nvGrpSpPr>
+        <p:cNvPr id="1" name=""/>
+        <p:cNvGrpSpPr/>
+        <p:nvPr/>
+      </p:nvGrpSpPr>
+      <p:grpSpPr>
+        <a:xfrm>
+          <a:off x="0" y="0"/>
+          <a:ext cx="0" cy="0"/>
+          <a:chOff x="0" y="0"/>
+          <a:chExt cx="0" cy="0"/>
+        </a:xfrm>
+      </p:grpSpPr>
+      <p:sp>
+        <p:nvSpPr>
+          <p:cNvPr id="4" name="文字方塊 3"/>
+          <p:cNvSpPr txBox="1"/>
+          <p:nvPr/>
+        </p:nvSpPr>
+        <p:spPr>
+          <a:xfrm>
+            <a:off x="783076" y="3013501"/>
+            <a:ext cx="7772400" cy="830997"/>
+          </a:xfrm>
+          <a:prstGeom prst="rect">
+            <a:avLst/>
+          </a:prstGeom>
+          <a:noFill/>
+        </p:spPr>
+        <p:txBody>
+          <a:bodyPr wrap="square" rtlCol="0">
+            <a:spAutoFit/>
+          </a:bodyPr>
+          <a:lstStyle/>
+          <a:p>
+            <a:pPr algn="ctr"/>
+            <a:r>
+              <a:rPr kumimoji="1" lang="zh-TW" altLang="en-US" sz="4800" b="1" dirty="0">
+                <a:solidFill>
+                  <a:srgbClr val="FFFF00"/>
+                </a:solidFill>
+                <a:effectLst>
+                  <a:outerShdw blurRad="38100" dist="38100" dir="2700000" algn="tl">
+                    <a:srgbClr val="000000">
+                      <a:alpha val="43137"/>
+                    </a:srgbClr>
+                  </a:outerShdw>
+                </a:effectLst>
+                <a:latin typeface="微軟正黑體" panose="020B0604030504040204" pitchFamily="34" charset="-120"/>
+                <a:ea typeface="微軟正黑體" panose="020B0604030504040204" pitchFamily="34" charset="-120"/>
+                <a:cs typeface="Arial"/>
+              </a:rPr>
+              <a:t>在開發環境中設定變數</a:t>
+            </a:r>
+          </a:p>
+        </p:txBody>
+      </p:sp>
+    </p:spTree>
+    <p:extLst>
+      <p:ext uri="{BB962C8B-B14F-4D97-AF65-F5344CB8AC3E}">
+        <p14:creationId xmlns:p14="http://schemas.microsoft.com/office/powerpoint/2010/main" val="2899152877"/>
+      </p:ext>
+    </p:extLst>
+  </p:cSld>
+  <p:clrMapOvr>
+    <a:masterClrMapping/>
+  </p:clrMapOvr>
+  <p:transition>
+    <p:fade/>
+  </p:transition>
+</p:sld>
+</file>
+
+<file path=ppt/slides/slide42.xml><?xml version="1.0" encoding="utf-8"?>
 <p:sld xmlns:a="http://schemas.openxmlformats.org/drawingml/2006/main" xmlns:r="http://schemas.openxmlformats.org/officeDocument/2006/relationships" xmlns:p="http://schemas.openxmlformats.org/presentationml/2006/main">
   <p:cSld>
     <p:spTree>
@@ -33283,7 +34104,7 @@
 </p:sld>
 </file>
 
-<file path=ppt/slides/slide41.xml><?xml version="1.0" encoding="utf-8"?>
+<file path=ppt/slides/slide43.xml><?xml version="1.0" encoding="utf-8"?>
 <p:sld xmlns:a="http://schemas.openxmlformats.org/drawingml/2006/main" xmlns:r="http://schemas.openxmlformats.org/officeDocument/2006/relationships" xmlns:p="http://schemas.openxmlformats.org/presentationml/2006/main">
   <p:cSld>
     <p:spTree>
@@ -33738,7 +34559,7 @@
 </p:sld>
 </file>
 
-<file path=ppt/slides/slide42.xml><?xml version="1.0" encoding="utf-8"?>
+<file path=ppt/slides/slide44.xml><?xml version="1.0" encoding="utf-8"?>
 <p:sld xmlns:a="http://schemas.openxmlformats.org/drawingml/2006/main" xmlns:r="http://schemas.openxmlformats.org/officeDocument/2006/relationships" xmlns:p="http://schemas.openxmlformats.org/presentationml/2006/main">
   <p:cSld>
     <p:spTree>
@@ -34223,7 +35044,7 @@
 </p:sld>
 </file>
 
-<file path=ppt/slides/slide43.xml><?xml version="1.0" encoding="utf-8"?>
+<file path=ppt/slides/slide45.xml><?xml version="1.0" encoding="utf-8"?>
 <p:sld xmlns:a="http://schemas.openxmlformats.org/drawingml/2006/main" xmlns:r="http://schemas.openxmlformats.org/officeDocument/2006/relationships" xmlns:p="http://schemas.openxmlformats.org/presentationml/2006/main">
   <p:cSld>
     <p:spTree>
@@ -34744,7 +35565,7 @@
 </p:sld>
 </file>
 
-<file path=ppt/slides/slide44.xml><?xml version="1.0" encoding="utf-8"?>
+<file path=ppt/slides/slide46.xml><?xml version="1.0" encoding="utf-8"?>
 <p:sld xmlns:a="http://schemas.openxmlformats.org/drawingml/2006/main" xmlns:r="http://schemas.openxmlformats.org/officeDocument/2006/relationships" xmlns:p="http://schemas.openxmlformats.org/presentationml/2006/main">
   <p:cSld>
     <p:spTree>
@@ -34971,304 +35792,6 @@
     <p:extLst>
       <p:ext uri="{BB962C8B-B14F-4D97-AF65-F5344CB8AC3E}">
         <p14:creationId xmlns:p14="http://schemas.microsoft.com/office/powerpoint/2010/main" val="3040650782"/>
-      </p:ext>
-    </p:extLst>
-  </p:cSld>
-  <p:clrMapOvr>
-    <a:masterClrMapping/>
-  </p:clrMapOvr>
-  <p:transition>
-    <p:fade/>
-  </p:transition>
-</p:sld>
-</file>
-
-<file path=ppt/slides/slide45.xml><?xml version="1.0" encoding="utf-8"?>
-<p:sld xmlns:a="http://schemas.openxmlformats.org/drawingml/2006/main" xmlns:r="http://schemas.openxmlformats.org/officeDocument/2006/relationships" xmlns:p="http://schemas.openxmlformats.org/presentationml/2006/main">
-  <p:cSld>
-    <p:spTree>
-      <p:nvGrpSpPr>
-        <p:cNvPr id="1" name=""/>
-        <p:cNvGrpSpPr/>
-        <p:nvPr/>
-      </p:nvGrpSpPr>
-      <p:grpSpPr>
-        <a:xfrm>
-          <a:off x="0" y="0"/>
-          <a:ext cx="0" cy="0"/>
-          <a:chOff x="0" y="0"/>
-          <a:chExt cx="0" cy="0"/>
-        </a:xfrm>
-      </p:grpSpPr>
-      <p:sp>
-        <p:nvSpPr>
-          <p:cNvPr id="6" name="文字版面配置區 2">
-            <a:extLst>
-              <a:ext uri="{FF2B5EF4-FFF2-40B4-BE49-F238E27FC236}">
-                <a16:creationId xmlns:a16="http://schemas.microsoft.com/office/drawing/2014/main" id="{DC362AB1-BDCB-D11A-89BE-0A2EC77A4AD2}"/>
-              </a:ext>
-            </a:extLst>
-          </p:cNvPr>
-          <p:cNvSpPr txBox="1">
-            <a:spLocks/>
-          </p:cNvSpPr>
-          <p:nvPr/>
-        </p:nvSpPr>
-        <p:spPr>
-          <a:xfrm>
-            <a:off x="1309912" y="358103"/>
-            <a:ext cx="7407034" cy="990600"/>
-          </a:xfrm>
-          <a:prstGeom prst="rect">
-            <a:avLst/>
-          </a:prstGeom>
-        </p:spPr>
-        <p:txBody>
-          <a:bodyPr tIns="91440" bIns="91440" anchor="b" anchorCtr="0">
-            <a:noAutofit/>
-          </a:bodyPr>
-          <a:lstStyle/>
-          <a:p>
-            <a:pPr algn="just">
-              <a:spcBef>
-                <a:spcPct val="20000"/>
-              </a:spcBef>
-              <a:defRPr/>
-            </a:pPr>
-            <a:r>
-              <a:rPr lang="zh-TW" altLang="en-US" sz="4800" b="1" kern="0" dirty="0">
-                <a:solidFill>
-                  <a:srgbClr val="00B0F0"/>
-                </a:solidFill>
-                <a:effectLst>
-                  <a:outerShdw blurRad="38100" dist="38100" dir="2700000" algn="tl">
-                    <a:srgbClr val="000000">
-                      <a:alpha val="43137"/>
-                    </a:srgbClr>
-                  </a:outerShdw>
-                </a:effectLst>
-                <a:latin typeface="微軟正黑體" panose="020B0604030504040204" pitchFamily="34" charset="-120"/>
-                <a:ea typeface="微軟正黑體" panose="020B0604030504040204" pitchFamily="34" charset="-120"/>
-              </a:rPr>
-              <a:t>設定</a:t>
-            </a:r>
-            <a:r>
-              <a:rPr lang="en-US" altLang="zh-TW" sz="4800" b="1" kern="0" dirty="0">
-                <a:solidFill>
-                  <a:srgbClr val="00B0F0"/>
-                </a:solidFill>
-                <a:effectLst>
-                  <a:outerShdw blurRad="38100" dist="38100" dir="2700000" algn="tl">
-                    <a:srgbClr val="000000">
-                      <a:alpha val="43137"/>
-                    </a:srgbClr>
-                  </a:outerShdw>
-                </a:effectLst>
-                <a:latin typeface="微軟正黑體" panose="020B0604030504040204" pitchFamily="34" charset="-120"/>
-                <a:ea typeface="微軟正黑體" panose="020B0604030504040204" pitchFamily="34" charset="-120"/>
-              </a:rPr>
-              <a:t>LINE Channel Secret</a:t>
-            </a:r>
-            <a:endParaRPr lang="zh-TW" altLang="en-US" sz="4800" b="1" kern="0" dirty="0">
-              <a:solidFill>
-                <a:srgbClr val="00B0F0"/>
-              </a:solidFill>
-              <a:effectLst>
-                <a:outerShdw blurRad="38100" dist="38100" dir="2700000" algn="tl">
-                  <a:srgbClr val="000000">
-                    <a:alpha val="43137"/>
-                  </a:srgbClr>
-                </a:outerShdw>
-              </a:effectLst>
-              <a:latin typeface="微軟正黑體" panose="020B0604030504040204" pitchFamily="34" charset="-120"/>
-              <a:ea typeface="微軟正黑體" panose="020B0604030504040204" pitchFamily="34" charset="-120"/>
-            </a:endParaRPr>
-          </a:p>
-        </p:txBody>
-      </p:sp>
-      <p:pic>
-        <p:nvPicPr>
-          <p:cNvPr id="5" name="圖片 4">
-            <a:extLst>
-              <a:ext uri="{FF2B5EF4-FFF2-40B4-BE49-F238E27FC236}">
-                <a16:creationId xmlns:a16="http://schemas.microsoft.com/office/drawing/2014/main" id="{CDF7741F-1828-F807-08B0-6213B5B006AB}"/>
-              </a:ext>
-            </a:extLst>
-          </p:cNvPr>
-          <p:cNvPicPr>
-            <a:picLocks noChangeAspect="1"/>
-          </p:cNvPicPr>
-          <p:nvPr/>
-        </p:nvPicPr>
-        <p:blipFill>
-          <a:blip r:embed="rId2"/>
-          <a:stretch>
-            <a:fillRect/>
-          </a:stretch>
-        </p:blipFill>
-        <p:spPr>
-          <a:xfrm>
-            <a:off x="0" y="1600711"/>
-            <a:ext cx="9144000" cy="4478830"/>
-          </a:xfrm>
-          <a:prstGeom prst="rect">
-            <a:avLst/>
-          </a:prstGeom>
-        </p:spPr>
-      </p:pic>
-    </p:spTree>
-    <p:extLst>
-      <p:ext uri="{BB962C8B-B14F-4D97-AF65-F5344CB8AC3E}">
-        <p14:creationId xmlns:p14="http://schemas.microsoft.com/office/powerpoint/2010/main" val="3770080935"/>
-      </p:ext>
-    </p:extLst>
-  </p:cSld>
-  <p:clrMapOvr>
-    <a:masterClrMapping/>
-  </p:clrMapOvr>
-  <p:transition>
-    <p:fade/>
-  </p:transition>
-</p:sld>
-</file>
-
-<file path=ppt/slides/slide46.xml><?xml version="1.0" encoding="utf-8"?>
-<p:sld xmlns:a="http://schemas.openxmlformats.org/drawingml/2006/main" xmlns:r="http://schemas.openxmlformats.org/officeDocument/2006/relationships" xmlns:p="http://schemas.openxmlformats.org/presentationml/2006/main">
-  <p:cSld>
-    <p:spTree>
-      <p:nvGrpSpPr>
-        <p:cNvPr id="1" name=""/>
-        <p:cNvGrpSpPr/>
-        <p:nvPr/>
-      </p:nvGrpSpPr>
-      <p:grpSpPr>
-        <a:xfrm>
-          <a:off x="0" y="0"/>
-          <a:ext cx="0" cy="0"/>
-          <a:chOff x="0" y="0"/>
-          <a:chExt cx="0" cy="0"/>
-        </a:xfrm>
-      </p:grpSpPr>
-      <p:sp>
-        <p:nvSpPr>
-          <p:cNvPr id="6" name="文字版面配置區 2">
-            <a:extLst>
-              <a:ext uri="{FF2B5EF4-FFF2-40B4-BE49-F238E27FC236}">
-                <a16:creationId xmlns:a16="http://schemas.microsoft.com/office/drawing/2014/main" id="{DC362AB1-BDCB-D11A-89BE-0A2EC77A4AD2}"/>
-              </a:ext>
-            </a:extLst>
-          </p:cNvPr>
-          <p:cNvSpPr txBox="1">
-            <a:spLocks/>
-          </p:cNvSpPr>
-          <p:nvPr/>
-        </p:nvSpPr>
-        <p:spPr>
-          <a:xfrm>
-            <a:off x="1309912" y="358103"/>
-            <a:ext cx="7407034" cy="990600"/>
-          </a:xfrm>
-          <a:prstGeom prst="rect">
-            <a:avLst/>
-          </a:prstGeom>
-        </p:spPr>
-        <p:txBody>
-          <a:bodyPr tIns="91440" bIns="91440" anchor="b" anchorCtr="0">
-            <a:noAutofit/>
-          </a:bodyPr>
-          <a:lstStyle/>
-          <a:p>
-            <a:pPr algn="just">
-              <a:spcBef>
-                <a:spcPct val="20000"/>
-              </a:spcBef>
-              <a:defRPr/>
-            </a:pPr>
-            <a:r>
-              <a:rPr lang="zh-TW" altLang="en-US" sz="4800" b="1" kern="0" dirty="0">
-                <a:solidFill>
-                  <a:srgbClr val="00B0F0"/>
-                </a:solidFill>
-                <a:effectLst>
-                  <a:outerShdw blurRad="38100" dist="38100" dir="2700000" algn="tl">
-                    <a:srgbClr val="000000">
-                      <a:alpha val="43137"/>
-                    </a:srgbClr>
-                  </a:outerShdw>
-                </a:effectLst>
-                <a:latin typeface="微軟正黑體" panose="020B0604030504040204" pitchFamily="34" charset="-120"/>
-                <a:ea typeface="微軟正黑體" panose="020B0604030504040204" pitchFamily="34" charset="-120"/>
-              </a:rPr>
-              <a:t>設定</a:t>
-            </a:r>
-            <a:r>
-              <a:rPr lang="en-US" altLang="zh-TW" sz="4800" b="1" kern="0" dirty="0">
-                <a:solidFill>
-                  <a:srgbClr val="00B0F0"/>
-                </a:solidFill>
-                <a:effectLst>
-                  <a:outerShdw blurRad="38100" dist="38100" dir="2700000" algn="tl">
-                    <a:srgbClr val="000000">
-                      <a:alpha val="43137"/>
-                    </a:srgbClr>
-                  </a:outerShdw>
-                </a:effectLst>
-                <a:latin typeface="微軟正黑體" panose="020B0604030504040204" pitchFamily="34" charset="-120"/>
-                <a:ea typeface="微軟正黑體" panose="020B0604030504040204" pitchFamily="34" charset="-120"/>
-              </a:rPr>
-              <a:t>LINE Channel Secret</a:t>
-            </a:r>
-            <a:endParaRPr lang="zh-TW" altLang="en-US" sz="4800" b="1" kern="0" dirty="0">
-              <a:solidFill>
-                <a:srgbClr val="00B0F0"/>
-              </a:solidFill>
-              <a:effectLst>
-                <a:outerShdw blurRad="38100" dist="38100" dir="2700000" algn="tl">
-                  <a:srgbClr val="000000">
-                    <a:alpha val="43137"/>
-                  </a:srgbClr>
-                </a:outerShdw>
-              </a:effectLst>
-              <a:latin typeface="微軟正黑體" panose="020B0604030504040204" pitchFamily="34" charset="-120"/>
-              <a:ea typeface="微軟正黑體" panose="020B0604030504040204" pitchFamily="34" charset="-120"/>
-            </a:endParaRPr>
-          </a:p>
-        </p:txBody>
-      </p:sp>
-      <p:pic>
-        <p:nvPicPr>
-          <p:cNvPr id="3" name="圖片 2">
-            <a:extLst>
-              <a:ext uri="{FF2B5EF4-FFF2-40B4-BE49-F238E27FC236}">
-                <a16:creationId xmlns:a16="http://schemas.microsoft.com/office/drawing/2014/main" id="{52196C93-2135-BCB9-E4C7-72301470D2B6}"/>
-              </a:ext>
-            </a:extLst>
-          </p:cNvPr>
-          <p:cNvPicPr>
-            <a:picLocks noChangeAspect="1"/>
-          </p:cNvPicPr>
-          <p:nvPr/>
-        </p:nvPicPr>
-        <p:blipFill>
-          <a:blip r:embed="rId2"/>
-          <a:stretch>
-            <a:fillRect/>
-          </a:stretch>
-        </p:blipFill>
-        <p:spPr>
-          <a:xfrm>
-            <a:off x="827588" y="1524708"/>
-            <a:ext cx="7889358" cy="5051381"/>
-          </a:xfrm>
-          <a:prstGeom prst="rect">
-            <a:avLst/>
-          </a:prstGeom>
-        </p:spPr>
-      </p:pic>
-    </p:spTree>
-    <p:extLst>
-      <p:ext uri="{BB962C8B-B14F-4D97-AF65-F5344CB8AC3E}">
-        <p14:creationId xmlns:p14="http://schemas.microsoft.com/office/powerpoint/2010/main" val="218406963"/>
       </p:ext>
     </p:extLst>
   </p:cSld>
@@ -35386,10 +35909,10 @@
       </p:sp>
       <p:pic>
         <p:nvPicPr>
-          <p:cNvPr id="4" name="圖片 3">
+          <p:cNvPr id="5" name="圖片 4">
             <a:extLst>
               <a:ext uri="{FF2B5EF4-FFF2-40B4-BE49-F238E27FC236}">
-                <a16:creationId xmlns:a16="http://schemas.microsoft.com/office/drawing/2014/main" id="{70CC776C-F54E-3EE8-5149-8D2290C22E4F}"/>
+                <a16:creationId xmlns:a16="http://schemas.microsoft.com/office/drawing/2014/main" id="{CDF7741F-1828-F807-08B0-6213B5B006AB}"/>
               </a:ext>
             </a:extLst>
           </p:cNvPr>
@@ -35406,8 +35929,8 @@
         </p:blipFill>
         <p:spPr>
           <a:xfrm>
-            <a:off x="882858" y="1494858"/>
-            <a:ext cx="7834088" cy="4955420"/>
+            <a:off x="0" y="1600711"/>
+            <a:ext cx="9144000" cy="4478830"/>
           </a:xfrm>
           <a:prstGeom prst="rect">
             <a:avLst/>
@@ -35417,7 +35940,7 @@
     </p:spTree>
     <p:extLst>
       <p:ext uri="{BB962C8B-B14F-4D97-AF65-F5344CB8AC3E}">
-        <p14:creationId xmlns:p14="http://schemas.microsoft.com/office/powerpoint/2010/main" val="342026300"/>
+        <p14:creationId xmlns:p14="http://schemas.microsoft.com/office/powerpoint/2010/main" val="3770080935"/>
       </p:ext>
     </p:extLst>
   </p:cSld>
@@ -35538,7 +36061,7 @@
           <p:cNvPr id="3" name="圖片 2">
             <a:extLst>
               <a:ext uri="{FF2B5EF4-FFF2-40B4-BE49-F238E27FC236}">
-                <a16:creationId xmlns:a16="http://schemas.microsoft.com/office/drawing/2014/main" id="{F52818BA-E3FB-E8A1-C61A-1B1B2ED9AF09}"/>
+                <a16:creationId xmlns:a16="http://schemas.microsoft.com/office/drawing/2014/main" id="{52196C93-2135-BCB9-E4C7-72301470D2B6}"/>
               </a:ext>
             </a:extLst>
           </p:cNvPr>
@@ -35555,8 +36078,8 @@
         </p:blipFill>
         <p:spPr>
           <a:xfrm>
-            <a:off x="0" y="1713835"/>
-            <a:ext cx="8944089" cy="5016843"/>
+            <a:off x="827588" y="1524708"/>
+            <a:ext cx="7889358" cy="5051381"/>
           </a:xfrm>
           <a:prstGeom prst="rect">
             <a:avLst/>
@@ -35566,7 +36089,7 @@
     </p:spTree>
     <p:extLst>
       <p:ext uri="{BB962C8B-B14F-4D97-AF65-F5344CB8AC3E}">
-        <p14:creationId xmlns:p14="http://schemas.microsoft.com/office/powerpoint/2010/main" val="2937618688"/>
+        <p14:creationId xmlns:p14="http://schemas.microsoft.com/office/powerpoint/2010/main" val="218406963"/>
       </p:ext>
     </p:extLst>
   </p:cSld>
@@ -35682,222 +36205,12 @@
           </a:p>
         </p:txBody>
       </p:sp>
-      <p:sp>
-        <p:nvSpPr>
-          <p:cNvPr id="4" name="文字方塊 3">
+      <p:pic>
+        <p:nvPicPr>
+          <p:cNvPr id="4" name="圖片 3">
             <a:extLst>
               <a:ext uri="{FF2B5EF4-FFF2-40B4-BE49-F238E27FC236}">
-                <a16:creationId xmlns:a16="http://schemas.microsoft.com/office/drawing/2014/main" id="{2A400E13-7562-60AF-5544-886E3FCCC917}"/>
-              </a:ext>
-            </a:extLst>
-          </p:cNvPr>
-          <p:cNvSpPr txBox="1"/>
-          <p:nvPr/>
-        </p:nvSpPr>
-        <p:spPr>
-          <a:xfrm>
-            <a:off x="427054" y="1412497"/>
-            <a:ext cx="8546824" cy="830997"/>
-          </a:xfrm>
-          <a:prstGeom prst="rect">
-            <a:avLst/>
-          </a:prstGeom>
-          <a:noFill/>
-        </p:spPr>
-        <p:txBody>
-          <a:bodyPr wrap="square">
-            <a:spAutoFit/>
-          </a:bodyPr>
-          <a:lstStyle/>
-          <a:p>
-            <a:r>
-              <a:rPr kumimoji="1" lang="en-US" altLang="zh-TW" sz="2400" dirty="0" err="1">
-                <a:solidFill>
-                  <a:srgbClr val="00B050"/>
-                </a:solidFill>
-                <a:effectLst>
-                  <a:outerShdw blurRad="38100" dist="38100" dir="2700000" algn="tl">
-                    <a:srgbClr val="000000">
-                      <a:alpha val="43137"/>
-                    </a:srgbClr>
-                  </a:outerShdw>
-                </a:effectLst>
-                <a:latin typeface="Consolas" panose="020B0609020204030204" pitchFamily="49" charset="0"/>
-                <a:ea typeface="微軟正黑體" panose="020B0604030504040204" pitchFamily="34" charset="-120"/>
-                <a:cs typeface="Heiti TC Light"/>
-              </a:rPr>
-              <a:t>conda</a:t>
-            </a:r>
-            <a:r>
-              <a:rPr kumimoji="1" lang="en-US" altLang="zh-TW" sz="2400" dirty="0">
-                <a:solidFill>
-                  <a:srgbClr val="00B050"/>
-                </a:solidFill>
-                <a:effectLst>
-                  <a:outerShdw blurRad="38100" dist="38100" dir="2700000" algn="tl">
-                    <a:srgbClr val="000000">
-                      <a:alpha val="43137"/>
-                    </a:srgbClr>
-                  </a:outerShdw>
-                </a:effectLst>
-                <a:latin typeface="Consolas" panose="020B0609020204030204" pitchFamily="49" charset="0"/>
-                <a:ea typeface="微軟正黑體" panose="020B0604030504040204" pitchFamily="34" charset="-120"/>
-                <a:cs typeface="Heiti TC Light"/>
-              </a:rPr>
-              <a:t> activate </a:t>
-            </a:r>
-            <a:r>
-              <a:rPr kumimoji="1" lang="en-US" altLang="zh-TW" sz="2400" dirty="0" err="1">
-                <a:solidFill>
-                  <a:srgbClr val="00B050"/>
-                </a:solidFill>
-                <a:effectLst>
-                  <a:outerShdw blurRad="38100" dist="38100" dir="2700000" algn="tl">
-                    <a:srgbClr val="000000">
-                      <a:alpha val="43137"/>
-                    </a:srgbClr>
-                  </a:outerShdw>
-                </a:effectLst>
-                <a:latin typeface="Consolas" panose="020B0609020204030204" pitchFamily="49" charset="0"/>
-                <a:ea typeface="微軟正黑體" panose="020B0604030504040204" pitchFamily="34" charset="-120"/>
-                <a:cs typeface="Heiti TC Light"/>
-              </a:rPr>
-              <a:t>linebot</a:t>
-            </a:r>
-            <a:endParaRPr kumimoji="1" lang="en-US" altLang="zh-TW" sz="2400" dirty="0">
-              <a:solidFill>
-                <a:srgbClr val="00B050"/>
-              </a:solidFill>
-              <a:effectLst>
-                <a:outerShdw blurRad="38100" dist="38100" dir="2700000" algn="tl">
-                  <a:srgbClr val="000000">
-                    <a:alpha val="43137"/>
-                  </a:srgbClr>
-                </a:outerShdw>
-              </a:effectLst>
-              <a:latin typeface="Consolas" panose="020B0609020204030204" pitchFamily="49" charset="0"/>
-              <a:ea typeface="微軟正黑體" panose="020B0604030504040204" pitchFamily="34" charset="-120"/>
-              <a:cs typeface="Heiti TC Light"/>
-            </a:endParaRPr>
-          </a:p>
-          <a:p>
-            <a:r>
-              <a:rPr kumimoji="1" lang="en-US" altLang="zh-TW" sz="2400" dirty="0" err="1">
-                <a:solidFill>
-                  <a:srgbClr val="00B050"/>
-                </a:solidFill>
-                <a:effectLst>
-                  <a:outerShdw blurRad="38100" dist="38100" dir="2700000" algn="tl">
-                    <a:srgbClr val="000000">
-                      <a:alpha val="43137"/>
-                    </a:srgbClr>
-                  </a:outerShdw>
-                </a:effectLst>
-                <a:latin typeface="Consolas" panose="020B0609020204030204" pitchFamily="49" charset="0"/>
-                <a:ea typeface="微軟正黑體" panose="020B0604030504040204" pitchFamily="34" charset="-120"/>
-                <a:cs typeface="Heiti TC Light"/>
-              </a:rPr>
-              <a:t>conda</a:t>
-            </a:r>
-            <a:r>
-              <a:rPr kumimoji="1" lang="en-US" altLang="zh-TW" sz="2400" dirty="0">
-                <a:solidFill>
-                  <a:srgbClr val="00B050"/>
-                </a:solidFill>
-                <a:effectLst>
-                  <a:outerShdw blurRad="38100" dist="38100" dir="2700000" algn="tl">
-                    <a:srgbClr val="000000">
-                      <a:alpha val="43137"/>
-                    </a:srgbClr>
-                  </a:outerShdw>
-                </a:effectLst>
-                <a:latin typeface="Consolas" panose="020B0609020204030204" pitchFamily="49" charset="0"/>
-                <a:ea typeface="微軟正黑體" panose="020B0604030504040204" pitchFamily="34" charset="-120"/>
-                <a:cs typeface="Heiti TC Light"/>
-              </a:rPr>
-              <a:t> env config vars set &lt;</a:t>
-            </a:r>
-            <a:r>
-              <a:rPr kumimoji="1" lang="zh-TW" altLang="en-US" sz="2400" dirty="0">
-                <a:solidFill>
-                  <a:srgbClr val="00B050"/>
-                </a:solidFill>
-                <a:effectLst>
-                  <a:outerShdw blurRad="38100" dist="38100" dir="2700000" algn="tl">
-                    <a:srgbClr val="000000">
-                      <a:alpha val="43137"/>
-                    </a:srgbClr>
-                  </a:outerShdw>
-                </a:effectLst>
-                <a:latin typeface="Consolas" panose="020B0609020204030204" pitchFamily="49" charset="0"/>
-                <a:ea typeface="微軟正黑體" panose="020B0604030504040204" pitchFamily="34" charset="-120"/>
-                <a:cs typeface="Heiti TC Light"/>
-              </a:rPr>
-              <a:t>要設定的變數</a:t>
-            </a:r>
-            <a:r>
-              <a:rPr kumimoji="1" lang="en-US" altLang="zh-TW" sz="2400" dirty="0">
-                <a:solidFill>
-                  <a:srgbClr val="00B050"/>
-                </a:solidFill>
-                <a:effectLst>
-                  <a:outerShdw blurRad="38100" dist="38100" dir="2700000" algn="tl">
-                    <a:srgbClr val="000000">
-                      <a:alpha val="43137"/>
-                    </a:srgbClr>
-                  </a:outerShdw>
-                </a:effectLst>
-                <a:latin typeface="Consolas" panose="020B0609020204030204" pitchFamily="49" charset="0"/>
-                <a:ea typeface="微軟正黑體" panose="020B0604030504040204" pitchFamily="34" charset="-120"/>
-                <a:cs typeface="Heiti TC Light"/>
-              </a:rPr>
-              <a:t>&gt;=&lt;</a:t>
-            </a:r>
-            <a:r>
-              <a:rPr kumimoji="1" lang="zh-TW" altLang="en-US" sz="2400" dirty="0">
-                <a:solidFill>
-                  <a:srgbClr val="00B050"/>
-                </a:solidFill>
-                <a:effectLst>
-                  <a:outerShdw blurRad="38100" dist="38100" dir="2700000" algn="tl">
-                    <a:srgbClr val="000000">
-                      <a:alpha val="43137"/>
-                    </a:srgbClr>
-                  </a:outerShdw>
-                </a:effectLst>
-                <a:latin typeface="Consolas" panose="020B0609020204030204" pitchFamily="49" charset="0"/>
-                <a:ea typeface="微軟正黑體" panose="020B0604030504040204" pitchFamily="34" charset="-120"/>
-                <a:cs typeface="Heiti TC Light"/>
-              </a:rPr>
-              <a:t>你的金鑰</a:t>
-            </a:r>
-            <a:r>
-              <a:rPr kumimoji="1" lang="en-US" altLang="zh-TW" sz="2400" dirty="0">
-                <a:solidFill>
-                  <a:srgbClr val="00B050"/>
-                </a:solidFill>
-                <a:effectLst>
-                  <a:outerShdw blurRad="38100" dist="38100" dir="2700000" algn="tl">
-                    <a:srgbClr val="000000">
-                      <a:alpha val="43137"/>
-                    </a:srgbClr>
-                  </a:outerShdw>
-                </a:effectLst>
-                <a:latin typeface="Consolas" panose="020B0609020204030204" pitchFamily="49" charset="0"/>
-                <a:ea typeface="微軟正黑體" panose="020B0604030504040204" pitchFamily="34" charset="-120"/>
-                <a:cs typeface="Heiti TC Light"/>
-              </a:rPr>
-              <a:t>&gt;</a:t>
-            </a:r>
-          </a:p>
-        </p:txBody>
-      </p:sp>
-      <p:pic>
-        <p:nvPicPr>
-          <p:cNvPr id="9" name="圖片 8">
-            <a:extLst>
-              <a:ext uri="{FF2B5EF4-FFF2-40B4-BE49-F238E27FC236}">
-                <a16:creationId xmlns:a16="http://schemas.microsoft.com/office/drawing/2014/main" id="{594B9173-E2F0-AF0D-1C6A-21E4AB4C01FF}"/>
+                <a16:creationId xmlns:a16="http://schemas.microsoft.com/office/drawing/2014/main" id="{70CC776C-F54E-3EE8-5149-8D2290C22E4F}"/>
               </a:ext>
             </a:extLst>
           </p:cNvPr>
@@ -35914,8 +36227,8 @@
         </p:blipFill>
         <p:spPr>
           <a:xfrm>
-            <a:off x="0" y="3281122"/>
-            <a:ext cx="9144000" cy="2478974"/>
+            <a:off x="882858" y="1494858"/>
+            <a:ext cx="7834088" cy="4955420"/>
           </a:xfrm>
           <a:prstGeom prst="rect">
             <a:avLst/>
@@ -35925,7 +36238,7 @@
     </p:spTree>
     <p:extLst>
       <p:ext uri="{BB962C8B-B14F-4D97-AF65-F5344CB8AC3E}">
-        <p14:creationId xmlns:p14="http://schemas.microsoft.com/office/powerpoint/2010/main" val="1186472524"/>
+        <p14:creationId xmlns:p14="http://schemas.microsoft.com/office/powerpoint/2010/main" val="342026300"/>
       </p:ext>
     </p:extLst>
   </p:cSld>
@@ -36243,8 +36556,8 @@
         </p:nvSpPr>
         <p:spPr>
           <a:xfrm>
-            <a:off x="843516" y="251778"/>
-            <a:ext cx="8086081" cy="990600"/>
+            <a:off x="1309912" y="358103"/>
+            <a:ext cx="7407034" cy="990600"/>
           </a:xfrm>
           <a:prstGeom prst="rect">
             <a:avLst/>
@@ -36263,7 +36576,7 @@
               <a:defRPr/>
             </a:pPr>
             <a:r>
-              <a:rPr lang="zh-TW" altLang="en-US" sz="4000" b="1" kern="0" dirty="0">
+              <a:rPr lang="zh-TW" altLang="en-US" sz="4800" b="1" kern="0" dirty="0">
                 <a:solidFill>
                   <a:srgbClr val="00B0F0"/>
                 </a:solidFill>
@@ -36280,7 +36593,7 @@
               <a:t>設定</a:t>
             </a:r>
             <a:r>
-              <a:rPr lang="en-US" altLang="zh-TW" sz="4000" b="1" kern="0" dirty="0">
+              <a:rPr lang="en-US" altLang="zh-TW" sz="4800" b="1" kern="0" dirty="0">
                 <a:solidFill>
                   <a:srgbClr val="00B0F0"/>
                 </a:solidFill>
@@ -36294,9 +36607,9 @@
                 <a:latin typeface="微軟正黑體" panose="020B0604030504040204" pitchFamily="34" charset="-120"/>
                 <a:ea typeface="微軟正黑體" panose="020B0604030504040204" pitchFamily="34" charset="-120"/>
               </a:rPr>
-              <a:t>LINE Channel Access Token</a:t>
-            </a:r>
-            <a:endParaRPr lang="zh-TW" altLang="en-US" sz="4000" b="1" kern="0" dirty="0">
+              <a:t>LINE Channel Secret</a:t>
+            </a:r>
+            <a:endParaRPr lang="zh-TW" altLang="en-US" sz="4800" b="1" kern="0" dirty="0">
               <a:solidFill>
                 <a:srgbClr val="00B0F0"/>
               </a:solidFill>
@@ -36318,7 +36631,7 @@
           <p:cNvPr id="3" name="圖片 2">
             <a:extLst>
               <a:ext uri="{FF2B5EF4-FFF2-40B4-BE49-F238E27FC236}">
-                <a16:creationId xmlns:a16="http://schemas.microsoft.com/office/drawing/2014/main" id="{33AD1B23-5548-BBA0-72B1-06B1CDB22B7A}"/>
+                <a16:creationId xmlns:a16="http://schemas.microsoft.com/office/drawing/2014/main" id="{F52818BA-E3FB-E8A1-C61A-1B1B2ED9AF09}"/>
               </a:ext>
             </a:extLst>
           </p:cNvPr>
@@ -36335,8 +36648,8 @@
         </p:blipFill>
         <p:spPr>
           <a:xfrm>
-            <a:off x="0" y="1940926"/>
-            <a:ext cx="9144000" cy="4365470"/>
+            <a:off x="0" y="1713835"/>
+            <a:ext cx="8944089" cy="5016843"/>
           </a:xfrm>
           <a:prstGeom prst="rect">
             <a:avLst/>
@@ -36346,7 +36659,7 @@
     </p:spTree>
     <p:extLst>
       <p:ext uri="{BB962C8B-B14F-4D97-AF65-F5344CB8AC3E}">
-        <p14:creationId xmlns:p14="http://schemas.microsoft.com/office/powerpoint/2010/main" val="1043984358"/>
+        <p14:creationId xmlns:p14="http://schemas.microsoft.com/office/powerpoint/2010/main" val="2937618688"/>
       </p:ext>
     </p:extLst>
   </p:cSld>
@@ -36392,8 +36705,8 @@
         </p:nvSpPr>
         <p:spPr>
           <a:xfrm>
-            <a:off x="843516" y="251778"/>
-            <a:ext cx="8086081" cy="990600"/>
+            <a:off x="1309912" y="358103"/>
+            <a:ext cx="7407034" cy="990600"/>
           </a:xfrm>
           <a:prstGeom prst="rect">
             <a:avLst/>
@@ -36412,7 +36725,7 @@
               <a:defRPr/>
             </a:pPr>
             <a:r>
-              <a:rPr lang="zh-TW" altLang="en-US" sz="4000" b="1" kern="0" dirty="0">
+              <a:rPr lang="zh-TW" altLang="en-US" sz="4800" b="1" kern="0" dirty="0">
                 <a:solidFill>
                   <a:srgbClr val="00B0F0"/>
                 </a:solidFill>
@@ -36429,7 +36742,7 @@
               <a:t>設定</a:t>
             </a:r>
             <a:r>
-              <a:rPr lang="en-US" altLang="zh-TW" sz="4000" b="1" kern="0" dirty="0">
+              <a:rPr lang="en-US" altLang="zh-TW" sz="4800" b="1" kern="0" dirty="0">
                 <a:solidFill>
                   <a:srgbClr val="00B0F0"/>
                 </a:solidFill>
@@ -36443,9 +36756,9 @@
                 <a:latin typeface="微軟正黑體" panose="020B0604030504040204" pitchFamily="34" charset="-120"/>
                 <a:ea typeface="微軟正黑體" panose="020B0604030504040204" pitchFamily="34" charset="-120"/>
               </a:rPr>
-              <a:t>LINE Channel Access Token</a:t>
-            </a:r>
-            <a:endParaRPr lang="zh-TW" altLang="en-US" sz="4000" b="1" kern="0" dirty="0">
+              <a:t>LINE Channel Secret</a:t>
+            </a:r>
+            <a:endParaRPr lang="zh-TW" altLang="en-US" sz="4800" b="1" kern="0" dirty="0">
               <a:solidFill>
                 <a:srgbClr val="00B0F0"/>
               </a:solidFill>
@@ -36462,12 +36775,222 @@
           </a:p>
         </p:txBody>
       </p:sp>
+      <p:sp>
+        <p:nvSpPr>
+          <p:cNvPr id="4" name="文字方塊 3">
+            <a:extLst>
+              <a:ext uri="{FF2B5EF4-FFF2-40B4-BE49-F238E27FC236}">
+                <a16:creationId xmlns:a16="http://schemas.microsoft.com/office/drawing/2014/main" id="{2A400E13-7562-60AF-5544-886E3FCCC917}"/>
+              </a:ext>
+            </a:extLst>
+          </p:cNvPr>
+          <p:cNvSpPr txBox="1"/>
+          <p:nvPr/>
+        </p:nvSpPr>
+        <p:spPr>
+          <a:xfrm>
+            <a:off x="427054" y="1412497"/>
+            <a:ext cx="8546824" cy="830997"/>
+          </a:xfrm>
+          <a:prstGeom prst="rect">
+            <a:avLst/>
+          </a:prstGeom>
+          <a:noFill/>
+        </p:spPr>
+        <p:txBody>
+          <a:bodyPr wrap="square">
+            <a:spAutoFit/>
+          </a:bodyPr>
+          <a:lstStyle/>
+          <a:p>
+            <a:r>
+              <a:rPr kumimoji="1" lang="en-US" altLang="zh-TW" sz="2400" dirty="0" err="1">
+                <a:solidFill>
+                  <a:srgbClr val="00B050"/>
+                </a:solidFill>
+                <a:effectLst>
+                  <a:outerShdw blurRad="38100" dist="38100" dir="2700000" algn="tl">
+                    <a:srgbClr val="000000">
+                      <a:alpha val="43137"/>
+                    </a:srgbClr>
+                  </a:outerShdw>
+                </a:effectLst>
+                <a:latin typeface="Consolas" panose="020B0609020204030204" pitchFamily="49" charset="0"/>
+                <a:ea typeface="微軟正黑體" panose="020B0604030504040204" pitchFamily="34" charset="-120"/>
+                <a:cs typeface="Heiti TC Light"/>
+              </a:rPr>
+              <a:t>conda</a:t>
+            </a:r>
+            <a:r>
+              <a:rPr kumimoji="1" lang="en-US" altLang="zh-TW" sz="2400" dirty="0">
+                <a:solidFill>
+                  <a:srgbClr val="00B050"/>
+                </a:solidFill>
+                <a:effectLst>
+                  <a:outerShdw blurRad="38100" dist="38100" dir="2700000" algn="tl">
+                    <a:srgbClr val="000000">
+                      <a:alpha val="43137"/>
+                    </a:srgbClr>
+                  </a:outerShdw>
+                </a:effectLst>
+                <a:latin typeface="Consolas" panose="020B0609020204030204" pitchFamily="49" charset="0"/>
+                <a:ea typeface="微軟正黑體" panose="020B0604030504040204" pitchFamily="34" charset="-120"/>
+                <a:cs typeface="Heiti TC Light"/>
+              </a:rPr>
+              <a:t> activate </a:t>
+            </a:r>
+            <a:r>
+              <a:rPr kumimoji="1" lang="en-US" altLang="zh-TW" sz="2400" dirty="0" err="1">
+                <a:solidFill>
+                  <a:srgbClr val="00B050"/>
+                </a:solidFill>
+                <a:effectLst>
+                  <a:outerShdw blurRad="38100" dist="38100" dir="2700000" algn="tl">
+                    <a:srgbClr val="000000">
+                      <a:alpha val="43137"/>
+                    </a:srgbClr>
+                  </a:outerShdw>
+                </a:effectLst>
+                <a:latin typeface="Consolas" panose="020B0609020204030204" pitchFamily="49" charset="0"/>
+                <a:ea typeface="微軟正黑體" panose="020B0604030504040204" pitchFamily="34" charset="-120"/>
+                <a:cs typeface="Heiti TC Light"/>
+              </a:rPr>
+              <a:t>linebot</a:t>
+            </a:r>
+            <a:endParaRPr kumimoji="1" lang="en-US" altLang="zh-TW" sz="2400" dirty="0">
+              <a:solidFill>
+                <a:srgbClr val="00B050"/>
+              </a:solidFill>
+              <a:effectLst>
+                <a:outerShdw blurRad="38100" dist="38100" dir="2700000" algn="tl">
+                  <a:srgbClr val="000000">
+                    <a:alpha val="43137"/>
+                  </a:srgbClr>
+                </a:outerShdw>
+              </a:effectLst>
+              <a:latin typeface="Consolas" panose="020B0609020204030204" pitchFamily="49" charset="0"/>
+              <a:ea typeface="微軟正黑體" panose="020B0604030504040204" pitchFamily="34" charset="-120"/>
+              <a:cs typeface="Heiti TC Light"/>
+            </a:endParaRPr>
+          </a:p>
+          <a:p>
+            <a:r>
+              <a:rPr kumimoji="1" lang="en-US" altLang="zh-TW" sz="2400" dirty="0" err="1">
+                <a:solidFill>
+                  <a:srgbClr val="00B050"/>
+                </a:solidFill>
+                <a:effectLst>
+                  <a:outerShdw blurRad="38100" dist="38100" dir="2700000" algn="tl">
+                    <a:srgbClr val="000000">
+                      <a:alpha val="43137"/>
+                    </a:srgbClr>
+                  </a:outerShdw>
+                </a:effectLst>
+                <a:latin typeface="Consolas" panose="020B0609020204030204" pitchFamily="49" charset="0"/>
+                <a:ea typeface="微軟正黑體" panose="020B0604030504040204" pitchFamily="34" charset="-120"/>
+                <a:cs typeface="Heiti TC Light"/>
+              </a:rPr>
+              <a:t>conda</a:t>
+            </a:r>
+            <a:r>
+              <a:rPr kumimoji="1" lang="en-US" altLang="zh-TW" sz="2400" dirty="0">
+                <a:solidFill>
+                  <a:srgbClr val="00B050"/>
+                </a:solidFill>
+                <a:effectLst>
+                  <a:outerShdw blurRad="38100" dist="38100" dir="2700000" algn="tl">
+                    <a:srgbClr val="000000">
+                      <a:alpha val="43137"/>
+                    </a:srgbClr>
+                  </a:outerShdw>
+                </a:effectLst>
+                <a:latin typeface="Consolas" panose="020B0609020204030204" pitchFamily="49" charset="0"/>
+                <a:ea typeface="微軟正黑體" panose="020B0604030504040204" pitchFamily="34" charset="-120"/>
+                <a:cs typeface="Heiti TC Light"/>
+              </a:rPr>
+              <a:t> env config vars set &lt;</a:t>
+            </a:r>
+            <a:r>
+              <a:rPr kumimoji="1" lang="zh-TW" altLang="en-US" sz="2400" dirty="0">
+                <a:solidFill>
+                  <a:srgbClr val="00B050"/>
+                </a:solidFill>
+                <a:effectLst>
+                  <a:outerShdw blurRad="38100" dist="38100" dir="2700000" algn="tl">
+                    <a:srgbClr val="000000">
+                      <a:alpha val="43137"/>
+                    </a:srgbClr>
+                  </a:outerShdw>
+                </a:effectLst>
+                <a:latin typeface="Consolas" panose="020B0609020204030204" pitchFamily="49" charset="0"/>
+                <a:ea typeface="微軟正黑體" panose="020B0604030504040204" pitchFamily="34" charset="-120"/>
+                <a:cs typeface="Heiti TC Light"/>
+              </a:rPr>
+              <a:t>要設定的變數</a:t>
+            </a:r>
+            <a:r>
+              <a:rPr kumimoji="1" lang="en-US" altLang="zh-TW" sz="2400" dirty="0">
+                <a:solidFill>
+                  <a:srgbClr val="00B050"/>
+                </a:solidFill>
+                <a:effectLst>
+                  <a:outerShdw blurRad="38100" dist="38100" dir="2700000" algn="tl">
+                    <a:srgbClr val="000000">
+                      <a:alpha val="43137"/>
+                    </a:srgbClr>
+                  </a:outerShdw>
+                </a:effectLst>
+                <a:latin typeface="Consolas" panose="020B0609020204030204" pitchFamily="49" charset="0"/>
+                <a:ea typeface="微軟正黑體" panose="020B0604030504040204" pitchFamily="34" charset="-120"/>
+                <a:cs typeface="Heiti TC Light"/>
+              </a:rPr>
+              <a:t>&gt;=&lt;</a:t>
+            </a:r>
+            <a:r>
+              <a:rPr kumimoji="1" lang="zh-TW" altLang="en-US" sz="2400" dirty="0">
+                <a:solidFill>
+                  <a:srgbClr val="00B050"/>
+                </a:solidFill>
+                <a:effectLst>
+                  <a:outerShdw blurRad="38100" dist="38100" dir="2700000" algn="tl">
+                    <a:srgbClr val="000000">
+                      <a:alpha val="43137"/>
+                    </a:srgbClr>
+                  </a:outerShdw>
+                </a:effectLst>
+                <a:latin typeface="Consolas" panose="020B0609020204030204" pitchFamily="49" charset="0"/>
+                <a:ea typeface="微軟正黑體" panose="020B0604030504040204" pitchFamily="34" charset="-120"/>
+                <a:cs typeface="Heiti TC Light"/>
+              </a:rPr>
+              <a:t>你的金鑰</a:t>
+            </a:r>
+            <a:r>
+              <a:rPr kumimoji="1" lang="en-US" altLang="zh-TW" sz="2400" dirty="0">
+                <a:solidFill>
+                  <a:srgbClr val="00B050"/>
+                </a:solidFill>
+                <a:effectLst>
+                  <a:outerShdw blurRad="38100" dist="38100" dir="2700000" algn="tl">
+                    <a:srgbClr val="000000">
+                      <a:alpha val="43137"/>
+                    </a:srgbClr>
+                  </a:outerShdw>
+                </a:effectLst>
+                <a:latin typeface="Consolas" panose="020B0609020204030204" pitchFamily="49" charset="0"/>
+                <a:ea typeface="微軟正黑體" panose="020B0604030504040204" pitchFamily="34" charset="-120"/>
+                <a:cs typeface="Heiti TC Light"/>
+              </a:rPr>
+              <a:t>&gt;</a:t>
+            </a:r>
+          </a:p>
+        </p:txBody>
+      </p:sp>
       <p:pic>
         <p:nvPicPr>
-          <p:cNvPr id="4" name="圖片 3">
+          <p:cNvPr id="9" name="圖片 8">
             <a:extLst>
               <a:ext uri="{FF2B5EF4-FFF2-40B4-BE49-F238E27FC236}">
-                <a16:creationId xmlns:a16="http://schemas.microsoft.com/office/drawing/2014/main" id="{ACE4F802-F556-E2F2-DD21-24AC7337BBAF}"/>
+                <a16:creationId xmlns:a16="http://schemas.microsoft.com/office/drawing/2014/main" id="{594B9173-E2F0-AF0D-1C6A-21E4AB4C01FF}"/>
               </a:ext>
             </a:extLst>
           </p:cNvPr>
@@ -36484,8 +37007,8 @@
         </p:blipFill>
         <p:spPr>
           <a:xfrm>
-            <a:off x="323850" y="1444145"/>
-            <a:ext cx="8496300" cy="4905375"/>
+            <a:off x="0" y="3281122"/>
+            <a:ext cx="9144000" cy="2478974"/>
           </a:xfrm>
           <a:prstGeom prst="rect">
             <a:avLst/>
@@ -36495,7 +37018,7 @@
     </p:spTree>
     <p:extLst>
       <p:ext uri="{BB962C8B-B14F-4D97-AF65-F5344CB8AC3E}">
-        <p14:creationId xmlns:p14="http://schemas.microsoft.com/office/powerpoint/2010/main" val="3972191244"/>
+        <p14:creationId xmlns:p14="http://schemas.microsoft.com/office/powerpoint/2010/main" val="1186472524"/>
       </p:ext>
     </p:extLst>
   </p:cSld>
@@ -36616,7 +37139,7 @@
           <p:cNvPr id="3" name="圖片 2">
             <a:extLst>
               <a:ext uri="{FF2B5EF4-FFF2-40B4-BE49-F238E27FC236}">
-                <a16:creationId xmlns:a16="http://schemas.microsoft.com/office/drawing/2014/main" id="{3791CA64-FF64-1B71-708A-D80514A35E4D}"/>
+                <a16:creationId xmlns:a16="http://schemas.microsoft.com/office/drawing/2014/main" id="{33AD1B23-5548-BBA0-72B1-06B1CDB22B7A}"/>
               </a:ext>
             </a:extLst>
           </p:cNvPr>
@@ -36633,8 +37156,8 @@
         </p:blipFill>
         <p:spPr>
           <a:xfrm>
-            <a:off x="1112873" y="1455652"/>
-            <a:ext cx="7286847" cy="5150570"/>
+            <a:off x="0" y="1940926"/>
+            <a:ext cx="9144000" cy="4365470"/>
           </a:xfrm>
           <a:prstGeom prst="rect">
             <a:avLst/>
@@ -36644,7 +37167,7 @@
     </p:spTree>
     <p:extLst>
       <p:ext uri="{BB962C8B-B14F-4D97-AF65-F5344CB8AC3E}">
-        <p14:creationId xmlns:p14="http://schemas.microsoft.com/office/powerpoint/2010/main" val="826516980"/>
+        <p14:creationId xmlns:p14="http://schemas.microsoft.com/office/powerpoint/2010/main" val="1043984358"/>
       </p:ext>
     </p:extLst>
   </p:cSld>
@@ -36765,7 +37288,7 @@
           <p:cNvPr id="4" name="圖片 3">
             <a:extLst>
               <a:ext uri="{FF2B5EF4-FFF2-40B4-BE49-F238E27FC236}">
-                <a16:creationId xmlns:a16="http://schemas.microsoft.com/office/drawing/2014/main" id="{76442E8A-F4BD-1E62-681A-5D22DFFE3ED0}"/>
+                <a16:creationId xmlns:a16="http://schemas.microsoft.com/office/drawing/2014/main" id="{ACE4F802-F556-E2F2-DD21-24AC7337BBAF}"/>
               </a:ext>
             </a:extLst>
           </p:cNvPr>
@@ -36782,8 +37305,8 @@
         </p:blipFill>
         <p:spPr>
           <a:xfrm>
-            <a:off x="772633" y="1369234"/>
-            <a:ext cx="7780263" cy="5320749"/>
+            <a:off x="323850" y="1444145"/>
+            <a:ext cx="8496300" cy="4905375"/>
           </a:xfrm>
           <a:prstGeom prst="rect">
             <a:avLst/>
@@ -36793,7 +37316,7 @@
     </p:spTree>
     <p:extLst>
       <p:ext uri="{BB962C8B-B14F-4D97-AF65-F5344CB8AC3E}">
-        <p14:creationId xmlns:p14="http://schemas.microsoft.com/office/powerpoint/2010/main" val="1900225590"/>
+        <p14:creationId xmlns:p14="http://schemas.microsoft.com/office/powerpoint/2010/main" val="3972191244"/>
       </p:ext>
     </p:extLst>
   </p:cSld>
@@ -36914,7 +37437,7 @@
           <p:cNvPr id="3" name="圖片 2">
             <a:extLst>
               <a:ext uri="{FF2B5EF4-FFF2-40B4-BE49-F238E27FC236}">
-                <a16:creationId xmlns:a16="http://schemas.microsoft.com/office/drawing/2014/main" id="{1EB593F6-1992-DB05-01E4-F0D801659978}"/>
+                <a16:creationId xmlns:a16="http://schemas.microsoft.com/office/drawing/2014/main" id="{3791CA64-FF64-1B71-708A-D80514A35E4D}"/>
               </a:ext>
             </a:extLst>
           </p:cNvPr>
@@ -36931,8 +37454,8 @@
         </p:blipFill>
         <p:spPr>
           <a:xfrm>
-            <a:off x="317225" y="2028143"/>
-            <a:ext cx="8612372" cy="3016255"/>
+            <a:off x="1112873" y="1455652"/>
+            <a:ext cx="7286847" cy="5150570"/>
           </a:xfrm>
           <a:prstGeom prst="rect">
             <a:avLst/>
@@ -36942,7 +37465,7 @@
     </p:spTree>
     <p:extLst>
       <p:ext uri="{BB962C8B-B14F-4D97-AF65-F5344CB8AC3E}">
-        <p14:creationId xmlns:p14="http://schemas.microsoft.com/office/powerpoint/2010/main" val="1311519500"/>
+        <p14:creationId xmlns:p14="http://schemas.microsoft.com/office/powerpoint/2010/main" val="826516980"/>
       </p:ext>
     </p:extLst>
   </p:cSld>
@@ -36974,220 +37497,10 @@
       </p:grpSpPr>
       <p:sp>
         <p:nvSpPr>
-          <p:cNvPr id="4" name="文字方塊 3">
+          <p:cNvPr id="6" name="文字版面配置區 2">
             <a:extLst>
               <a:ext uri="{FF2B5EF4-FFF2-40B4-BE49-F238E27FC236}">
-                <a16:creationId xmlns:a16="http://schemas.microsoft.com/office/drawing/2014/main" id="{2A400E13-7562-60AF-5544-886E3FCCC917}"/>
-              </a:ext>
-            </a:extLst>
-          </p:cNvPr>
-          <p:cNvSpPr txBox="1"/>
-          <p:nvPr/>
-        </p:nvSpPr>
-        <p:spPr>
-          <a:xfrm>
-            <a:off x="427054" y="1412497"/>
-            <a:ext cx="8546824" cy="830997"/>
-          </a:xfrm>
-          <a:prstGeom prst="rect">
-            <a:avLst/>
-          </a:prstGeom>
-          <a:noFill/>
-        </p:spPr>
-        <p:txBody>
-          <a:bodyPr wrap="square">
-            <a:spAutoFit/>
-          </a:bodyPr>
-          <a:lstStyle/>
-          <a:p>
-            <a:r>
-              <a:rPr kumimoji="1" lang="en-US" altLang="zh-TW" sz="2400" dirty="0" err="1">
-                <a:solidFill>
-                  <a:srgbClr val="00B050"/>
-                </a:solidFill>
-                <a:effectLst>
-                  <a:outerShdw blurRad="38100" dist="38100" dir="2700000" algn="tl">
-                    <a:srgbClr val="000000">
-                      <a:alpha val="43137"/>
-                    </a:srgbClr>
-                  </a:outerShdw>
-                </a:effectLst>
-                <a:latin typeface="Consolas" panose="020B0609020204030204" pitchFamily="49" charset="0"/>
-                <a:ea typeface="微軟正黑體" panose="020B0604030504040204" pitchFamily="34" charset="-120"/>
-                <a:cs typeface="Heiti TC Light"/>
-              </a:rPr>
-              <a:t>conda</a:t>
-            </a:r>
-            <a:r>
-              <a:rPr kumimoji="1" lang="en-US" altLang="zh-TW" sz="2400" dirty="0">
-                <a:solidFill>
-                  <a:srgbClr val="00B050"/>
-                </a:solidFill>
-                <a:effectLst>
-                  <a:outerShdw blurRad="38100" dist="38100" dir="2700000" algn="tl">
-                    <a:srgbClr val="000000">
-                      <a:alpha val="43137"/>
-                    </a:srgbClr>
-                  </a:outerShdw>
-                </a:effectLst>
-                <a:latin typeface="Consolas" panose="020B0609020204030204" pitchFamily="49" charset="0"/>
-                <a:ea typeface="微軟正黑體" panose="020B0604030504040204" pitchFamily="34" charset="-120"/>
-                <a:cs typeface="Heiti TC Light"/>
-              </a:rPr>
-              <a:t> activate </a:t>
-            </a:r>
-            <a:r>
-              <a:rPr kumimoji="1" lang="en-US" altLang="zh-TW" sz="2400" dirty="0" err="1">
-                <a:solidFill>
-                  <a:srgbClr val="00B050"/>
-                </a:solidFill>
-                <a:effectLst>
-                  <a:outerShdw blurRad="38100" dist="38100" dir="2700000" algn="tl">
-                    <a:srgbClr val="000000">
-                      <a:alpha val="43137"/>
-                    </a:srgbClr>
-                  </a:outerShdw>
-                </a:effectLst>
-                <a:latin typeface="Consolas" panose="020B0609020204030204" pitchFamily="49" charset="0"/>
-                <a:ea typeface="微軟正黑體" panose="020B0604030504040204" pitchFamily="34" charset="-120"/>
-                <a:cs typeface="Heiti TC Light"/>
-              </a:rPr>
-              <a:t>linebot</a:t>
-            </a:r>
-            <a:endParaRPr kumimoji="1" lang="en-US" altLang="zh-TW" sz="2400" dirty="0">
-              <a:solidFill>
-                <a:srgbClr val="00B050"/>
-              </a:solidFill>
-              <a:effectLst>
-                <a:outerShdw blurRad="38100" dist="38100" dir="2700000" algn="tl">
-                  <a:srgbClr val="000000">
-                    <a:alpha val="43137"/>
-                  </a:srgbClr>
-                </a:outerShdw>
-              </a:effectLst>
-              <a:latin typeface="Consolas" panose="020B0609020204030204" pitchFamily="49" charset="0"/>
-              <a:ea typeface="微軟正黑體" panose="020B0604030504040204" pitchFamily="34" charset="-120"/>
-              <a:cs typeface="Heiti TC Light"/>
-            </a:endParaRPr>
-          </a:p>
-          <a:p>
-            <a:r>
-              <a:rPr kumimoji="1" lang="en-US" altLang="zh-TW" sz="2400" dirty="0" err="1">
-                <a:solidFill>
-                  <a:srgbClr val="00B050"/>
-                </a:solidFill>
-                <a:effectLst>
-                  <a:outerShdw blurRad="38100" dist="38100" dir="2700000" algn="tl">
-                    <a:srgbClr val="000000">
-                      <a:alpha val="43137"/>
-                    </a:srgbClr>
-                  </a:outerShdw>
-                </a:effectLst>
-                <a:latin typeface="Consolas" panose="020B0609020204030204" pitchFamily="49" charset="0"/>
-                <a:ea typeface="微軟正黑體" panose="020B0604030504040204" pitchFamily="34" charset="-120"/>
-                <a:cs typeface="Heiti TC Light"/>
-              </a:rPr>
-              <a:t>conda</a:t>
-            </a:r>
-            <a:r>
-              <a:rPr kumimoji="1" lang="en-US" altLang="zh-TW" sz="2400" dirty="0">
-                <a:solidFill>
-                  <a:srgbClr val="00B050"/>
-                </a:solidFill>
-                <a:effectLst>
-                  <a:outerShdw blurRad="38100" dist="38100" dir="2700000" algn="tl">
-                    <a:srgbClr val="000000">
-                      <a:alpha val="43137"/>
-                    </a:srgbClr>
-                  </a:outerShdw>
-                </a:effectLst>
-                <a:latin typeface="Consolas" panose="020B0609020204030204" pitchFamily="49" charset="0"/>
-                <a:ea typeface="微軟正黑體" panose="020B0604030504040204" pitchFamily="34" charset="-120"/>
-                <a:cs typeface="Heiti TC Light"/>
-              </a:rPr>
-              <a:t> env config vars set &lt;</a:t>
-            </a:r>
-            <a:r>
-              <a:rPr kumimoji="1" lang="zh-TW" altLang="en-US" sz="2400" dirty="0">
-                <a:solidFill>
-                  <a:srgbClr val="00B050"/>
-                </a:solidFill>
-                <a:effectLst>
-                  <a:outerShdw blurRad="38100" dist="38100" dir="2700000" algn="tl">
-                    <a:srgbClr val="000000">
-                      <a:alpha val="43137"/>
-                    </a:srgbClr>
-                  </a:outerShdw>
-                </a:effectLst>
-                <a:latin typeface="Consolas" panose="020B0609020204030204" pitchFamily="49" charset="0"/>
-                <a:ea typeface="微軟正黑體" panose="020B0604030504040204" pitchFamily="34" charset="-120"/>
-                <a:cs typeface="Heiti TC Light"/>
-              </a:rPr>
-              <a:t>要設定的變數</a:t>
-            </a:r>
-            <a:r>
-              <a:rPr kumimoji="1" lang="en-US" altLang="zh-TW" sz="2400" dirty="0">
-                <a:solidFill>
-                  <a:srgbClr val="00B050"/>
-                </a:solidFill>
-                <a:effectLst>
-                  <a:outerShdw blurRad="38100" dist="38100" dir="2700000" algn="tl">
-                    <a:srgbClr val="000000">
-                      <a:alpha val="43137"/>
-                    </a:srgbClr>
-                  </a:outerShdw>
-                </a:effectLst>
-                <a:latin typeface="Consolas" panose="020B0609020204030204" pitchFamily="49" charset="0"/>
-                <a:ea typeface="微軟正黑體" panose="020B0604030504040204" pitchFamily="34" charset="-120"/>
-                <a:cs typeface="Heiti TC Light"/>
-              </a:rPr>
-              <a:t>&gt;=&lt;</a:t>
-            </a:r>
-            <a:r>
-              <a:rPr kumimoji="1" lang="zh-TW" altLang="en-US" sz="2400" dirty="0">
-                <a:solidFill>
-                  <a:srgbClr val="00B050"/>
-                </a:solidFill>
-                <a:effectLst>
-                  <a:outerShdw blurRad="38100" dist="38100" dir="2700000" algn="tl">
-                    <a:srgbClr val="000000">
-                      <a:alpha val="43137"/>
-                    </a:srgbClr>
-                  </a:outerShdw>
-                </a:effectLst>
-                <a:latin typeface="Consolas" panose="020B0609020204030204" pitchFamily="49" charset="0"/>
-                <a:ea typeface="微軟正黑體" panose="020B0604030504040204" pitchFamily="34" charset="-120"/>
-                <a:cs typeface="Heiti TC Light"/>
-              </a:rPr>
-              <a:t>你的金鑰</a:t>
-            </a:r>
-            <a:r>
-              <a:rPr kumimoji="1" lang="en-US" altLang="zh-TW" sz="2400" dirty="0">
-                <a:solidFill>
-                  <a:srgbClr val="00B050"/>
-                </a:solidFill>
-                <a:effectLst>
-                  <a:outerShdw blurRad="38100" dist="38100" dir="2700000" algn="tl">
-                    <a:srgbClr val="000000">
-                      <a:alpha val="43137"/>
-                    </a:srgbClr>
-                  </a:outerShdw>
-                </a:effectLst>
-                <a:latin typeface="Consolas" panose="020B0609020204030204" pitchFamily="49" charset="0"/>
-                <a:ea typeface="微軟正黑體" panose="020B0604030504040204" pitchFamily="34" charset="-120"/>
-                <a:cs typeface="Heiti TC Light"/>
-              </a:rPr>
-              <a:t>&gt;</a:t>
-            </a:r>
-          </a:p>
-        </p:txBody>
-      </p:sp>
-      <p:sp>
-        <p:nvSpPr>
-          <p:cNvPr id="2" name="文字版面配置區 2">
-            <a:extLst>
-              <a:ext uri="{FF2B5EF4-FFF2-40B4-BE49-F238E27FC236}">
-                <a16:creationId xmlns:a16="http://schemas.microsoft.com/office/drawing/2014/main" id="{DB2FAA46-9B2A-DC8E-8996-377E71D9CC5C}"/>
+                <a16:creationId xmlns:a16="http://schemas.microsoft.com/office/drawing/2014/main" id="{DC362AB1-BDCB-D11A-89BE-0A2EC77A4AD2}"/>
               </a:ext>
             </a:extLst>
           </p:cNvPr>
@@ -37270,10 +37583,10 @@
       </p:sp>
       <p:pic>
         <p:nvPicPr>
-          <p:cNvPr id="5" name="圖片 4">
+          <p:cNvPr id="4" name="圖片 3">
             <a:extLst>
               <a:ext uri="{FF2B5EF4-FFF2-40B4-BE49-F238E27FC236}">
-                <a16:creationId xmlns:a16="http://schemas.microsoft.com/office/drawing/2014/main" id="{1060C6A7-FB20-8F8D-490E-32323B4ABDA3}"/>
+                <a16:creationId xmlns:a16="http://schemas.microsoft.com/office/drawing/2014/main" id="{76442E8A-F4BD-1E62-681A-5D22DFFE3ED0}"/>
               </a:ext>
             </a:extLst>
           </p:cNvPr>
@@ -37290,8 +37603,8 @@
         </p:blipFill>
         <p:spPr>
           <a:xfrm>
-            <a:off x="128466" y="2643105"/>
-            <a:ext cx="8763611" cy="3530867"/>
+            <a:off x="772633" y="1369234"/>
+            <a:ext cx="7780263" cy="5320749"/>
           </a:xfrm>
           <a:prstGeom prst="rect">
             <a:avLst/>
@@ -37301,7 +37614,7 @@
     </p:spTree>
     <p:extLst>
       <p:ext uri="{BB962C8B-B14F-4D97-AF65-F5344CB8AC3E}">
-        <p14:creationId xmlns:p14="http://schemas.microsoft.com/office/powerpoint/2010/main" val="1398163176"/>
+        <p14:creationId xmlns:p14="http://schemas.microsoft.com/office/powerpoint/2010/main" val="1900225590"/>
       </p:ext>
     </p:extLst>
   </p:cSld>
@@ -37333,10 +37646,10 @@
       </p:grpSpPr>
       <p:sp>
         <p:nvSpPr>
-          <p:cNvPr id="2" name="文字版面配置區 2">
+          <p:cNvPr id="6" name="文字版面配置區 2">
             <a:extLst>
               <a:ext uri="{FF2B5EF4-FFF2-40B4-BE49-F238E27FC236}">
-                <a16:creationId xmlns:a16="http://schemas.microsoft.com/office/drawing/2014/main" id="{DB2FAA46-9B2A-DC8E-8996-377E71D9CC5C}"/>
+                <a16:creationId xmlns:a16="http://schemas.microsoft.com/office/drawing/2014/main" id="{DC362AB1-BDCB-D11A-89BE-0A2EC77A4AD2}"/>
               </a:ext>
             </a:extLst>
           </p:cNvPr>
@@ -37347,8 +37660,8 @@
         </p:nvSpPr>
         <p:spPr>
           <a:xfrm>
-            <a:off x="1827994" y="188728"/>
-            <a:ext cx="5488011" cy="990600"/>
+            <a:off x="843516" y="251778"/>
+            <a:ext cx="8086081" cy="990600"/>
           </a:xfrm>
           <a:prstGeom prst="rect">
             <a:avLst/>
@@ -37381,7 +37694,7 @@
                 <a:latin typeface="微軟正黑體" panose="020B0604030504040204" pitchFamily="34" charset="-120"/>
                 <a:ea typeface="微軟正黑體" panose="020B0604030504040204" pitchFamily="34" charset="-120"/>
               </a:rPr>
-              <a:t>如果是</a:t>
+              <a:t>設定</a:t>
             </a:r>
             <a:r>
               <a:rPr lang="en-US" altLang="zh-TW" sz="4000" b="1" kern="0" dirty="0">
@@ -37398,24 +37711,7 @@
                 <a:latin typeface="微軟正黑體" panose="020B0604030504040204" pitchFamily="34" charset="-120"/>
                 <a:ea typeface="微軟正黑體" panose="020B0604030504040204" pitchFamily="34" charset="-120"/>
               </a:rPr>
-              <a:t>Google </a:t>
-            </a:r>
-            <a:r>
-              <a:rPr lang="en-US" altLang="zh-TW" sz="4000" b="1" kern="0" dirty="0" err="1">
-                <a:solidFill>
-                  <a:srgbClr val="00B0F0"/>
-                </a:solidFill>
-                <a:effectLst>
-                  <a:outerShdw blurRad="38100" dist="38100" dir="2700000" algn="tl">
-                    <a:srgbClr val="000000">
-                      <a:alpha val="43137"/>
-                    </a:srgbClr>
-                  </a:outerShdw>
-                </a:effectLst>
-                <a:latin typeface="微軟正黑體" panose="020B0604030504040204" pitchFamily="34" charset="-120"/>
-                <a:ea typeface="微軟正黑體" panose="020B0604030504040204" pitchFamily="34" charset="-120"/>
-              </a:rPr>
-              <a:t>Colab</a:t>
+              <a:t>LINE Channel Access Token</a:t>
             </a:r>
             <a:endParaRPr lang="zh-TW" altLang="en-US" sz="4000" b="1" kern="0" dirty="0">
               <a:solidFill>
@@ -37436,10 +37732,10 @@
       </p:sp>
       <p:pic>
         <p:nvPicPr>
-          <p:cNvPr id="6" name="圖片 5">
+          <p:cNvPr id="3" name="圖片 2">
             <a:extLst>
               <a:ext uri="{FF2B5EF4-FFF2-40B4-BE49-F238E27FC236}">
-                <a16:creationId xmlns:a16="http://schemas.microsoft.com/office/drawing/2014/main" id="{360359E3-2068-957A-287D-F39262BB2196}"/>
+                <a16:creationId xmlns:a16="http://schemas.microsoft.com/office/drawing/2014/main" id="{1EB593F6-1992-DB05-01E4-F0D801659978}"/>
               </a:ext>
             </a:extLst>
           </p:cNvPr>
@@ -37456,8 +37752,8 @@
         </p:blipFill>
         <p:spPr>
           <a:xfrm>
-            <a:off x="320029" y="1759698"/>
-            <a:ext cx="8503942" cy="4260101"/>
+            <a:off x="317225" y="2028143"/>
+            <a:ext cx="8612372" cy="3016255"/>
           </a:xfrm>
           <a:prstGeom prst="rect">
             <a:avLst/>
@@ -37467,7 +37763,7 @@
     </p:spTree>
     <p:extLst>
       <p:ext uri="{BB962C8B-B14F-4D97-AF65-F5344CB8AC3E}">
-        <p14:creationId xmlns:p14="http://schemas.microsoft.com/office/powerpoint/2010/main" val="261148238"/>
+        <p14:creationId xmlns:p14="http://schemas.microsoft.com/office/powerpoint/2010/main" val="1311519500"/>
       </p:ext>
     </p:extLst>
   </p:cSld>
@@ -37499,6 +37795,216 @@
       </p:grpSpPr>
       <p:sp>
         <p:nvSpPr>
+          <p:cNvPr id="4" name="文字方塊 3">
+            <a:extLst>
+              <a:ext uri="{FF2B5EF4-FFF2-40B4-BE49-F238E27FC236}">
+                <a16:creationId xmlns:a16="http://schemas.microsoft.com/office/drawing/2014/main" id="{2A400E13-7562-60AF-5544-886E3FCCC917}"/>
+              </a:ext>
+            </a:extLst>
+          </p:cNvPr>
+          <p:cNvSpPr txBox="1"/>
+          <p:nvPr/>
+        </p:nvSpPr>
+        <p:spPr>
+          <a:xfrm>
+            <a:off x="427054" y="1412497"/>
+            <a:ext cx="8546824" cy="830997"/>
+          </a:xfrm>
+          <a:prstGeom prst="rect">
+            <a:avLst/>
+          </a:prstGeom>
+          <a:noFill/>
+        </p:spPr>
+        <p:txBody>
+          <a:bodyPr wrap="square">
+            <a:spAutoFit/>
+          </a:bodyPr>
+          <a:lstStyle/>
+          <a:p>
+            <a:r>
+              <a:rPr kumimoji="1" lang="en-US" altLang="zh-TW" sz="2400" dirty="0" err="1">
+                <a:solidFill>
+                  <a:srgbClr val="00B050"/>
+                </a:solidFill>
+                <a:effectLst>
+                  <a:outerShdw blurRad="38100" dist="38100" dir="2700000" algn="tl">
+                    <a:srgbClr val="000000">
+                      <a:alpha val="43137"/>
+                    </a:srgbClr>
+                  </a:outerShdw>
+                </a:effectLst>
+                <a:latin typeface="Consolas" panose="020B0609020204030204" pitchFamily="49" charset="0"/>
+                <a:ea typeface="微軟正黑體" panose="020B0604030504040204" pitchFamily="34" charset="-120"/>
+                <a:cs typeface="Heiti TC Light"/>
+              </a:rPr>
+              <a:t>conda</a:t>
+            </a:r>
+            <a:r>
+              <a:rPr kumimoji="1" lang="en-US" altLang="zh-TW" sz="2400" dirty="0">
+                <a:solidFill>
+                  <a:srgbClr val="00B050"/>
+                </a:solidFill>
+                <a:effectLst>
+                  <a:outerShdw blurRad="38100" dist="38100" dir="2700000" algn="tl">
+                    <a:srgbClr val="000000">
+                      <a:alpha val="43137"/>
+                    </a:srgbClr>
+                  </a:outerShdw>
+                </a:effectLst>
+                <a:latin typeface="Consolas" panose="020B0609020204030204" pitchFamily="49" charset="0"/>
+                <a:ea typeface="微軟正黑體" panose="020B0604030504040204" pitchFamily="34" charset="-120"/>
+                <a:cs typeface="Heiti TC Light"/>
+              </a:rPr>
+              <a:t> activate </a:t>
+            </a:r>
+            <a:r>
+              <a:rPr kumimoji="1" lang="en-US" altLang="zh-TW" sz="2400" dirty="0" err="1">
+                <a:solidFill>
+                  <a:srgbClr val="00B050"/>
+                </a:solidFill>
+                <a:effectLst>
+                  <a:outerShdw blurRad="38100" dist="38100" dir="2700000" algn="tl">
+                    <a:srgbClr val="000000">
+                      <a:alpha val="43137"/>
+                    </a:srgbClr>
+                  </a:outerShdw>
+                </a:effectLst>
+                <a:latin typeface="Consolas" panose="020B0609020204030204" pitchFamily="49" charset="0"/>
+                <a:ea typeface="微軟正黑體" panose="020B0604030504040204" pitchFamily="34" charset="-120"/>
+                <a:cs typeface="Heiti TC Light"/>
+              </a:rPr>
+              <a:t>linebot</a:t>
+            </a:r>
+            <a:endParaRPr kumimoji="1" lang="en-US" altLang="zh-TW" sz="2400" dirty="0">
+              <a:solidFill>
+                <a:srgbClr val="00B050"/>
+              </a:solidFill>
+              <a:effectLst>
+                <a:outerShdw blurRad="38100" dist="38100" dir="2700000" algn="tl">
+                  <a:srgbClr val="000000">
+                    <a:alpha val="43137"/>
+                  </a:srgbClr>
+                </a:outerShdw>
+              </a:effectLst>
+              <a:latin typeface="Consolas" panose="020B0609020204030204" pitchFamily="49" charset="0"/>
+              <a:ea typeface="微軟正黑體" panose="020B0604030504040204" pitchFamily="34" charset="-120"/>
+              <a:cs typeface="Heiti TC Light"/>
+            </a:endParaRPr>
+          </a:p>
+          <a:p>
+            <a:r>
+              <a:rPr kumimoji="1" lang="en-US" altLang="zh-TW" sz="2400" dirty="0" err="1">
+                <a:solidFill>
+                  <a:srgbClr val="00B050"/>
+                </a:solidFill>
+                <a:effectLst>
+                  <a:outerShdw blurRad="38100" dist="38100" dir="2700000" algn="tl">
+                    <a:srgbClr val="000000">
+                      <a:alpha val="43137"/>
+                    </a:srgbClr>
+                  </a:outerShdw>
+                </a:effectLst>
+                <a:latin typeface="Consolas" panose="020B0609020204030204" pitchFamily="49" charset="0"/>
+                <a:ea typeface="微軟正黑體" panose="020B0604030504040204" pitchFamily="34" charset="-120"/>
+                <a:cs typeface="Heiti TC Light"/>
+              </a:rPr>
+              <a:t>conda</a:t>
+            </a:r>
+            <a:r>
+              <a:rPr kumimoji="1" lang="en-US" altLang="zh-TW" sz="2400" dirty="0">
+                <a:solidFill>
+                  <a:srgbClr val="00B050"/>
+                </a:solidFill>
+                <a:effectLst>
+                  <a:outerShdw blurRad="38100" dist="38100" dir="2700000" algn="tl">
+                    <a:srgbClr val="000000">
+                      <a:alpha val="43137"/>
+                    </a:srgbClr>
+                  </a:outerShdw>
+                </a:effectLst>
+                <a:latin typeface="Consolas" panose="020B0609020204030204" pitchFamily="49" charset="0"/>
+                <a:ea typeface="微軟正黑體" panose="020B0604030504040204" pitchFamily="34" charset="-120"/>
+                <a:cs typeface="Heiti TC Light"/>
+              </a:rPr>
+              <a:t> env config vars set &lt;</a:t>
+            </a:r>
+            <a:r>
+              <a:rPr kumimoji="1" lang="zh-TW" altLang="en-US" sz="2400" dirty="0">
+                <a:solidFill>
+                  <a:srgbClr val="00B050"/>
+                </a:solidFill>
+                <a:effectLst>
+                  <a:outerShdw blurRad="38100" dist="38100" dir="2700000" algn="tl">
+                    <a:srgbClr val="000000">
+                      <a:alpha val="43137"/>
+                    </a:srgbClr>
+                  </a:outerShdw>
+                </a:effectLst>
+                <a:latin typeface="Consolas" panose="020B0609020204030204" pitchFamily="49" charset="0"/>
+                <a:ea typeface="微軟正黑體" panose="020B0604030504040204" pitchFamily="34" charset="-120"/>
+                <a:cs typeface="Heiti TC Light"/>
+              </a:rPr>
+              <a:t>要設定的變數</a:t>
+            </a:r>
+            <a:r>
+              <a:rPr kumimoji="1" lang="en-US" altLang="zh-TW" sz="2400" dirty="0">
+                <a:solidFill>
+                  <a:srgbClr val="00B050"/>
+                </a:solidFill>
+                <a:effectLst>
+                  <a:outerShdw blurRad="38100" dist="38100" dir="2700000" algn="tl">
+                    <a:srgbClr val="000000">
+                      <a:alpha val="43137"/>
+                    </a:srgbClr>
+                  </a:outerShdw>
+                </a:effectLst>
+                <a:latin typeface="Consolas" panose="020B0609020204030204" pitchFamily="49" charset="0"/>
+                <a:ea typeface="微軟正黑體" panose="020B0604030504040204" pitchFamily="34" charset="-120"/>
+                <a:cs typeface="Heiti TC Light"/>
+              </a:rPr>
+              <a:t>&gt;=&lt;</a:t>
+            </a:r>
+            <a:r>
+              <a:rPr kumimoji="1" lang="zh-TW" altLang="en-US" sz="2400" dirty="0">
+                <a:solidFill>
+                  <a:srgbClr val="00B050"/>
+                </a:solidFill>
+                <a:effectLst>
+                  <a:outerShdw blurRad="38100" dist="38100" dir="2700000" algn="tl">
+                    <a:srgbClr val="000000">
+                      <a:alpha val="43137"/>
+                    </a:srgbClr>
+                  </a:outerShdw>
+                </a:effectLst>
+                <a:latin typeface="Consolas" panose="020B0609020204030204" pitchFamily="49" charset="0"/>
+                <a:ea typeface="微軟正黑體" panose="020B0604030504040204" pitchFamily="34" charset="-120"/>
+                <a:cs typeface="Heiti TC Light"/>
+              </a:rPr>
+              <a:t>你的金鑰</a:t>
+            </a:r>
+            <a:r>
+              <a:rPr kumimoji="1" lang="en-US" altLang="zh-TW" sz="2400" dirty="0">
+                <a:solidFill>
+                  <a:srgbClr val="00B050"/>
+                </a:solidFill>
+                <a:effectLst>
+                  <a:outerShdw blurRad="38100" dist="38100" dir="2700000" algn="tl">
+                    <a:srgbClr val="000000">
+                      <a:alpha val="43137"/>
+                    </a:srgbClr>
+                  </a:outerShdw>
+                </a:effectLst>
+                <a:latin typeface="Consolas" panose="020B0609020204030204" pitchFamily="49" charset="0"/>
+                <a:ea typeface="微軟正黑體" panose="020B0604030504040204" pitchFamily="34" charset="-120"/>
+                <a:cs typeface="Heiti TC Light"/>
+              </a:rPr>
+              <a:t>&gt;</a:t>
+            </a:r>
+          </a:p>
+        </p:txBody>
+      </p:sp>
+      <p:sp>
+        <p:nvSpPr>
           <p:cNvPr id="2" name="文字版面配置區 2">
             <a:extLst>
               <a:ext uri="{FF2B5EF4-FFF2-40B4-BE49-F238E27FC236}">
@@ -37513,8 +38019,8 @@
         </p:nvSpPr>
         <p:spPr>
           <a:xfrm>
-            <a:off x="1827994" y="188728"/>
-            <a:ext cx="5488011" cy="990600"/>
+            <a:off x="843516" y="251778"/>
+            <a:ext cx="8086081" cy="990600"/>
           </a:xfrm>
           <a:prstGeom prst="rect">
             <a:avLst/>
@@ -37547,7 +38053,7 @@
                 <a:latin typeface="微軟正黑體" panose="020B0604030504040204" pitchFamily="34" charset="-120"/>
                 <a:ea typeface="微軟正黑體" panose="020B0604030504040204" pitchFamily="34" charset="-120"/>
               </a:rPr>
-              <a:t>如果是</a:t>
+              <a:t>設定</a:t>
             </a:r>
             <a:r>
               <a:rPr lang="en-US" altLang="zh-TW" sz="4000" b="1" kern="0" dirty="0">
@@ -37564,24 +38070,7 @@
                 <a:latin typeface="微軟正黑體" panose="020B0604030504040204" pitchFamily="34" charset="-120"/>
                 <a:ea typeface="微軟正黑體" panose="020B0604030504040204" pitchFamily="34" charset="-120"/>
               </a:rPr>
-              <a:t>Google </a:t>
-            </a:r>
-            <a:r>
-              <a:rPr lang="en-US" altLang="zh-TW" sz="4000" b="1" kern="0" dirty="0" err="1">
-                <a:solidFill>
-                  <a:srgbClr val="00B0F0"/>
-                </a:solidFill>
-                <a:effectLst>
-                  <a:outerShdw blurRad="38100" dist="38100" dir="2700000" algn="tl">
-                    <a:srgbClr val="000000">
-                      <a:alpha val="43137"/>
-                    </a:srgbClr>
-                  </a:outerShdw>
-                </a:effectLst>
-                <a:latin typeface="微軟正黑體" panose="020B0604030504040204" pitchFamily="34" charset="-120"/>
-                <a:ea typeface="微軟正黑體" panose="020B0604030504040204" pitchFamily="34" charset="-120"/>
-              </a:rPr>
-              <a:t>Colab</a:t>
+              <a:t>LINE Channel Access Token</a:t>
             </a:r>
             <a:endParaRPr lang="zh-TW" altLang="en-US" sz="4000" b="1" kern="0" dirty="0">
               <a:solidFill>
@@ -37602,10 +38091,10 @@
       </p:sp>
       <p:pic>
         <p:nvPicPr>
-          <p:cNvPr id="4" name="圖片 3">
+          <p:cNvPr id="5" name="圖片 4">
             <a:extLst>
               <a:ext uri="{FF2B5EF4-FFF2-40B4-BE49-F238E27FC236}">
-                <a16:creationId xmlns:a16="http://schemas.microsoft.com/office/drawing/2014/main" id="{63D65C32-6021-B7BC-1CE3-88652EAA79CA}"/>
+                <a16:creationId xmlns:a16="http://schemas.microsoft.com/office/drawing/2014/main" id="{1060C6A7-FB20-8F8D-490E-32323B4ABDA3}"/>
               </a:ext>
             </a:extLst>
           </p:cNvPr>
@@ -37622,8 +38111,8 @@
         </p:blipFill>
         <p:spPr>
           <a:xfrm>
-            <a:off x="817417" y="1350325"/>
-            <a:ext cx="7862455" cy="5318947"/>
+            <a:off x="128466" y="2643105"/>
+            <a:ext cx="8763611" cy="3530867"/>
           </a:xfrm>
           <a:prstGeom prst="rect">
             <a:avLst/>
@@ -37633,7 +38122,7 @@
     </p:spTree>
     <p:extLst>
       <p:ext uri="{BB962C8B-B14F-4D97-AF65-F5344CB8AC3E}">
-        <p14:creationId xmlns:p14="http://schemas.microsoft.com/office/powerpoint/2010/main" val="2009663404"/>
+        <p14:creationId xmlns:p14="http://schemas.microsoft.com/office/powerpoint/2010/main" val="1398163176"/>
       </p:ext>
     </p:extLst>
   </p:cSld>
@@ -37768,10 +38257,10 @@
       </p:sp>
       <p:pic>
         <p:nvPicPr>
-          <p:cNvPr id="5" name="圖片 4">
+          <p:cNvPr id="6" name="圖片 5">
             <a:extLst>
               <a:ext uri="{FF2B5EF4-FFF2-40B4-BE49-F238E27FC236}">
-                <a16:creationId xmlns:a16="http://schemas.microsoft.com/office/drawing/2014/main" id="{44D56CD6-27D1-281B-E67C-9A7DB94B9284}"/>
+                <a16:creationId xmlns:a16="http://schemas.microsoft.com/office/drawing/2014/main" id="{360359E3-2068-957A-287D-F39262BB2196}"/>
               </a:ext>
             </a:extLst>
           </p:cNvPr>
@@ -37788,8 +38277,8 @@
         </p:blipFill>
         <p:spPr>
           <a:xfrm>
-            <a:off x="749876" y="1882919"/>
-            <a:ext cx="7186139" cy="3111645"/>
+            <a:off x="320029" y="1759698"/>
+            <a:ext cx="8503942" cy="4260101"/>
           </a:xfrm>
           <a:prstGeom prst="rect">
             <a:avLst/>
@@ -37799,7 +38288,173 @@
     </p:spTree>
     <p:extLst>
       <p:ext uri="{BB962C8B-B14F-4D97-AF65-F5344CB8AC3E}">
-        <p14:creationId xmlns:p14="http://schemas.microsoft.com/office/powerpoint/2010/main" val="3194561646"/>
+        <p14:creationId xmlns:p14="http://schemas.microsoft.com/office/powerpoint/2010/main" val="261148238"/>
+      </p:ext>
+    </p:extLst>
+  </p:cSld>
+  <p:clrMapOvr>
+    <a:masterClrMapping/>
+  </p:clrMapOvr>
+  <p:transition>
+    <p:fade/>
+  </p:transition>
+</p:sld>
+</file>
+
+<file path=ppt/slides/slide59.xml><?xml version="1.0" encoding="utf-8"?>
+<p:sld xmlns:a="http://schemas.openxmlformats.org/drawingml/2006/main" xmlns:r="http://schemas.openxmlformats.org/officeDocument/2006/relationships" xmlns:p="http://schemas.openxmlformats.org/presentationml/2006/main">
+  <p:cSld>
+    <p:spTree>
+      <p:nvGrpSpPr>
+        <p:cNvPr id="1" name=""/>
+        <p:cNvGrpSpPr/>
+        <p:nvPr/>
+      </p:nvGrpSpPr>
+      <p:grpSpPr>
+        <a:xfrm>
+          <a:off x="0" y="0"/>
+          <a:ext cx="0" cy="0"/>
+          <a:chOff x="0" y="0"/>
+          <a:chExt cx="0" cy="0"/>
+        </a:xfrm>
+      </p:grpSpPr>
+      <p:sp>
+        <p:nvSpPr>
+          <p:cNvPr id="2" name="文字版面配置區 2">
+            <a:extLst>
+              <a:ext uri="{FF2B5EF4-FFF2-40B4-BE49-F238E27FC236}">
+                <a16:creationId xmlns:a16="http://schemas.microsoft.com/office/drawing/2014/main" id="{DB2FAA46-9B2A-DC8E-8996-377E71D9CC5C}"/>
+              </a:ext>
+            </a:extLst>
+          </p:cNvPr>
+          <p:cNvSpPr txBox="1">
+            <a:spLocks/>
+          </p:cNvSpPr>
+          <p:nvPr/>
+        </p:nvSpPr>
+        <p:spPr>
+          <a:xfrm>
+            <a:off x="1827994" y="188728"/>
+            <a:ext cx="5488011" cy="990600"/>
+          </a:xfrm>
+          <a:prstGeom prst="rect">
+            <a:avLst/>
+          </a:prstGeom>
+        </p:spPr>
+        <p:txBody>
+          <a:bodyPr tIns="91440" bIns="91440" anchor="b" anchorCtr="0">
+            <a:noAutofit/>
+          </a:bodyPr>
+          <a:lstStyle/>
+          <a:p>
+            <a:pPr algn="just">
+              <a:spcBef>
+                <a:spcPct val="20000"/>
+              </a:spcBef>
+              <a:defRPr/>
+            </a:pPr>
+            <a:r>
+              <a:rPr lang="zh-TW" altLang="en-US" sz="4000" b="1" kern="0" dirty="0">
+                <a:solidFill>
+                  <a:srgbClr val="00B0F0"/>
+                </a:solidFill>
+                <a:effectLst>
+                  <a:outerShdw blurRad="38100" dist="38100" dir="2700000" algn="tl">
+                    <a:srgbClr val="000000">
+                      <a:alpha val="43137"/>
+                    </a:srgbClr>
+                  </a:outerShdw>
+                </a:effectLst>
+                <a:latin typeface="微軟正黑體" panose="020B0604030504040204" pitchFamily="34" charset="-120"/>
+                <a:ea typeface="微軟正黑體" panose="020B0604030504040204" pitchFamily="34" charset="-120"/>
+              </a:rPr>
+              <a:t>如果是</a:t>
+            </a:r>
+            <a:r>
+              <a:rPr lang="en-US" altLang="zh-TW" sz="4000" b="1" kern="0" dirty="0">
+                <a:solidFill>
+                  <a:srgbClr val="00B0F0"/>
+                </a:solidFill>
+                <a:effectLst>
+                  <a:outerShdw blurRad="38100" dist="38100" dir="2700000" algn="tl">
+                    <a:srgbClr val="000000">
+                      <a:alpha val="43137"/>
+                    </a:srgbClr>
+                  </a:outerShdw>
+                </a:effectLst>
+                <a:latin typeface="微軟正黑體" panose="020B0604030504040204" pitchFamily="34" charset="-120"/>
+                <a:ea typeface="微軟正黑體" panose="020B0604030504040204" pitchFamily="34" charset="-120"/>
+              </a:rPr>
+              <a:t>Google </a:t>
+            </a:r>
+            <a:r>
+              <a:rPr lang="en-US" altLang="zh-TW" sz="4000" b="1" kern="0" dirty="0" err="1">
+                <a:solidFill>
+                  <a:srgbClr val="00B0F0"/>
+                </a:solidFill>
+                <a:effectLst>
+                  <a:outerShdw blurRad="38100" dist="38100" dir="2700000" algn="tl">
+                    <a:srgbClr val="000000">
+                      <a:alpha val="43137"/>
+                    </a:srgbClr>
+                  </a:outerShdw>
+                </a:effectLst>
+                <a:latin typeface="微軟正黑體" panose="020B0604030504040204" pitchFamily="34" charset="-120"/>
+                <a:ea typeface="微軟正黑體" panose="020B0604030504040204" pitchFamily="34" charset="-120"/>
+              </a:rPr>
+              <a:t>Colab</a:t>
+            </a:r>
+            <a:endParaRPr lang="zh-TW" altLang="en-US" sz="4000" b="1" kern="0" dirty="0">
+              <a:solidFill>
+                <a:srgbClr val="00B0F0"/>
+              </a:solidFill>
+              <a:effectLst>
+                <a:outerShdw blurRad="38100" dist="38100" dir="2700000" algn="tl">
+                  <a:srgbClr val="000000">
+                    <a:alpha val="43137"/>
+                  </a:srgbClr>
+                </a:outerShdw>
+              </a:effectLst>
+              <a:latin typeface="微軟正黑體" panose="020B0604030504040204" pitchFamily="34" charset="-120"/>
+              <a:ea typeface="微軟正黑體" panose="020B0604030504040204" pitchFamily="34" charset="-120"/>
+            </a:endParaRPr>
+          </a:p>
+        </p:txBody>
+      </p:sp>
+      <p:pic>
+        <p:nvPicPr>
+          <p:cNvPr id="4" name="圖片 3">
+            <a:extLst>
+              <a:ext uri="{FF2B5EF4-FFF2-40B4-BE49-F238E27FC236}">
+                <a16:creationId xmlns:a16="http://schemas.microsoft.com/office/drawing/2014/main" id="{63D65C32-6021-B7BC-1CE3-88652EAA79CA}"/>
+              </a:ext>
+            </a:extLst>
+          </p:cNvPr>
+          <p:cNvPicPr>
+            <a:picLocks noChangeAspect="1"/>
+          </p:cNvPicPr>
+          <p:nvPr/>
+        </p:nvPicPr>
+        <p:blipFill>
+          <a:blip r:embed="rId2"/>
+          <a:stretch>
+            <a:fillRect/>
+          </a:stretch>
+        </p:blipFill>
+        <p:spPr>
+          <a:xfrm>
+            <a:off x="817417" y="1350325"/>
+            <a:ext cx="7862455" cy="5318947"/>
+          </a:xfrm>
+          <a:prstGeom prst="rect">
+            <a:avLst/>
+          </a:prstGeom>
+        </p:spPr>
+      </p:pic>
+    </p:spTree>
+    <p:extLst>
+      <p:ext uri="{BB962C8B-B14F-4D97-AF65-F5344CB8AC3E}">
+        <p14:creationId xmlns:p14="http://schemas.microsoft.com/office/powerpoint/2010/main" val="2009663404"/>
       </p:ext>
     </p:extLst>
   </p:cSld>
@@ -37935,6 +38590,172 @@
     <p:extLst>
       <p:ext uri="{BB962C8B-B14F-4D97-AF65-F5344CB8AC3E}">
         <p14:creationId xmlns:p14="http://schemas.microsoft.com/office/powerpoint/2010/main" val="1289338081"/>
+      </p:ext>
+    </p:extLst>
+  </p:cSld>
+  <p:clrMapOvr>
+    <a:masterClrMapping/>
+  </p:clrMapOvr>
+  <p:transition>
+    <p:fade/>
+  </p:transition>
+</p:sld>
+</file>
+
+<file path=ppt/slides/slide60.xml><?xml version="1.0" encoding="utf-8"?>
+<p:sld xmlns:a="http://schemas.openxmlformats.org/drawingml/2006/main" xmlns:r="http://schemas.openxmlformats.org/officeDocument/2006/relationships" xmlns:p="http://schemas.openxmlformats.org/presentationml/2006/main">
+  <p:cSld>
+    <p:spTree>
+      <p:nvGrpSpPr>
+        <p:cNvPr id="1" name=""/>
+        <p:cNvGrpSpPr/>
+        <p:nvPr/>
+      </p:nvGrpSpPr>
+      <p:grpSpPr>
+        <a:xfrm>
+          <a:off x="0" y="0"/>
+          <a:ext cx="0" cy="0"/>
+          <a:chOff x="0" y="0"/>
+          <a:chExt cx="0" cy="0"/>
+        </a:xfrm>
+      </p:grpSpPr>
+      <p:sp>
+        <p:nvSpPr>
+          <p:cNvPr id="2" name="文字版面配置區 2">
+            <a:extLst>
+              <a:ext uri="{FF2B5EF4-FFF2-40B4-BE49-F238E27FC236}">
+                <a16:creationId xmlns:a16="http://schemas.microsoft.com/office/drawing/2014/main" id="{DB2FAA46-9B2A-DC8E-8996-377E71D9CC5C}"/>
+              </a:ext>
+            </a:extLst>
+          </p:cNvPr>
+          <p:cNvSpPr txBox="1">
+            <a:spLocks/>
+          </p:cNvSpPr>
+          <p:nvPr/>
+        </p:nvSpPr>
+        <p:spPr>
+          <a:xfrm>
+            <a:off x="1827994" y="188728"/>
+            <a:ext cx="5488011" cy="990600"/>
+          </a:xfrm>
+          <a:prstGeom prst="rect">
+            <a:avLst/>
+          </a:prstGeom>
+        </p:spPr>
+        <p:txBody>
+          <a:bodyPr tIns="91440" bIns="91440" anchor="b" anchorCtr="0">
+            <a:noAutofit/>
+          </a:bodyPr>
+          <a:lstStyle/>
+          <a:p>
+            <a:pPr algn="just">
+              <a:spcBef>
+                <a:spcPct val="20000"/>
+              </a:spcBef>
+              <a:defRPr/>
+            </a:pPr>
+            <a:r>
+              <a:rPr lang="zh-TW" altLang="en-US" sz="4000" b="1" kern="0" dirty="0">
+                <a:solidFill>
+                  <a:srgbClr val="00B0F0"/>
+                </a:solidFill>
+                <a:effectLst>
+                  <a:outerShdw blurRad="38100" dist="38100" dir="2700000" algn="tl">
+                    <a:srgbClr val="000000">
+                      <a:alpha val="43137"/>
+                    </a:srgbClr>
+                  </a:outerShdw>
+                </a:effectLst>
+                <a:latin typeface="微軟正黑體" panose="020B0604030504040204" pitchFamily="34" charset="-120"/>
+                <a:ea typeface="微軟正黑體" panose="020B0604030504040204" pitchFamily="34" charset="-120"/>
+              </a:rPr>
+              <a:t>如果是</a:t>
+            </a:r>
+            <a:r>
+              <a:rPr lang="en-US" altLang="zh-TW" sz="4000" b="1" kern="0" dirty="0">
+                <a:solidFill>
+                  <a:srgbClr val="00B0F0"/>
+                </a:solidFill>
+                <a:effectLst>
+                  <a:outerShdw blurRad="38100" dist="38100" dir="2700000" algn="tl">
+                    <a:srgbClr val="000000">
+                      <a:alpha val="43137"/>
+                    </a:srgbClr>
+                  </a:outerShdw>
+                </a:effectLst>
+                <a:latin typeface="微軟正黑體" panose="020B0604030504040204" pitchFamily="34" charset="-120"/>
+                <a:ea typeface="微軟正黑體" panose="020B0604030504040204" pitchFamily="34" charset="-120"/>
+              </a:rPr>
+              <a:t>Google </a:t>
+            </a:r>
+            <a:r>
+              <a:rPr lang="en-US" altLang="zh-TW" sz="4000" b="1" kern="0" dirty="0" err="1">
+                <a:solidFill>
+                  <a:srgbClr val="00B0F0"/>
+                </a:solidFill>
+                <a:effectLst>
+                  <a:outerShdw blurRad="38100" dist="38100" dir="2700000" algn="tl">
+                    <a:srgbClr val="000000">
+                      <a:alpha val="43137"/>
+                    </a:srgbClr>
+                  </a:outerShdw>
+                </a:effectLst>
+                <a:latin typeface="微軟正黑體" panose="020B0604030504040204" pitchFamily="34" charset="-120"/>
+                <a:ea typeface="微軟正黑體" panose="020B0604030504040204" pitchFamily="34" charset="-120"/>
+              </a:rPr>
+              <a:t>Colab</a:t>
+            </a:r>
+            <a:endParaRPr lang="zh-TW" altLang="en-US" sz="4000" b="1" kern="0" dirty="0">
+              <a:solidFill>
+                <a:srgbClr val="00B0F0"/>
+              </a:solidFill>
+              <a:effectLst>
+                <a:outerShdw blurRad="38100" dist="38100" dir="2700000" algn="tl">
+                  <a:srgbClr val="000000">
+                    <a:alpha val="43137"/>
+                  </a:srgbClr>
+                </a:outerShdw>
+              </a:effectLst>
+              <a:latin typeface="微軟正黑體" panose="020B0604030504040204" pitchFamily="34" charset="-120"/>
+              <a:ea typeface="微軟正黑體" panose="020B0604030504040204" pitchFamily="34" charset="-120"/>
+            </a:endParaRPr>
+          </a:p>
+        </p:txBody>
+      </p:sp>
+      <p:pic>
+        <p:nvPicPr>
+          <p:cNvPr id="5" name="圖片 4">
+            <a:extLst>
+              <a:ext uri="{FF2B5EF4-FFF2-40B4-BE49-F238E27FC236}">
+                <a16:creationId xmlns:a16="http://schemas.microsoft.com/office/drawing/2014/main" id="{44D56CD6-27D1-281B-E67C-9A7DB94B9284}"/>
+              </a:ext>
+            </a:extLst>
+          </p:cNvPr>
+          <p:cNvPicPr>
+            <a:picLocks noChangeAspect="1"/>
+          </p:cNvPicPr>
+          <p:nvPr/>
+        </p:nvPicPr>
+        <p:blipFill>
+          <a:blip r:embed="rId2"/>
+          <a:stretch>
+            <a:fillRect/>
+          </a:stretch>
+        </p:blipFill>
+        <p:spPr>
+          <a:xfrm>
+            <a:off x="749876" y="1882919"/>
+            <a:ext cx="7186139" cy="3111645"/>
+          </a:xfrm>
+          <a:prstGeom prst="rect">
+            <a:avLst/>
+          </a:prstGeom>
+        </p:spPr>
+      </p:pic>
+    </p:spTree>
+    <p:extLst>
+      <p:ext uri="{BB962C8B-B14F-4D97-AF65-F5344CB8AC3E}">
+        <p14:creationId xmlns:p14="http://schemas.microsoft.com/office/powerpoint/2010/main" val="3194561646"/>
       </p:ext>
     </p:extLst>
   </p:cSld>
